--- a/sifreleme algoritma.pptx
+++ b/sifreleme algoritma.pptx
@@ -2,7 +2,7 @@
 <file path=ppt/presentation.xml><?xml version="1.0" encoding="utf-8"?>
 <p:presentation xmlns:a="http://schemas.openxmlformats.org/drawingml/2006/main" xmlns:r="http://schemas.openxmlformats.org/officeDocument/2006/relationships" xmlns:p="http://schemas.openxmlformats.org/presentationml/2006/main" saveSubsetFonts="1">
   <p:sldMasterIdLst>
-    <p:sldMasterId id="2147483648" r:id="rId1"/>
+    <p:sldMasterId id="2147483660" r:id="rId1"/>
   </p:sldMasterIdLst>
   <p:sldIdLst>
     <p:sldId id="256" r:id="rId2"/>
@@ -11,16 +11,26 @@
     <p:sldId id="259" r:id="rId5"/>
     <p:sldId id="260" r:id="rId6"/>
     <p:sldId id="261" r:id="rId7"/>
-    <p:sldId id="262" r:id="rId8"/>
-    <p:sldId id="263" r:id="rId9"/>
+    <p:sldId id="272" r:id="rId8"/>
+    <p:sldId id="262" r:id="rId9"/>
+    <p:sldId id="263" r:id="rId10"/>
+    <p:sldId id="264" r:id="rId11"/>
+    <p:sldId id="265" r:id="rId12"/>
+    <p:sldId id="270" r:id="rId13"/>
+    <p:sldId id="271" r:id="rId14"/>
+    <p:sldId id="266" r:id="rId15"/>
+    <p:sldId id="267" r:id="rId16"/>
+    <p:sldId id="268" r:id="rId17"/>
+    <p:sldId id="273" r:id="rId18"/>
+    <p:sldId id="269" r:id="rId19"/>
   </p:sldIdLst>
   <p:sldSz cx="12192000" cy="6858000"/>
   <p:notesSz cx="6858000" cy="9144000"/>
   <p:defaultTextStyle>
     <a:defPPr>
-      <a:defRPr lang="tr-TR"/>
+      <a:defRPr lang="en-US"/>
     </a:defPPr>
-    <a:lvl1pPr marL="0" algn="l" defTabSz="914400" rtl="0" eaLnBrk="1" latinLnBrk="0" hangingPunct="1">
+    <a:lvl1pPr marL="0" algn="l" defTabSz="457200" rtl="0" eaLnBrk="1" latinLnBrk="0" hangingPunct="1">
       <a:defRPr sz="1800" kern="1200">
         <a:solidFill>
           <a:schemeClr val="tx1"/>
@@ -30,7 +40,7 @@
         <a:cs typeface="+mn-cs"/>
       </a:defRPr>
     </a:lvl1pPr>
-    <a:lvl2pPr marL="457200" algn="l" defTabSz="914400" rtl="0" eaLnBrk="1" latinLnBrk="0" hangingPunct="1">
+    <a:lvl2pPr marL="457200" algn="l" defTabSz="457200" rtl="0" eaLnBrk="1" latinLnBrk="0" hangingPunct="1">
       <a:defRPr sz="1800" kern="1200">
         <a:solidFill>
           <a:schemeClr val="tx1"/>
@@ -40,7 +50,7 @@
         <a:cs typeface="+mn-cs"/>
       </a:defRPr>
     </a:lvl2pPr>
-    <a:lvl3pPr marL="914400" algn="l" defTabSz="914400" rtl="0" eaLnBrk="1" latinLnBrk="0" hangingPunct="1">
+    <a:lvl3pPr marL="914400" algn="l" defTabSz="457200" rtl="0" eaLnBrk="1" latinLnBrk="0" hangingPunct="1">
       <a:defRPr sz="1800" kern="1200">
         <a:solidFill>
           <a:schemeClr val="tx1"/>
@@ -50,7 +60,7 @@
         <a:cs typeface="+mn-cs"/>
       </a:defRPr>
     </a:lvl3pPr>
-    <a:lvl4pPr marL="1371600" algn="l" defTabSz="914400" rtl="0" eaLnBrk="1" latinLnBrk="0" hangingPunct="1">
+    <a:lvl4pPr marL="1371600" algn="l" defTabSz="457200" rtl="0" eaLnBrk="1" latinLnBrk="0" hangingPunct="1">
       <a:defRPr sz="1800" kern="1200">
         <a:solidFill>
           <a:schemeClr val="tx1"/>
@@ -60,7 +70,7 @@
         <a:cs typeface="+mn-cs"/>
       </a:defRPr>
     </a:lvl4pPr>
-    <a:lvl5pPr marL="1828800" algn="l" defTabSz="914400" rtl="0" eaLnBrk="1" latinLnBrk="0" hangingPunct="1">
+    <a:lvl5pPr marL="1828800" algn="l" defTabSz="457200" rtl="0" eaLnBrk="1" latinLnBrk="0" hangingPunct="1">
       <a:defRPr sz="1800" kern="1200">
         <a:solidFill>
           <a:schemeClr val="tx1"/>
@@ -70,7 +80,7 @@
         <a:cs typeface="+mn-cs"/>
       </a:defRPr>
     </a:lvl5pPr>
-    <a:lvl6pPr marL="2286000" algn="l" defTabSz="914400" rtl="0" eaLnBrk="1" latinLnBrk="0" hangingPunct="1">
+    <a:lvl6pPr marL="2286000" algn="l" defTabSz="457200" rtl="0" eaLnBrk="1" latinLnBrk="0" hangingPunct="1">
       <a:defRPr sz="1800" kern="1200">
         <a:solidFill>
           <a:schemeClr val="tx1"/>
@@ -80,7 +90,7 @@
         <a:cs typeface="+mn-cs"/>
       </a:defRPr>
     </a:lvl6pPr>
-    <a:lvl7pPr marL="2743200" algn="l" defTabSz="914400" rtl="0" eaLnBrk="1" latinLnBrk="0" hangingPunct="1">
+    <a:lvl7pPr marL="2743200" algn="l" defTabSz="457200" rtl="0" eaLnBrk="1" latinLnBrk="0" hangingPunct="1">
       <a:defRPr sz="1800" kern="1200">
         <a:solidFill>
           <a:schemeClr val="tx1"/>
@@ -90,7 +100,7 @@
         <a:cs typeface="+mn-cs"/>
       </a:defRPr>
     </a:lvl7pPr>
-    <a:lvl8pPr marL="3200400" algn="l" defTabSz="914400" rtl="0" eaLnBrk="1" latinLnBrk="0" hangingPunct="1">
+    <a:lvl8pPr marL="3200400" algn="l" defTabSz="457200" rtl="0" eaLnBrk="1" latinLnBrk="0" hangingPunct="1">
       <a:defRPr sz="1800" kern="1200">
         <a:solidFill>
           <a:schemeClr val="tx1"/>
@@ -100,7 +110,7 @@
         <a:cs typeface="+mn-cs"/>
       </a:defRPr>
     </a:lvl8pPr>
-    <a:lvl9pPr marL="3657600" algn="l" defTabSz="914400" rtl="0" eaLnBrk="1" latinLnBrk="0" hangingPunct="1">
+    <a:lvl9pPr marL="3657600" algn="l" defTabSz="457200" rtl="0" eaLnBrk="1" latinLnBrk="0" hangingPunct="1">
       <a:defRPr sz="1800" kern="1200">
         <a:solidFill>
           <a:schemeClr val="tx1"/>
@@ -115,8 +125,18 @@
 </file>
 
 <file path=ppt/slideLayouts/slideLayout1.xml><?xml version="1.0" encoding="utf-8"?>
-<p:sldLayout xmlns:a="http://schemas.openxmlformats.org/drawingml/2006/main" xmlns:r="http://schemas.openxmlformats.org/officeDocument/2006/relationships" xmlns:p="http://schemas.openxmlformats.org/presentationml/2006/main" type="title" preserve="1">
+<p:sldLayout xmlns:a="http://schemas.openxmlformats.org/drawingml/2006/main" xmlns:r="http://schemas.openxmlformats.org/officeDocument/2006/relationships" xmlns:p="http://schemas.openxmlformats.org/presentationml/2006/main" showMasterSp="0" type="title" preserve="1">
   <p:cSld name="Başlık Slaydı">
+    <p:bg>
+      <p:bgPr>
+        <a:solidFill>
+          <a:schemeClr val="bg2">
+            <a:lumMod val="75000"/>
+          </a:schemeClr>
+        </a:solidFill>
+        <a:effectLst/>
+      </p:bgPr>
+    </p:bg>
     <p:spTree>
       <p:nvGrpSpPr>
         <p:cNvPr id="1" name=""/>
@@ -133,13 +153,7 @@
       </p:grpSpPr>
       <p:sp>
         <p:nvSpPr>
-          <p:cNvPr id="2" name="Başlık 1">
-            <a:extLst>
-              <a:ext uri="{FF2B5EF4-FFF2-40B4-BE49-F238E27FC236}">
-                <a16:creationId xmlns:a16="http://schemas.microsoft.com/office/drawing/2014/main" id="{EF0A9BA7-3466-1047-B65B-60D31D92C91C}"/>
-              </a:ext>
-            </a:extLst>
-          </p:cNvPr>
+          <p:cNvPr id="2" name="Title 1"/>
           <p:cNvSpPr>
             <a:spLocks noGrp="1"/>
           </p:cNvSpPr>
@@ -149,15 +163,24 @@
         </p:nvSpPr>
         <p:spPr>
           <a:xfrm>
-            <a:off x="1524000" y="1122363"/>
-            <a:ext cx="9144000" cy="2387600"/>
+            <a:off x="1261872" y="758952"/>
+            <a:ext cx="9418320" cy="4041648"/>
           </a:xfrm>
         </p:spPr>
         <p:txBody>
-          <a:bodyPr anchor="b"/>
+          <a:bodyPr anchor="b">
+            <a:normAutofit/>
+          </a:bodyPr>
           <a:lstStyle>
-            <a:lvl1pPr algn="ctr">
-              <a:defRPr sz="6000"/>
+            <a:lvl1pPr algn="l">
+              <a:lnSpc>
+                <a:spcPct val="85000"/>
+              </a:lnSpc>
+              <a:defRPr sz="7200" baseline="0">
+                <a:solidFill>
+                  <a:schemeClr val="tx1"/>
+                </a:solidFill>
+              </a:defRPr>
             </a:lvl1pPr>
           </a:lstStyle>
           <a:p>
@@ -165,18 +188,13 @@
               <a:rPr lang="tr-TR"/>
               <a:t>Asıl başlık stilini düzenlemek için tıklayın</a:t>
             </a:r>
-          </a:p>
-        </p:txBody>
-      </p:sp>
-      <p:sp>
-        <p:nvSpPr>
-          <p:cNvPr id="3" name="Alt Başlık 2">
-            <a:extLst>
-              <a:ext uri="{FF2B5EF4-FFF2-40B4-BE49-F238E27FC236}">
-                <a16:creationId xmlns:a16="http://schemas.microsoft.com/office/drawing/2014/main" id="{EBA45A46-2874-9A21-8EFA-435BACBFA02B}"/>
-              </a:ext>
-            </a:extLst>
-          </p:cNvPr>
+            <a:endParaRPr lang="en-US" dirty="0"/>
+          </a:p>
+        </p:txBody>
+      </p:sp>
+      <p:sp>
+        <p:nvSpPr>
+          <p:cNvPr id="3" name="Subtitle 2"/>
           <p:cNvSpPr>
             <a:spLocks noGrp="1"/>
           </p:cNvSpPr>
@@ -186,78 +204,91 @@
         </p:nvSpPr>
         <p:spPr>
           <a:xfrm>
-            <a:off x="1524000" y="3602038"/>
-            <a:ext cx="9144000" cy="1655762"/>
+            <a:off x="1261872" y="4800600"/>
+            <a:ext cx="9418320" cy="1691640"/>
           </a:xfrm>
         </p:spPr>
         <p:txBody>
+          <a:bodyPr>
+            <a:normAutofit/>
+          </a:bodyPr>
+          <a:lstStyle>
+            <a:lvl1pPr marL="0" indent="0" algn="l">
+              <a:buNone/>
+              <a:defRPr sz="2200" baseline="0">
+                <a:solidFill>
+                  <a:schemeClr val="tx1">
+                    <a:lumMod val="75000"/>
+                  </a:schemeClr>
+                </a:solidFill>
+              </a:defRPr>
+            </a:lvl1pPr>
+            <a:lvl2pPr marL="457200" indent="0" algn="ctr">
+              <a:buNone/>
+              <a:defRPr sz="2200"/>
+            </a:lvl2pPr>
+            <a:lvl3pPr marL="914400" indent="0" algn="ctr">
+              <a:buNone/>
+              <a:defRPr sz="2200"/>
+            </a:lvl3pPr>
+            <a:lvl4pPr marL="1371600" indent="0" algn="ctr">
+              <a:buNone/>
+              <a:defRPr sz="2000"/>
+            </a:lvl4pPr>
+            <a:lvl5pPr marL="1828800" indent="0" algn="ctr">
+              <a:buNone/>
+              <a:defRPr sz="2000"/>
+            </a:lvl5pPr>
+            <a:lvl6pPr marL="2286000" indent="0" algn="ctr">
+              <a:buNone/>
+              <a:defRPr sz="2000"/>
+            </a:lvl6pPr>
+            <a:lvl7pPr marL="2743200" indent="0" algn="ctr">
+              <a:buNone/>
+              <a:defRPr sz="2000"/>
+            </a:lvl7pPr>
+            <a:lvl8pPr marL="3200400" indent="0" algn="ctr">
+              <a:buNone/>
+              <a:defRPr sz="2000"/>
+            </a:lvl8pPr>
+            <a:lvl9pPr marL="3657600" indent="0" algn="ctr">
+              <a:buNone/>
+              <a:defRPr sz="2000"/>
+            </a:lvl9pPr>
+          </a:lstStyle>
+          <a:p>
+            <a:r>
+              <a:rPr lang="tr-TR"/>
+              <a:t>Asıl alt başlık stilini düzenlemek için tıklayın</a:t>
+            </a:r>
+            <a:endParaRPr lang="en-US" dirty="0"/>
+          </a:p>
+        </p:txBody>
+      </p:sp>
+      <p:sp>
+        <p:nvSpPr>
+          <p:cNvPr id="4" name="Date Placeholder 3"/>
+          <p:cNvSpPr>
+            <a:spLocks noGrp="1"/>
+          </p:cNvSpPr>
+          <p:nvPr>
+            <p:ph type="dt" sz="half" idx="10"/>
+          </p:nvPr>
+        </p:nvSpPr>
+        <p:spPr/>
+        <p:txBody>
           <a:bodyPr/>
           <a:lstStyle>
-            <a:lvl1pPr marL="0" indent="0" algn="ctr">
-              <a:buNone/>
-              <a:defRPr sz="2400"/>
+            <a:lvl1pPr>
+              <a:defRPr>
+                <a:solidFill>
+                  <a:schemeClr val="tx1">
+                    <a:lumMod val="50000"/>
+                  </a:schemeClr>
+                </a:solidFill>
+              </a:defRPr>
             </a:lvl1pPr>
-            <a:lvl2pPr marL="457200" indent="0" algn="ctr">
-              <a:buNone/>
-              <a:defRPr sz="2000"/>
-            </a:lvl2pPr>
-            <a:lvl3pPr marL="914400" indent="0" algn="ctr">
-              <a:buNone/>
-              <a:defRPr sz="1800"/>
-            </a:lvl3pPr>
-            <a:lvl4pPr marL="1371600" indent="0" algn="ctr">
-              <a:buNone/>
-              <a:defRPr sz="1600"/>
-            </a:lvl4pPr>
-            <a:lvl5pPr marL="1828800" indent="0" algn="ctr">
-              <a:buNone/>
-              <a:defRPr sz="1600"/>
-            </a:lvl5pPr>
-            <a:lvl6pPr marL="2286000" indent="0" algn="ctr">
-              <a:buNone/>
-              <a:defRPr sz="1600"/>
-            </a:lvl6pPr>
-            <a:lvl7pPr marL="2743200" indent="0" algn="ctr">
-              <a:buNone/>
-              <a:defRPr sz="1600"/>
-            </a:lvl7pPr>
-            <a:lvl8pPr marL="3200400" indent="0" algn="ctr">
-              <a:buNone/>
-              <a:defRPr sz="1600"/>
-            </a:lvl8pPr>
-            <a:lvl9pPr marL="3657600" indent="0" algn="ctr">
-              <a:buNone/>
-              <a:defRPr sz="1600"/>
-            </a:lvl9pPr>
           </a:lstStyle>
-          <a:p>
-            <a:r>
-              <a:rPr lang="tr-TR"/>
-              <a:t>Asıl alt başlık stilini düzenlemek için tıklayın</a:t>
-            </a:r>
-          </a:p>
-        </p:txBody>
-      </p:sp>
-      <p:sp>
-        <p:nvSpPr>
-          <p:cNvPr id="4" name="Veri Yer Tutucusu 3">
-            <a:extLst>
-              <a:ext uri="{FF2B5EF4-FFF2-40B4-BE49-F238E27FC236}">
-                <a16:creationId xmlns:a16="http://schemas.microsoft.com/office/drawing/2014/main" id="{5F8C0310-170D-56A3-EA86-770629C826B1}"/>
-              </a:ext>
-            </a:extLst>
-          </p:cNvPr>
-          <p:cNvSpPr>
-            <a:spLocks noGrp="1"/>
-          </p:cNvSpPr>
-          <p:nvPr>
-            <p:ph type="dt" sz="half" idx="10"/>
-          </p:nvPr>
-        </p:nvSpPr>
-        <p:spPr/>
-        <p:txBody>
-          <a:bodyPr/>
-          <a:lstStyle/>
           <a:p>
             <a:fld id="{D81F2889-131F-4D0E-91C7-397AD9E96357}" type="datetimeFigureOut">
               <a:rPr lang="tr-TR" smtClean="0"/>
@@ -269,13 +300,7 @@
       </p:sp>
       <p:sp>
         <p:nvSpPr>
-          <p:cNvPr id="5" name="Alt Bilgi Yer Tutucusu 4">
-            <a:extLst>
-              <a:ext uri="{FF2B5EF4-FFF2-40B4-BE49-F238E27FC236}">
-                <a16:creationId xmlns:a16="http://schemas.microsoft.com/office/drawing/2014/main" id="{80BE4FC5-A8B2-48B5-8F5F-6783AB606D2D}"/>
-              </a:ext>
-            </a:extLst>
-          </p:cNvPr>
+          <p:cNvPr id="5" name="Footer Placeholder 4"/>
           <p:cNvSpPr>
             <a:spLocks noGrp="1"/>
           </p:cNvSpPr>
@@ -286,7 +311,17 @@
         <p:spPr/>
         <p:txBody>
           <a:bodyPr/>
-          <a:lstStyle/>
+          <a:lstStyle>
+            <a:lvl1pPr>
+              <a:defRPr>
+                <a:solidFill>
+                  <a:schemeClr val="tx1">
+                    <a:lumMod val="65000"/>
+                  </a:schemeClr>
+                </a:solidFill>
+              </a:defRPr>
+            </a:lvl1pPr>
+          </a:lstStyle>
           <a:p>
             <a:endParaRPr lang="tr-TR"/>
           </a:p>
@@ -294,13 +329,7 @@
       </p:sp>
       <p:sp>
         <p:nvSpPr>
-          <p:cNvPr id="6" name="Slayt Numarası Yer Tutucusu 5">
-            <a:extLst>
-              <a:ext uri="{FF2B5EF4-FFF2-40B4-BE49-F238E27FC236}">
-                <a16:creationId xmlns:a16="http://schemas.microsoft.com/office/drawing/2014/main" id="{710F9B6E-DEEB-E816-0A23-6E7FDC25D234}"/>
-              </a:ext>
-            </a:extLst>
-          </p:cNvPr>
+          <p:cNvPr id="6" name="Slide Number Placeholder 5"/>
           <p:cNvSpPr>
             <a:spLocks noGrp="1"/>
           </p:cNvSpPr>
@@ -311,7 +340,17 @@
         <p:spPr/>
         <p:txBody>
           <a:bodyPr/>
-          <a:lstStyle/>
+          <a:lstStyle>
+            <a:lvl1pPr>
+              <a:defRPr>
+                <a:solidFill>
+                  <a:schemeClr val="tx1">
+                    <a:lumMod val="65000"/>
+                  </a:schemeClr>
+                </a:solidFill>
+              </a:defRPr>
+            </a:lvl1pPr>
+          </a:lstStyle>
           <a:p>
             <a:fld id="{D43B3C6F-9278-4BCC-BF4B-367A53503FFD}" type="slidenum">
               <a:rPr lang="tr-TR" smtClean="0"/>
@@ -321,15 +360,53 @@
           </a:p>
         </p:txBody>
       </p:sp>
+      <p:sp>
+        <p:nvSpPr>
+          <p:cNvPr id="7" name="Rectangle 6"/>
+          <p:cNvSpPr/>
+          <p:nvPr/>
+        </p:nvSpPr>
+        <p:spPr>
+          <a:xfrm>
+            <a:off x="0" y="0"/>
+            <a:ext cx="457200" cy="6858000"/>
+          </a:xfrm>
+          <a:prstGeom prst="rect">
+            <a:avLst/>
+          </a:prstGeom>
+          <a:solidFill>
+            <a:schemeClr val="accent1"/>
+          </a:solidFill>
+          <a:ln>
+            <a:noFill/>
+          </a:ln>
+        </p:spPr>
+        <p:style>
+          <a:lnRef idx="2">
+            <a:schemeClr val="accent1">
+              <a:shade val="50000"/>
+            </a:schemeClr>
+          </a:lnRef>
+          <a:fillRef idx="1">
+            <a:schemeClr val="accent1"/>
+          </a:fillRef>
+          <a:effectRef idx="0">
+            <a:schemeClr val="accent1"/>
+          </a:effectRef>
+          <a:fontRef idx="minor">
+            <a:schemeClr val="lt1"/>
+          </a:fontRef>
+        </p:style>
+      </p:sp>
     </p:spTree>
     <p:extLst>
       <p:ext uri="{BB962C8B-B14F-4D97-AF65-F5344CB8AC3E}">
-        <p14:creationId xmlns:p14="http://schemas.microsoft.com/office/powerpoint/2010/main" val="136710995"/>
+        <p14:creationId xmlns:p14="http://schemas.microsoft.com/office/powerpoint/2010/main" val="1109981907"/>
       </p:ext>
     </p:extLst>
   </p:cSld>
   <p:clrMapOvr>
-    <a:masterClrMapping/>
+    <a:overrideClrMapping bg1="dk1" tx1="lt1" bg2="dk2" tx2="lt2" accent1="accent1" accent2="accent2" accent3="accent3" accent4="accent4" accent5="accent5" accent6="accent6" hlink="hlink" folHlink="folHlink"/>
   </p:clrMapOvr>
 </p:sldLayout>
 </file>
@@ -353,13 +430,7 @@
       </p:grpSpPr>
       <p:sp>
         <p:nvSpPr>
-          <p:cNvPr id="2" name="Başlık 1">
-            <a:extLst>
-              <a:ext uri="{FF2B5EF4-FFF2-40B4-BE49-F238E27FC236}">
-                <a16:creationId xmlns:a16="http://schemas.microsoft.com/office/drawing/2014/main" id="{E6B96482-17D0-FE7E-ED2C-7447A67AC626}"/>
-              </a:ext>
-            </a:extLst>
-          </p:cNvPr>
+          <p:cNvPr id="2" name="Title 1"/>
           <p:cNvSpPr>
             <a:spLocks noGrp="1"/>
           </p:cNvSpPr>
@@ -376,18 +447,13 @@
               <a:rPr lang="tr-TR"/>
               <a:t>Asıl başlık stilini düzenlemek için tıklayın</a:t>
             </a:r>
-          </a:p>
-        </p:txBody>
-      </p:sp>
-      <p:sp>
-        <p:nvSpPr>
-          <p:cNvPr id="3" name="Dikey Metin Yer Tutucusu 2">
-            <a:extLst>
-              <a:ext uri="{FF2B5EF4-FFF2-40B4-BE49-F238E27FC236}">
-                <a16:creationId xmlns:a16="http://schemas.microsoft.com/office/drawing/2014/main" id="{34135BFB-2E03-3D3E-3CAE-2CF1C4E66725}"/>
-              </a:ext>
-            </a:extLst>
-          </p:cNvPr>
+            <a:endParaRPr lang="en-US" dirty="0"/>
+          </a:p>
+        </p:txBody>
+      </p:sp>
+      <p:sp>
+        <p:nvSpPr>
+          <p:cNvPr id="3" name="Vertical Text Placeholder 2"/>
           <p:cNvSpPr>
             <a:spLocks noGrp="1"/>
           </p:cNvSpPr>
@@ -433,18 +499,13 @@
               <a:rPr lang="tr-TR"/>
               <a:t>Beşinci düzey</a:t>
             </a:r>
-          </a:p>
-        </p:txBody>
-      </p:sp>
-      <p:sp>
-        <p:nvSpPr>
-          <p:cNvPr id="4" name="Veri Yer Tutucusu 3">
-            <a:extLst>
-              <a:ext uri="{FF2B5EF4-FFF2-40B4-BE49-F238E27FC236}">
-                <a16:creationId xmlns:a16="http://schemas.microsoft.com/office/drawing/2014/main" id="{7EE29F1D-FD8A-1E8C-CCB2-FA56187655FA}"/>
-              </a:ext>
-            </a:extLst>
-          </p:cNvPr>
+            <a:endParaRPr lang="en-US" dirty="0"/>
+          </a:p>
+        </p:txBody>
+      </p:sp>
+      <p:sp>
+        <p:nvSpPr>
+          <p:cNvPr id="4" name="Date Placeholder 3"/>
           <p:cNvSpPr>
             <a:spLocks noGrp="1"/>
           </p:cNvSpPr>
@@ -467,13 +528,7 @@
       </p:sp>
       <p:sp>
         <p:nvSpPr>
-          <p:cNvPr id="5" name="Alt Bilgi Yer Tutucusu 4">
-            <a:extLst>
-              <a:ext uri="{FF2B5EF4-FFF2-40B4-BE49-F238E27FC236}">
-                <a16:creationId xmlns:a16="http://schemas.microsoft.com/office/drawing/2014/main" id="{05D83F37-54FB-1D8F-6981-EF1323494071}"/>
-              </a:ext>
-            </a:extLst>
-          </p:cNvPr>
+          <p:cNvPr id="5" name="Footer Placeholder 4"/>
           <p:cNvSpPr>
             <a:spLocks noGrp="1"/>
           </p:cNvSpPr>
@@ -492,13 +547,7 @@
       </p:sp>
       <p:sp>
         <p:nvSpPr>
-          <p:cNvPr id="6" name="Slayt Numarası Yer Tutucusu 5">
-            <a:extLst>
-              <a:ext uri="{FF2B5EF4-FFF2-40B4-BE49-F238E27FC236}">
-                <a16:creationId xmlns:a16="http://schemas.microsoft.com/office/drawing/2014/main" id="{B21AAFFF-991D-9B21-AE38-10FE10591CC3}"/>
-              </a:ext>
-            </a:extLst>
-          </p:cNvPr>
+          <p:cNvPr id="6" name="Slide Number Placeholder 5"/>
           <p:cNvSpPr>
             <a:spLocks noGrp="1"/>
           </p:cNvSpPr>
@@ -522,7 +571,7 @@
     </p:spTree>
     <p:extLst>
       <p:ext uri="{BB962C8B-B14F-4D97-AF65-F5344CB8AC3E}">
-        <p14:creationId xmlns:p14="http://schemas.microsoft.com/office/powerpoint/2010/main" val="3350647630"/>
+        <p14:creationId xmlns:p14="http://schemas.microsoft.com/office/powerpoint/2010/main" val="2723490995"/>
       </p:ext>
     </p:extLst>
   </p:cSld>
@@ -551,13 +600,7 @@
       </p:grpSpPr>
       <p:sp>
         <p:nvSpPr>
-          <p:cNvPr id="2" name="Dikey Başlık 1">
-            <a:extLst>
-              <a:ext uri="{FF2B5EF4-FFF2-40B4-BE49-F238E27FC236}">
-                <a16:creationId xmlns:a16="http://schemas.microsoft.com/office/drawing/2014/main" id="{C3A5BCC5-ABF0-FD03-24A1-DD2247437F42}"/>
-              </a:ext>
-            </a:extLst>
-          </p:cNvPr>
+          <p:cNvPr id="2" name="Vertical Title 1"/>
           <p:cNvSpPr>
             <a:spLocks noGrp="1"/>
           </p:cNvSpPr>
@@ -567,8 +610,8 @@
         </p:nvSpPr>
         <p:spPr>
           <a:xfrm>
-            <a:off x="8724900" y="365125"/>
-            <a:ext cx="2628900" cy="5811838"/>
+            <a:off x="8648700" y="381000"/>
+            <a:ext cx="2476500" cy="5897562"/>
           </a:xfrm>
         </p:spPr>
         <p:txBody>
@@ -579,18 +622,13 @@
               <a:rPr lang="tr-TR"/>
               <a:t>Asıl başlık stilini düzenlemek için tıklayın</a:t>
             </a:r>
-          </a:p>
-        </p:txBody>
-      </p:sp>
-      <p:sp>
-        <p:nvSpPr>
-          <p:cNvPr id="3" name="Dikey Metin Yer Tutucusu 2">
-            <a:extLst>
-              <a:ext uri="{FF2B5EF4-FFF2-40B4-BE49-F238E27FC236}">
-                <a16:creationId xmlns:a16="http://schemas.microsoft.com/office/drawing/2014/main" id="{B40E9672-ACE1-6DCA-0B06-C2C952EF3CEE}"/>
-              </a:ext>
-            </a:extLst>
-          </p:cNvPr>
+            <a:endParaRPr lang="en-US" dirty="0"/>
+          </a:p>
+        </p:txBody>
+      </p:sp>
+      <p:sp>
+        <p:nvSpPr>
+          <p:cNvPr id="3" name="Vertical Text Placeholder 2"/>
           <p:cNvSpPr>
             <a:spLocks noGrp="1"/>
           </p:cNvSpPr>
@@ -600,8 +638,8 @@
         </p:nvSpPr>
         <p:spPr>
           <a:xfrm>
-            <a:off x="838200" y="365125"/>
-            <a:ext cx="7734300" cy="5811838"/>
+            <a:off x="762000" y="381000"/>
+            <a:ext cx="7734300" cy="5897562"/>
           </a:xfrm>
         </p:spPr>
         <p:txBody>
@@ -641,18 +679,13 @@
               <a:rPr lang="tr-TR"/>
               <a:t>Beşinci düzey</a:t>
             </a:r>
-          </a:p>
-        </p:txBody>
-      </p:sp>
-      <p:sp>
-        <p:nvSpPr>
-          <p:cNvPr id="4" name="Veri Yer Tutucusu 3">
-            <a:extLst>
-              <a:ext uri="{FF2B5EF4-FFF2-40B4-BE49-F238E27FC236}">
-                <a16:creationId xmlns:a16="http://schemas.microsoft.com/office/drawing/2014/main" id="{3B7A4FCB-D0CA-B2A6-6E10-A7C334D00A0C}"/>
-              </a:ext>
-            </a:extLst>
-          </p:cNvPr>
+            <a:endParaRPr lang="en-US" dirty="0"/>
+          </a:p>
+        </p:txBody>
+      </p:sp>
+      <p:sp>
+        <p:nvSpPr>
+          <p:cNvPr id="4" name="Date Placeholder 3"/>
           <p:cNvSpPr>
             <a:spLocks noGrp="1"/>
           </p:cNvSpPr>
@@ -675,13 +708,7 @@
       </p:sp>
       <p:sp>
         <p:nvSpPr>
-          <p:cNvPr id="5" name="Alt Bilgi Yer Tutucusu 4">
-            <a:extLst>
-              <a:ext uri="{FF2B5EF4-FFF2-40B4-BE49-F238E27FC236}">
-                <a16:creationId xmlns:a16="http://schemas.microsoft.com/office/drawing/2014/main" id="{24D71E19-CC79-FBFA-34D4-B9110369586C}"/>
-              </a:ext>
-            </a:extLst>
-          </p:cNvPr>
+          <p:cNvPr id="5" name="Footer Placeholder 4"/>
           <p:cNvSpPr>
             <a:spLocks noGrp="1"/>
           </p:cNvSpPr>
@@ -700,13 +727,7 @@
       </p:sp>
       <p:sp>
         <p:nvSpPr>
-          <p:cNvPr id="6" name="Slayt Numarası Yer Tutucusu 5">
-            <a:extLst>
-              <a:ext uri="{FF2B5EF4-FFF2-40B4-BE49-F238E27FC236}">
-                <a16:creationId xmlns:a16="http://schemas.microsoft.com/office/drawing/2014/main" id="{8554DE7A-F98D-FB00-96D3-AAF0D191FF64}"/>
-              </a:ext>
-            </a:extLst>
-          </p:cNvPr>
+          <p:cNvPr id="6" name="Slide Number Placeholder 5"/>
           <p:cNvSpPr>
             <a:spLocks noGrp="1"/>
           </p:cNvSpPr>
@@ -730,7 +751,7 @@
     </p:spTree>
     <p:extLst>
       <p:ext uri="{BB962C8B-B14F-4D97-AF65-F5344CB8AC3E}">
-        <p14:creationId xmlns:p14="http://schemas.microsoft.com/office/powerpoint/2010/main" val="2487225110"/>
+        <p14:creationId xmlns:p14="http://schemas.microsoft.com/office/powerpoint/2010/main" val="4139655031"/>
       </p:ext>
     </p:extLst>
   </p:cSld>
@@ -759,13 +780,7 @@
       </p:grpSpPr>
       <p:sp>
         <p:nvSpPr>
-          <p:cNvPr id="2" name="Başlık 1">
-            <a:extLst>
-              <a:ext uri="{FF2B5EF4-FFF2-40B4-BE49-F238E27FC236}">
-                <a16:creationId xmlns:a16="http://schemas.microsoft.com/office/drawing/2014/main" id="{B5E94C8F-F571-40D9-755F-EF25540AACF7}"/>
-              </a:ext>
-            </a:extLst>
-          </p:cNvPr>
+          <p:cNvPr id="2" name="Title 1"/>
           <p:cNvSpPr>
             <a:spLocks noGrp="1"/>
           </p:cNvSpPr>
@@ -782,18 +797,13 @@
               <a:rPr lang="tr-TR"/>
               <a:t>Asıl başlık stilini düzenlemek için tıklayın</a:t>
             </a:r>
-          </a:p>
-        </p:txBody>
-      </p:sp>
-      <p:sp>
-        <p:nvSpPr>
-          <p:cNvPr id="3" name="İçerik Yer Tutucusu 2">
-            <a:extLst>
-              <a:ext uri="{FF2B5EF4-FFF2-40B4-BE49-F238E27FC236}">
-                <a16:creationId xmlns:a16="http://schemas.microsoft.com/office/drawing/2014/main" id="{5000DF81-65EB-5600-E70F-677748B0816B}"/>
-              </a:ext>
-            </a:extLst>
-          </p:cNvPr>
+            <a:endParaRPr lang="en-US" dirty="0"/>
+          </a:p>
+        </p:txBody>
+      </p:sp>
+      <p:sp>
+        <p:nvSpPr>
+          <p:cNvPr id="3" name="Content Placeholder 2"/>
           <p:cNvSpPr>
             <a:spLocks noGrp="1"/>
           </p:cNvSpPr>
@@ -839,18 +849,13 @@
               <a:rPr lang="tr-TR"/>
               <a:t>Beşinci düzey</a:t>
             </a:r>
-          </a:p>
-        </p:txBody>
-      </p:sp>
-      <p:sp>
-        <p:nvSpPr>
-          <p:cNvPr id="4" name="Veri Yer Tutucusu 3">
-            <a:extLst>
-              <a:ext uri="{FF2B5EF4-FFF2-40B4-BE49-F238E27FC236}">
-                <a16:creationId xmlns:a16="http://schemas.microsoft.com/office/drawing/2014/main" id="{A5F7B82F-09B8-DD18-DFE5-C08D95CB5603}"/>
-              </a:ext>
-            </a:extLst>
-          </p:cNvPr>
+            <a:endParaRPr lang="en-US" dirty="0"/>
+          </a:p>
+        </p:txBody>
+      </p:sp>
+      <p:sp>
+        <p:nvSpPr>
+          <p:cNvPr id="4" name="Date Placeholder 3"/>
           <p:cNvSpPr>
             <a:spLocks noGrp="1"/>
           </p:cNvSpPr>
@@ -873,13 +878,7 @@
       </p:sp>
       <p:sp>
         <p:nvSpPr>
-          <p:cNvPr id="5" name="Alt Bilgi Yer Tutucusu 4">
-            <a:extLst>
-              <a:ext uri="{FF2B5EF4-FFF2-40B4-BE49-F238E27FC236}">
-                <a16:creationId xmlns:a16="http://schemas.microsoft.com/office/drawing/2014/main" id="{8DE78BAE-FED8-052B-955E-9577287E388A}"/>
-              </a:ext>
-            </a:extLst>
-          </p:cNvPr>
+          <p:cNvPr id="5" name="Footer Placeholder 4"/>
           <p:cNvSpPr>
             <a:spLocks noGrp="1"/>
           </p:cNvSpPr>
@@ -898,13 +897,7 @@
       </p:sp>
       <p:sp>
         <p:nvSpPr>
-          <p:cNvPr id="6" name="Slayt Numarası Yer Tutucusu 5">
-            <a:extLst>
-              <a:ext uri="{FF2B5EF4-FFF2-40B4-BE49-F238E27FC236}">
-                <a16:creationId xmlns:a16="http://schemas.microsoft.com/office/drawing/2014/main" id="{6C7C3A37-81FC-00D9-9C56-D983B17274A9}"/>
-              </a:ext>
-            </a:extLst>
-          </p:cNvPr>
+          <p:cNvPr id="6" name="Slide Number Placeholder 5"/>
           <p:cNvSpPr>
             <a:spLocks noGrp="1"/>
           </p:cNvSpPr>
@@ -928,7 +921,7 @@
     </p:spTree>
     <p:extLst>
       <p:ext uri="{BB962C8B-B14F-4D97-AF65-F5344CB8AC3E}">
-        <p14:creationId xmlns:p14="http://schemas.microsoft.com/office/powerpoint/2010/main" val="302420012"/>
+        <p14:creationId xmlns:p14="http://schemas.microsoft.com/office/powerpoint/2010/main" val="2472907010"/>
       </p:ext>
     </p:extLst>
   </p:cSld>
@@ -957,13 +950,7 @@
       </p:grpSpPr>
       <p:sp>
         <p:nvSpPr>
-          <p:cNvPr id="2" name="Başlık 1">
-            <a:extLst>
-              <a:ext uri="{FF2B5EF4-FFF2-40B4-BE49-F238E27FC236}">
-                <a16:creationId xmlns:a16="http://schemas.microsoft.com/office/drawing/2014/main" id="{BE46816D-B72E-390F-0650-CB88CD81F03A}"/>
-              </a:ext>
-            </a:extLst>
-          </p:cNvPr>
+          <p:cNvPr id="2" name="Title 1"/>
           <p:cNvSpPr>
             <a:spLocks noGrp="1"/>
           </p:cNvSpPr>
@@ -973,15 +960,20 @@
         </p:nvSpPr>
         <p:spPr>
           <a:xfrm>
-            <a:off x="831850" y="1709738"/>
-            <a:ext cx="10515600" cy="2852737"/>
+            <a:off x="1261872" y="758952"/>
+            <a:ext cx="9418320" cy="4041648"/>
           </a:xfrm>
         </p:spPr>
         <p:txBody>
-          <a:bodyPr anchor="b"/>
+          <a:bodyPr anchor="b">
+            <a:normAutofit/>
+          </a:bodyPr>
           <a:lstStyle>
             <a:lvl1pPr>
-              <a:defRPr sz="6000"/>
+              <a:lnSpc>
+                <a:spcPct val="85000"/>
+              </a:lnSpc>
+              <a:defRPr sz="7200" b="0"/>
             </a:lvl1pPr>
           </a:lstStyle>
           <a:p>
@@ -989,18 +981,13 @@
               <a:rPr lang="tr-TR"/>
               <a:t>Asıl başlık stilini düzenlemek için tıklayın</a:t>
             </a:r>
-          </a:p>
-        </p:txBody>
-      </p:sp>
-      <p:sp>
-        <p:nvSpPr>
-          <p:cNvPr id="3" name="Metin Yer Tutucusu 2">
-            <a:extLst>
-              <a:ext uri="{FF2B5EF4-FFF2-40B4-BE49-F238E27FC236}">
-                <a16:creationId xmlns:a16="http://schemas.microsoft.com/office/drawing/2014/main" id="{EC7EB911-9BE4-C41F-4685-1A460B9F0EA4}"/>
-              </a:ext>
-            </a:extLst>
-          </p:cNvPr>
+            <a:endParaRPr lang="en-US" dirty="0"/>
+          </a:p>
+        </p:txBody>
+      </p:sp>
+      <p:sp>
+        <p:nvSpPr>
+          <p:cNvPr id="3" name="Text Placeholder 2"/>
           <p:cNvSpPr>
             <a:spLocks noGrp="1"/>
           </p:cNvSpPr>
@@ -1010,26 +997,29 @@
         </p:nvSpPr>
         <p:spPr>
           <a:xfrm>
-            <a:off x="831850" y="4589463"/>
-            <a:ext cx="10515600" cy="1500187"/>
+            <a:off x="1261872" y="4800600"/>
+            <a:ext cx="9418320" cy="1691640"/>
           </a:xfrm>
         </p:spPr>
         <p:txBody>
-          <a:bodyPr/>
+          <a:bodyPr anchor="t">
+            <a:normAutofit/>
+          </a:bodyPr>
           <a:lstStyle>
             <a:lvl1pPr marL="0" indent="0">
               <a:buNone/>
-              <a:defRPr sz="2400">
+              <a:defRPr sz="2200">
                 <a:solidFill>
                   <a:schemeClr val="tx1">
-                    <a:tint val="75000"/>
+                    <a:lumMod val="65000"/>
+                    <a:lumOff val="35000"/>
                   </a:schemeClr>
                 </a:solidFill>
               </a:defRPr>
             </a:lvl1pPr>
             <a:lvl2pPr marL="457200" indent="0">
               <a:buNone/>
-              <a:defRPr sz="2000">
+              <a:defRPr sz="1800">
                 <a:solidFill>
                   <a:schemeClr val="tx1">
                     <a:tint val="75000"/>
@@ -1039,7 +1029,7 @@
             </a:lvl2pPr>
             <a:lvl3pPr marL="914400" indent="0">
               <a:buNone/>
-              <a:defRPr sz="1800">
+              <a:defRPr sz="1600">
                 <a:solidFill>
                   <a:schemeClr val="tx1">
                     <a:tint val="75000"/>
@@ -1049,7 +1039,7 @@
             </a:lvl3pPr>
             <a:lvl4pPr marL="1371600" indent="0">
               <a:buNone/>
-              <a:defRPr sz="1600">
+              <a:defRPr sz="1400">
                 <a:solidFill>
                   <a:schemeClr val="tx1">
                     <a:tint val="75000"/>
@@ -1059,7 +1049,7 @@
             </a:lvl4pPr>
             <a:lvl5pPr marL="1828800" indent="0">
               <a:buNone/>
-              <a:defRPr sz="1600">
+              <a:defRPr sz="1400">
                 <a:solidFill>
                   <a:schemeClr val="tx1">
                     <a:tint val="75000"/>
@@ -1069,7 +1059,7 @@
             </a:lvl5pPr>
             <a:lvl6pPr marL="2286000" indent="0">
               <a:buNone/>
-              <a:defRPr sz="1600">
+              <a:defRPr sz="1400">
                 <a:solidFill>
                   <a:schemeClr val="tx1">
                     <a:tint val="75000"/>
@@ -1079,7 +1069,7 @@
             </a:lvl6pPr>
             <a:lvl7pPr marL="2743200" indent="0">
               <a:buNone/>
-              <a:defRPr sz="1600">
+              <a:defRPr sz="1400">
                 <a:solidFill>
                   <a:schemeClr val="tx1">
                     <a:tint val="75000"/>
@@ -1089,7 +1079,7 @@
             </a:lvl7pPr>
             <a:lvl8pPr marL="3200400" indent="0">
               <a:buNone/>
-              <a:defRPr sz="1600">
+              <a:defRPr sz="1400">
                 <a:solidFill>
                   <a:schemeClr val="tx1">
                     <a:tint val="75000"/>
@@ -1099,7 +1089,7 @@
             </a:lvl8pPr>
             <a:lvl9pPr marL="3657600" indent="0">
               <a:buNone/>
-              <a:defRPr sz="1600">
+              <a:defRPr sz="1400">
                 <a:solidFill>
                   <a:schemeClr val="tx1">
                     <a:tint val="75000"/>
@@ -1119,13 +1109,7 @@
       </p:sp>
       <p:sp>
         <p:nvSpPr>
-          <p:cNvPr id="4" name="Veri Yer Tutucusu 3">
-            <a:extLst>
-              <a:ext uri="{FF2B5EF4-FFF2-40B4-BE49-F238E27FC236}">
-                <a16:creationId xmlns:a16="http://schemas.microsoft.com/office/drawing/2014/main" id="{FAC9D98E-C9AC-029D-EFA3-29CBFF2E43D6}"/>
-              </a:ext>
-            </a:extLst>
-          </p:cNvPr>
+          <p:cNvPr id="4" name="Date Placeholder 3"/>
           <p:cNvSpPr>
             <a:spLocks noGrp="1"/>
           </p:cNvSpPr>
@@ -1148,13 +1132,7 @@
       </p:sp>
       <p:sp>
         <p:nvSpPr>
-          <p:cNvPr id="5" name="Alt Bilgi Yer Tutucusu 4">
-            <a:extLst>
-              <a:ext uri="{FF2B5EF4-FFF2-40B4-BE49-F238E27FC236}">
-                <a16:creationId xmlns:a16="http://schemas.microsoft.com/office/drawing/2014/main" id="{1AC992D0-028B-559D-6F66-E894DEC5E2D9}"/>
-              </a:ext>
-            </a:extLst>
-          </p:cNvPr>
+          <p:cNvPr id="5" name="Footer Placeholder 4"/>
           <p:cNvSpPr>
             <a:spLocks noGrp="1"/>
           </p:cNvSpPr>
@@ -1173,13 +1151,7 @@
       </p:sp>
       <p:sp>
         <p:nvSpPr>
-          <p:cNvPr id="6" name="Slayt Numarası Yer Tutucusu 5">
-            <a:extLst>
-              <a:ext uri="{FF2B5EF4-FFF2-40B4-BE49-F238E27FC236}">
-                <a16:creationId xmlns:a16="http://schemas.microsoft.com/office/drawing/2014/main" id="{ECECC993-3122-EBD8-89A9-4A73BCEFB600}"/>
-              </a:ext>
-            </a:extLst>
-          </p:cNvPr>
+          <p:cNvPr id="6" name="Slide Number Placeholder 5"/>
           <p:cNvSpPr>
             <a:spLocks noGrp="1"/>
           </p:cNvSpPr>
@@ -1200,10 +1172,48 @@
           </a:p>
         </p:txBody>
       </p:sp>
+      <p:sp>
+        <p:nvSpPr>
+          <p:cNvPr id="7" name="Rectangle 6"/>
+          <p:cNvSpPr/>
+          <p:nvPr/>
+        </p:nvSpPr>
+        <p:spPr>
+          <a:xfrm>
+            <a:off x="0" y="0"/>
+            <a:ext cx="457200" cy="6858000"/>
+          </a:xfrm>
+          <a:prstGeom prst="rect">
+            <a:avLst/>
+          </a:prstGeom>
+          <a:solidFill>
+            <a:schemeClr val="accent1"/>
+          </a:solidFill>
+          <a:ln>
+            <a:noFill/>
+          </a:ln>
+        </p:spPr>
+        <p:style>
+          <a:lnRef idx="2">
+            <a:schemeClr val="accent1">
+              <a:shade val="50000"/>
+            </a:schemeClr>
+          </a:lnRef>
+          <a:fillRef idx="1">
+            <a:schemeClr val="accent1"/>
+          </a:fillRef>
+          <a:effectRef idx="0">
+            <a:schemeClr val="accent1"/>
+          </a:effectRef>
+          <a:fontRef idx="minor">
+            <a:schemeClr val="lt1"/>
+          </a:fontRef>
+        </p:style>
+      </p:sp>
     </p:spTree>
     <p:extLst>
       <p:ext uri="{BB962C8B-B14F-4D97-AF65-F5344CB8AC3E}">
-        <p14:creationId xmlns:p14="http://schemas.microsoft.com/office/powerpoint/2010/main" val="3183546254"/>
+        <p14:creationId xmlns:p14="http://schemas.microsoft.com/office/powerpoint/2010/main" val="2202612146"/>
       </p:ext>
     </p:extLst>
   </p:cSld>
@@ -1232,13 +1242,7 @@
       </p:grpSpPr>
       <p:sp>
         <p:nvSpPr>
-          <p:cNvPr id="2" name="Başlık 1">
-            <a:extLst>
-              <a:ext uri="{FF2B5EF4-FFF2-40B4-BE49-F238E27FC236}">
-                <a16:creationId xmlns:a16="http://schemas.microsoft.com/office/drawing/2014/main" id="{E399E6B2-2909-86CF-20DC-C5AA5B4ED88F}"/>
-              </a:ext>
-            </a:extLst>
-          </p:cNvPr>
+          <p:cNvPr id="2" name="Title 1"/>
           <p:cNvSpPr>
             <a:spLocks noGrp="1"/>
           </p:cNvSpPr>
@@ -1255,18 +1259,13 @@
               <a:rPr lang="tr-TR"/>
               <a:t>Asıl başlık stilini düzenlemek için tıklayın</a:t>
             </a:r>
-          </a:p>
-        </p:txBody>
-      </p:sp>
-      <p:sp>
-        <p:nvSpPr>
-          <p:cNvPr id="3" name="İçerik Yer Tutucusu 2">
-            <a:extLst>
-              <a:ext uri="{FF2B5EF4-FFF2-40B4-BE49-F238E27FC236}">
-                <a16:creationId xmlns:a16="http://schemas.microsoft.com/office/drawing/2014/main" id="{4151598B-4273-93BC-974D-0871A1E9412E}"/>
-              </a:ext>
-            </a:extLst>
-          </p:cNvPr>
+            <a:endParaRPr lang="en-US" dirty="0"/>
+          </a:p>
+        </p:txBody>
+      </p:sp>
+      <p:sp>
+        <p:nvSpPr>
+          <p:cNvPr id="3" name="Content Placeholder 2"/>
           <p:cNvSpPr>
             <a:spLocks noGrp="1"/>
           </p:cNvSpPr>
@@ -1276,13 +1275,41 @@
         </p:nvSpPr>
         <p:spPr>
           <a:xfrm>
-            <a:off x="838200" y="1825625"/>
-            <a:ext cx="5181600" cy="4351338"/>
+            <a:off x="1261872" y="1828800"/>
+            <a:ext cx="4480560" cy="4351337"/>
           </a:xfrm>
         </p:spPr>
         <p:txBody>
           <a:bodyPr/>
-          <a:lstStyle/>
+          <a:lstStyle>
+            <a:lvl1pPr>
+              <a:defRPr sz="1800"/>
+            </a:lvl1pPr>
+            <a:lvl2pPr>
+              <a:defRPr sz="1600"/>
+            </a:lvl2pPr>
+            <a:lvl3pPr>
+              <a:defRPr sz="1400"/>
+            </a:lvl3pPr>
+            <a:lvl4pPr>
+              <a:defRPr sz="1400"/>
+            </a:lvl4pPr>
+            <a:lvl5pPr>
+              <a:defRPr sz="1400"/>
+            </a:lvl5pPr>
+            <a:lvl6pPr>
+              <a:defRPr sz="1400"/>
+            </a:lvl6pPr>
+            <a:lvl7pPr>
+              <a:defRPr sz="1400"/>
+            </a:lvl7pPr>
+            <a:lvl8pPr>
+              <a:defRPr sz="1400"/>
+            </a:lvl8pPr>
+            <a:lvl9pPr>
+              <a:defRPr sz="1400"/>
+            </a:lvl9pPr>
+          </a:lstStyle>
           <a:p>
             <a:pPr lvl="0"/>
             <a:r>
@@ -1317,18 +1344,13 @@
               <a:rPr lang="tr-TR"/>
               <a:t>Beşinci düzey</a:t>
             </a:r>
-          </a:p>
-        </p:txBody>
-      </p:sp>
-      <p:sp>
-        <p:nvSpPr>
-          <p:cNvPr id="4" name="İçerik Yer Tutucusu 3">
-            <a:extLst>
-              <a:ext uri="{FF2B5EF4-FFF2-40B4-BE49-F238E27FC236}">
-                <a16:creationId xmlns:a16="http://schemas.microsoft.com/office/drawing/2014/main" id="{275ECA08-EB53-06AB-14B4-127BD9DF73A9}"/>
-              </a:ext>
-            </a:extLst>
-          </p:cNvPr>
+            <a:endParaRPr lang="en-US" dirty="0"/>
+          </a:p>
+        </p:txBody>
+      </p:sp>
+      <p:sp>
+        <p:nvSpPr>
+          <p:cNvPr id="4" name="Content Placeholder 3"/>
           <p:cNvSpPr>
             <a:spLocks noGrp="1"/>
           </p:cNvSpPr>
@@ -1338,13 +1360,41 @@
         </p:nvSpPr>
         <p:spPr>
           <a:xfrm>
-            <a:off x="6172200" y="1825625"/>
-            <a:ext cx="5181600" cy="4351338"/>
+            <a:off x="6126480" y="1828800"/>
+            <a:ext cx="4480560" cy="4351337"/>
           </a:xfrm>
         </p:spPr>
         <p:txBody>
           <a:bodyPr/>
-          <a:lstStyle/>
+          <a:lstStyle>
+            <a:lvl1pPr>
+              <a:defRPr sz="1800"/>
+            </a:lvl1pPr>
+            <a:lvl2pPr>
+              <a:defRPr sz="1600"/>
+            </a:lvl2pPr>
+            <a:lvl3pPr>
+              <a:defRPr sz="1400"/>
+            </a:lvl3pPr>
+            <a:lvl4pPr>
+              <a:defRPr sz="1400"/>
+            </a:lvl4pPr>
+            <a:lvl5pPr>
+              <a:defRPr sz="1400"/>
+            </a:lvl5pPr>
+            <a:lvl6pPr>
+              <a:defRPr sz="1400"/>
+            </a:lvl6pPr>
+            <a:lvl7pPr>
+              <a:defRPr sz="1400"/>
+            </a:lvl7pPr>
+            <a:lvl8pPr>
+              <a:defRPr sz="1400"/>
+            </a:lvl8pPr>
+            <a:lvl9pPr>
+              <a:defRPr sz="1400"/>
+            </a:lvl9pPr>
+          </a:lstStyle>
           <a:p>
             <a:pPr lvl="0"/>
             <a:r>
@@ -1379,18 +1429,13 @@
               <a:rPr lang="tr-TR"/>
               <a:t>Beşinci düzey</a:t>
             </a:r>
-          </a:p>
-        </p:txBody>
-      </p:sp>
-      <p:sp>
-        <p:nvSpPr>
-          <p:cNvPr id="5" name="Veri Yer Tutucusu 4">
-            <a:extLst>
-              <a:ext uri="{FF2B5EF4-FFF2-40B4-BE49-F238E27FC236}">
-                <a16:creationId xmlns:a16="http://schemas.microsoft.com/office/drawing/2014/main" id="{5C9D2645-1688-3956-72A4-F0F388556855}"/>
-              </a:ext>
-            </a:extLst>
-          </p:cNvPr>
+            <a:endParaRPr lang="en-US" dirty="0"/>
+          </a:p>
+        </p:txBody>
+      </p:sp>
+      <p:sp>
+        <p:nvSpPr>
+          <p:cNvPr id="5" name="Date Placeholder 4"/>
           <p:cNvSpPr>
             <a:spLocks noGrp="1"/>
           </p:cNvSpPr>
@@ -1413,13 +1458,7 @@
       </p:sp>
       <p:sp>
         <p:nvSpPr>
-          <p:cNvPr id="6" name="Alt Bilgi Yer Tutucusu 5">
-            <a:extLst>
-              <a:ext uri="{FF2B5EF4-FFF2-40B4-BE49-F238E27FC236}">
-                <a16:creationId xmlns:a16="http://schemas.microsoft.com/office/drawing/2014/main" id="{73FBA1F3-7B9F-7064-FE68-C1AEDBFD7F2D}"/>
-              </a:ext>
-            </a:extLst>
-          </p:cNvPr>
+          <p:cNvPr id="6" name="Footer Placeholder 5"/>
           <p:cNvSpPr>
             <a:spLocks noGrp="1"/>
           </p:cNvSpPr>
@@ -1438,13 +1477,7 @@
       </p:sp>
       <p:sp>
         <p:nvSpPr>
-          <p:cNvPr id="7" name="Slayt Numarası Yer Tutucusu 6">
-            <a:extLst>
-              <a:ext uri="{FF2B5EF4-FFF2-40B4-BE49-F238E27FC236}">
-                <a16:creationId xmlns:a16="http://schemas.microsoft.com/office/drawing/2014/main" id="{A93D3339-1951-2F93-CFE4-F77061C702BC}"/>
-              </a:ext>
-            </a:extLst>
-          </p:cNvPr>
+          <p:cNvPr id="7" name="Slide Number Placeholder 6"/>
           <p:cNvSpPr>
             <a:spLocks noGrp="1"/>
           </p:cNvSpPr>
@@ -1468,7 +1501,7 @@
     </p:spTree>
     <p:extLst>
       <p:ext uri="{BB962C8B-B14F-4D97-AF65-F5344CB8AC3E}">
-        <p14:creationId xmlns:p14="http://schemas.microsoft.com/office/powerpoint/2010/main" val="10674734"/>
+        <p14:creationId xmlns:p14="http://schemas.microsoft.com/office/powerpoint/2010/main" val="1549573679"/>
       </p:ext>
     </p:extLst>
   </p:cSld>
@@ -1497,65 +1530,58 @@
       </p:grpSpPr>
       <p:sp>
         <p:nvSpPr>
-          <p:cNvPr id="2" name="Başlık 1">
-            <a:extLst>
-              <a:ext uri="{FF2B5EF4-FFF2-40B4-BE49-F238E27FC236}">
-                <a16:creationId xmlns:a16="http://schemas.microsoft.com/office/drawing/2014/main" id="{C72D3F7B-C841-3DA2-5DB3-95B497258244}"/>
-              </a:ext>
-            </a:extLst>
-          </p:cNvPr>
+          <p:cNvPr id="10" name="Title 9"/>
           <p:cNvSpPr>
             <a:spLocks noGrp="1"/>
           </p:cNvSpPr>
           <p:nvPr>
             <p:ph type="title"/>
+          </p:nvPr>
+        </p:nvSpPr>
+        <p:spPr/>
+        <p:txBody>
+          <a:bodyPr/>
+          <a:lstStyle/>
+          <a:p>
+            <a:r>
+              <a:rPr lang="tr-TR"/>
+              <a:t>Asıl başlık stilini düzenlemek için tıklayın</a:t>
+            </a:r>
+            <a:endParaRPr lang="en-US" dirty="0"/>
+          </a:p>
+        </p:txBody>
+      </p:sp>
+      <p:sp>
+        <p:nvSpPr>
+          <p:cNvPr id="3" name="Text Placeholder 2"/>
+          <p:cNvSpPr>
+            <a:spLocks noGrp="1"/>
+          </p:cNvSpPr>
+          <p:nvPr>
+            <p:ph type="body" idx="1"/>
           </p:nvPr>
         </p:nvSpPr>
         <p:spPr>
           <a:xfrm>
-            <a:off x="839788" y="365125"/>
-            <a:ext cx="10515600" cy="1325563"/>
+            <a:off x="1261872" y="1713655"/>
+            <a:ext cx="4480560" cy="731520"/>
           </a:xfrm>
         </p:spPr>
         <p:txBody>
-          <a:bodyPr/>
-          <a:lstStyle/>
-          <a:p>
-            <a:r>
-              <a:rPr lang="tr-TR"/>
-              <a:t>Asıl başlık stilini düzenlemek için tıklayın</a:t>
-            </a:r>
-          </a:p>
-        </p:txBody>
-      </p:sp>
-      <p:sp>
-        <p:nvSpPr>
-          <p:cNvPr id="3" name="Metin Yer Tutucusu 2">
-            <a:extLst>
-              <a:ext uri="{FF2B5EF4-FFF2-40B4-BE49-F238E27FC236}">
-                <a16:creationId xmlns:a16="http://schemas.microsoft.com/office/drawing/2014/main" id="{B1D532CD-410C-3829-AFB8-5FF5FAD2C3FD}"/>
-              </a:ext>
-            </a:extLst>
-          </p:cNvPr>
-          <p:cNvSpPr>
-            <a:spLocks noGrp="1"/>
-          </p:cNvSpPr>
-          <p:nvPr>
-            <p:ph type="body" idx="1"/>
-          </p:nvPr>
-        </p:nvSpPr>
-        <p:spPr>
-          <a:xfrm>
-            <a:off x="839788" y="1681163"/>
-            <a:ext cx="5157787" cy="823912"/>
-          </a:xfrm>
-        </p:spPr>
-        <p:txBody>
-          <a:bodyPr anchor="b"/>
+          <a:bodyPr anchor="b">
+            <a:normAutofit/>
+          </a:bodyPr>
           <a:lstStyle>
             <a:lvl1pPr marL="0" indent="0">
-              <a:buNone/>
-              <a:defRPr sz="2400" b="1"/>
+              <a:spcBef>
+                <a:spcPts val="0"/>
+              </a:spcBef>
+              <a:buNone/>
+              <a:defRPr sz="2000" b="0">
+                <a:solidFill>
+                  <a:schemeClr val="tx2"/>
+                </a:solidFill>
+              </a:defRPr>
             </a:lvl1pPr>
             <a:lvl2pPr marL="457200" indent="0">
               <a:buNone/>
@@ -1601,13 +1627,7 @@
       </p:sp>
       <p:sp>
         <p:nvSpPr>
-          <p:cNvPr id="4" name="İçerik Yer Tutucusu 3">
-            <a:extLst>
-              <a:ext uri="{FF2B5EF4-FFF2-40B4-BE49-F238E27FC236}">
-                <a16:creationId xmlns:a16="http://schemas.microsoft.com/office/drawing/2014/main" id="{A0A5E2F3-2AD7-79FB-1329-98F989DD7421}"/>
-              </a:ext>
-            </a:extLst>
-          </p:cNvPr>
+          <p:cNvPr id="4" name="Content Placeholder 3"/>
           <p:cNvSpPr>
             <a:spLocks noGrp="1"/>
           </p:cNvSpPr>
@@ -1617,13 +1637,41 @@
         </p:nvSpPr>
         <p:spPr>
           <a:xfrm>
-            <a:off x="839788" y="2505075"/>
-            <a:ext cx="5157787" cy="3684588"/>
+            <a:off x="1261872" y="2507550"/>
+            <a:ext cx="4480560" cy="3664650"/>
           </a:xfrm>
         </p:spPr>
         <p:txBody>
           <a:bodyPr/>
-          <a:lstStyle/>
+          <a:lstStyle>
+            <a:lvl1pPr>
+              <a:defRPr sz="1800"/>
+            </a:lvl1pPr>
+            <a:lvl2pPr>
+              <a:defRPr sz="1600"/>
+            </a:lvl2pPr>
+            <a:lvl3pPr>
+              <a:defRPr sz="1400"/>
+            </a:lvl3pPr>
+            <a:lvl4pPr>
+              <a:defRPr sz="1400"/>
+            </a:lvl4pPr>
+            <a:lvl5pPr>
+              <a:defRPr sz="1400"/>
+            </a:lvl5pPr>
+            <a:lvl6pPr>
+              <a:defRPr sz="1400"/>
+            </a:lvl6pPr>
+            <a:lvl7pPr>
+              <a:defRPr sz="1400"/>
+            </a:lvl7pPr>
+            <a:lvl8pPr>
+              <a:defRPr sz="1400"/>
+            </a:lvl8pPr>
+            <a:lvl9pPr>
+              <a:defRPr sz="1400"/>
+            </a:lvl9pPr>
+          </a:lstStyle>
           <a:p>
             <a:pPr lvl="0"/>
             <a:r>
@@ -1658,18 +1706,13 @@
               <a:rPr lang="tr-TR"/>
               <a:t>Beşinci düzey</a:t>
             </a:r>
-          </a:p>
-        </p:txBody>
-      </p:sp>
-      <p:sp>
-        <p:nvSpPr>
-          <p:cNvPr id="5" name="Metin Yer Tutucusu 4">
-            <a:extLst>
-              <a:ext uri="{FF2B5EF4-FFF2-40B4-BE49-F238E27FC236}">
-                <a16:creationId xmlns:a16="http://schemas.microsoft.com/office/drawing/2014/main" id="{7A50E790-FCF8-C7E2-3516-4D5B480A9B5F}"/>
-              </a:ext>
-            </a:extLst>
-          </p:cNvPr>
+            <a:endParaRPr lang="en-US" dirty="0"/>
+          </a:p>
+        </p:txBody>
+      </p:sp>
+      <p:sp>
+        <p:nvSpPr>
+          <p:cNvPr id="5" name="Text Placeholder 4"/>
           <p:cNvSpPr>
             <a:spLocks noGrp="1"/>
           </p:cNvSpPr>
@@ -1679,16 +1722,31 @@
         </p:nvSpPr>
         <p:spPr>
           <a:xfrm>
-            <a:off x="6172200" y="1681163"/>
-            <a:ext cx="5183188" cy="823912"/>
+            <a:off x="6126480" y="1713655"/>
+            <a:ext cx="4480560" cy="731520"/>
           </a:xfrm>
         </p:spPr>
         <p:txBody>
-          <a:bodyPr anchor="b"/>
+          <a:bodyPr anchor="b">
+            <a:normAutofit/>
+          </a:bodyPr>
           <a:lstStyle>
             <a:lvl1pPr marL="0" indent="0">
-              <a:buNone/>
-              <a:defRPr sz="2400" b="1"/>
+              <a:lnSpc>
+                <a:spcPct val="95000"/>
+              </a:lnSpc>
+              <a:spcBef>
+                <a:spcPts val="0"/>
+              </a:spcBef>
+              <a:buNone/>
+              <a:defRPr lang="en-US" sz="2000" b="0" kern="1200" dirty="0">
+                <a:solidFill>
+                  <a:schemeClr val="tx2"/>
+                </a:solidFill>
+                <a:latin typeface="+mn-lt"/>
+                <a:ea typeface="+mn-ea"/>
+                <a:cs typeface="+mn-cs"/>
+              </a:defRPr>
             </a:lvl1pPr>
             <a:lvl2pPr marL="457200" indent="0">
               <a:buNone/>
@@ -1724,7 +1782,16 @@
             </a:lvl9pPr>
           </a:lstStyle>
           <a:p>
-            <a:pPr lvl="0"/>
+            <a:pPr marL="0" lvl="0" indent="0" algn="l" defTabSz="914400" rtl="0" eaLnBrk="1" latinLnBrk="0" hangingPunct="1">
+              <a:lnSpc>
+                <a:spcPct val="90000"/>
+              </a:lnSpc>
+              <a:spcBef>
+                <a:spcPts val="2000"/>
+              </a:spcBef>
+              <a:buFontTx/>
+              <a:buNone/>
+            </a:pPr>
             <a:r>
               <a:rPr lang="tr-TR"/>
               <a:t>Asıl metin stillerini düzenlemek için tıklayın</a:t>
@@ -1734,13 +1801,7 @@
       </p:sp>
       <p:sp>
         <p:nvSpPr>
-          <p:cNvPr id="6" name="İçerik Yer Tutucusu 5">
-            <a:extLst>
-              <a:ext uri="{FF2B5EF4-FFF2-40B4-BE49-F238E27FC236}">
-                <a16:creationId xmlns:a16="http://schemas.microsoft.com/office/drawing/2014/main" id="{B414A80A-CEFE-AC48-CFD0-C8541C6D7304}"/>
-              </a:ext>
-            </a:extLst>
-          </p:cNvPr>
+          <p:cNvPr id="6" name="Content Placeholder 5"/>
           <p:cNvSpPr>
             <a:spLocks noGrp="1"/>
           </p:cNvSpPr>
@@ -1750,13 +1811,41 @@
         </p:nvSpPr>
         <p:spPr>
           <a:xfrm>
-            <a:off x="6172200" y="2505075"/>
-            <a:ext cx="5183188" cy="3684588"/>
+            <a:off x="6126480" y="2507550"/>
+            <a:ext cx="4480560" cy="3664650"/>
           </a:xfrm>
         </p:spPr>
         <p:txBody>
           <a:bodyPr/>
-          <a:lstStyle/>
+          <a:lstStyle>
+            <a:lvl1pPr>
+              <a:defRPr sz="1800"/>
+            </a:lvl1pPr>
+            <a:lvl2pPr>
+              <a:defRPr sz="1600"/>
+            </a:lvl2pPr>
+            <a:lvl3pPr>
+              <a:defRPr sz="1400"/>
+            </a:lvl3pPr>
+            <a:lvl4pPr>
+              <a:defRPr sz="1400"/>
+            </a:lvl4pPr>
+            <a:lvl5pPr>
+              <a:defRPr sz="1400"/>
+            </a:lvl5pPr>
+            <a:lvl6pPr>
+              <a:defRPr sz="1400"/>
+            </a:lvl6pPr>
+            <a:lvl7pPr>
+              <a:defRPr sz="1400"/>
+            </a:lvl7pPr>
+            <a:lvl8pPr>
+              <a:defRPr sz="1400"/>
+            </a:lvl8pPr>
+            <a:lvl9pPr>
+              <a:defRPr sz="1400"/>
+            </a:lvl9pPr>
+          </a:lstStyle>
           <a:p>
             <a:pPr lvl="0"/>
             <a:r>
@@ -1791,18 +1880,13 @@
               <a:rPr lang="tr-TR"/>
               <a:t>Beşinci düzey</a:t>
             </a:r>
-          </a:p>
-        </p:txBody>
-      </p:sp>
-      <p:sp>
-        <p:nvSpPr>
-          <p:cNvPr id="7" name="Veri Yer Tutucusu 6">
-            <a:extLst>
-              <a:ext uri="{FF2B5EF4-FFF2-40B4-BE49-F238E27FC236}">
-                <a16:creationId xmlns:a16="http://schemas.microsoft.com/office/drawing/2014/main" id="{14E0DECB-845B-FEDE-AC8A-6A29F6A4B807}"/>
-              </a:ext>
-            </a:extLst>
-          </p:cNvPr>
+            <a:endParaRPr lang="en-US" dirty="0"/>
+          </a:p>
+        </p:txBody>
+      </p:sp>
+      <p:sp>
+        <p:nvSpPr>
+          <p:cNvPr id="7" name="Date Placeholder 6"/>
           <p:cNvSpPr>
             <a:spLocks noGrp="1"/>
           </p:cNvSpPr>
@@ -1825,13 +1909,7 @@
       </p:sp>
       <p:sp>
         <p:nvSpPr>
-          <p:cNvPr id="8" name="Alt Bilgi Yer Tutucusu 7">
-            <a:extLst>
-              <a:ext uri="{FF2B5EF4-FFF2-40B4-BE49-F238E27FC236}">
-                <a16:creationId xmlns:a16="http://schemas.microsoft.com/office/drawing/2014/main" id="{121BB143-1706-7CAE-6168-C19C927F9549}"/>
-              </a:ext>
-            </a:extLst>
-          </p:cNvPr>
+          <p:cNvPr id="8" name="Footer Placeholder 7"/>
           <p:cNvSpPr>
             <a:spLocks noGrp="1"/>
           </p:cNvSpPr>
@@ -1850,13 +1928,7 @@
       </p:sp>
       <p:sp>
         <p:nvSpPr>
-          <p:cNvPr id="9" name="Slayt Numarası Yer Tutucusu 8">
-            <a:extLst>
-              <a:ext uri="{FF2B5EF4-FFF2-40B4-BE49-F238E27FC236}">
-                <a16:creationId xmlns:a16="http://schemas.microsoft.com/office/drawing/2014/main" id="{90107EDC-E4E0-09D3-27BC-1F5DF3E09959}"/>
-              </a:ext>
-            </a:extLst>
-          </p:cNvPr>
+          <p:cNvPr id="9" name="Slide Number Placeholder 8"/>
           <p:cNvSpPr>
             <a:spLocks noGrp="1"/>
           </p:cNvSpPr>
@@ -1880,7 +1952,7 @@
     </p:spTree>
     <p:extLst>
       <p:ext uri="{BB962C8B-B14F-4D97-AF65-F5344CB8AC3E}">
-        <p14:creationId xmlns:p14="http://schemas.microsoft.com/office/powerpoint/2010/main" val="4165321348"/>
+        <p14:creationId xmlns:p14="http://schemas.microsoft.com/office/powerpoint/2010/main" val="2920653877"/>
       </p:ext>
     </p:extLst>
   </p:cSld>
@@ -1909,13 +1981,7 @@
       </p:grpSpPr>
       <p:sp>
         <p:nvSpPr>
-          <p:cNvPr id="2" name="Başlık 1">
-            <a:extLst>
-              <a:ext uri="{FF2B5EF4-FFF2-40B4-BE49-F238E27FC236}">
-                <a16:creationId xmlns:a16="http://schemas.microsoft.com/office/drawing/2014/main" id="{2BEA7930-981C-98F6-E981-566654B0C4CD}"/>
-              </a:ext>
-            </a:extLst>
-          </p:cNvPr>
+          <p:cNvPr id="6" name="Title 5"/>
           <p:cNvSpPr>
             <a:spLocks noGrp="1"/>
           </p:cNvSpPr>
@@ -1932,18 +1998,13 @@
               <a:rPr lang="tr-TR"/>
               <a:t>Asıl başlık stilini düzenlemek için tıklayın</a:t>
             </a:r>
-          </a:p>
-        </p:txBody>
-      </p:sp>
-      <p:sp>
-        <p:nvSpPr>
-          <p:cNvPr id="3" name="Veri Yer Tutucusu 2">
-            <a:extLst>
-              <a:ext uri="{FF2B5EF4-FFF2-40B4-BE49-F238E27FC236}">
-                <a16:creationId xmlns:a16="http://schemas.microsoft.com/office/drawing/2014/main" id="{78DC3BB7-5EFE-CC92-BFAB-919E4F105678}"/>
-              </a:ext>
-            </a:extLst>
-          </p:cNvPr>
+            <a:endParaRPr lang="en-US" dirty="0"/>
+          </a:p>
+        </p:txBody>
+      </p:sp>
+      <p:sp>
+        <p:nvSpPr>
+          <p:cNvPr id="3" name="Date Placeholder 2"/>
           <p:cNvSpPr>
             <a:spLocks noGrp="1"/>
           </p:cNvSpPr>
@@ -1966,13 +2027,7 @@
       </p:sp>
       <p:sp>
         <p:nvSpPr>
-          <p:cNvPr id="4" name="Alt Bilgi Yer Tutucusu 3">
-            <a:extLst>
-              <a:ext uri="{FF2B5EF4-FFF2-40B4-BE49-F238E27FC236}">
-                <a16:creationId xmlns:a16="http://schemas.microsoft.com/office/drawing/2014/main" id="{8C20E637-7243-D9BC-E3A4-010248736FB5}"/>
-              </a:ext>
-            </a:extLst>
-          </p:cNvPr>
+          <p:cNvPr id="4" name="Footer Placeholder 3"/>
           <p:cNvSpPr>
             <a:spLocks noGrp="1"/>
           </p:cNvSpPr>
@@ -1991,13 +2046,7 @@
       </p:sp>
       <p:sp>
         <p:nvSpPr>
-          <p:cNvPr id="5" name="Slayt Numarası Yer Tutucusu 4">
-            <a:extLst>
-              <a:ext uri="{FF2B5EF4-FFF2-40B4-BE49-F238E27FC236}">
-                <a16:creationId xmlns:a16="http://schemas.microsoft.com/office/drawing/2014/main" id="{8E5FB35F-B1CA-E62E-CC0F-8613ECF365AD}"/>
-              </a:ext>
-            </a:extLst>
-          </p:cNvPr>
+          <p:cNvPr id="5" name="Slide Number Placeholder 4"/>
           <p:cNvSpPr>
             <a:spLocks noGrp="1"/>
           </p:cNvSpPr>
@@ -2021,7 +2070,7 @@
     </p:spTree>
     <p:extLst>
       <p:ext uri="{BB962C8B-B14F-4D97-AF65-F5344CB8AC3E}">
-        <p14:creationId xmlns:p14="http://schemas.microsoft.com/office/powerpoint/2010/main" val="3992884154"/>
+        <p14:creationId xmlns:p14="http://schemas.microsoft.com/office/powerpoint/2010/main" val="1350787913"/>
       </p:ext>
     </p:extLst>
   </p:cSld>
@@ -2050,13 +2099,7 @@
       </p:grpSpPr>
       <p:sp>
         <p:nvSpPr>
-          <p:cNvPr id="2" name="Veri Yer Tutucusu 1">
-            <a:extLst>
-              <a:ext uri="{FF2B5EF4-FFF2-40B4-BE49-F238E27FC236}">
-                <a16:creationId xmlns:a16="http://schemas.microsoft.com/office/drawing/2014/main" id="{431A8324-4E76-C885-BEE5-10A7ED950066}"/>
-              </a:ext>
-            </a:extLst>
-          </p:cNvPr>
+          <p:cNvPr id="2" name="Date Placeholder 1"/>
           <p:cNvSpPr>
             <a:spLocks noGrp="1"/>
           </p:cNvSpPr>
@@ -2079,13 +2122,7 @@
       </p:sp>
       <p:sp>
         <p:nvSpPr>
-          <p:cNvPr id="3" name="Alt Bilgi Yer Tutucusu 2">
-            <a:extLst>
-              <a:ext uri="{FF2B5EF4-FFF2-40B4-BE49-F238E27FC236}">
-                <a16:creationId xmlns:a16="http://schemas.microsoft.com/office/drawing/2014/main" id="{D1A4097B-7552-0450-DAB7-51127BCB435F}"/>
-              </a:ext>
-            </a:extLst>
-          </p:cNvPr>
+          <p:cNvPr id="3" name="Footer Placeholder 2"/>
           <p:cNvSpPr>
             <a:spLocks noGrp="1"/>
           </p:cNvSpPr>
@@ -2104,13 +2141,7 @@
       </p:sp>
       <p:sp>
         <p:nvSpPr>
-          <p:cNvPr id="4" name="Slayt Numarası Yer Tutucusu 3">
-            <a:extLst>
-              <a:ext uri="{FF2B5EF4-FFF2-40B4-BE49-F238E27FC236}">
-                <a16:creationId xmlns:a16="http://schemas.microsoft.com/office/drawing/2014/main" id="{22C1563B-A84B-9982-97D2-6F586227FDC1}"/>
-              </a:ext>
-            </a:extLst>
-          </p:cNvPr>
+          <p:cNvPr id="4" name="Slide Number Placeholder 3"/>
           <p:cNvSpPr>
             <a:spLocks noGrp="1"/>
           </p:cNvSpPr>
@@ -2134,7 +2165,7 @@
     </p:spTree>
     <p:extLst>
       <p:ext uri="{BB962C8B-B14F-4D97-AF65-F5344CB8AC3E}">
-        <p14:creationId xmlns:p14="http://schemas.microsoft.com/office/powerpoint/2010/main" val="2691516987"/>
+        <p14:creationId xmlns:p14="http://schemas.microsoft.com/office/powerpoint/2010/main" val="3636564619"/>
       </p:ext>
     </p:extLst>
   </p:cSld>
@@ -2163,13 +2194,7 @@
       </p:grpSpPr>
       <p:sp>
         <p:nvSpPr>
-          <p:cNvPr id="2" name="Başlık 1">
-            <a:extLst>
-              <a:ext uri="{FF2B5EF4-FFF2-40B4-BE49-F238E27FC236}">
-                <a16:creationId xmlns:a16="http://schemas.microsoft.com/office/drawing/2014/main" id="{397B53BE-B57F-90F2-A69E-F8CE4068D19A}"/>
-              </a:ext>
-            </a:extLst>
-          </p:cNvPr>
+          <p:cNvPr id="2" name="Title 1"/>
           <p:cNvSpPr>
             <a:spLocks noGrp="1"/>
           </p:cNvSpPr>
@@ -2179,15 +2204,17 @@
         </p:nvSpPr>
         <p:spPr>
           <a:xfrm>
-            <a:off x="839788" y="457200"/>
-            <a:ext cx="3932237" cy="1600200"/>
+            <a:off x="841248" y="457200"/>
+            <a:ext cx="3200400" cy="1600197"/>
           </a:xfrm>
         </p:spPr>
         <p:txBody>
-          <a:bodyPr anchor="b"/>
+          <a:bodyPr anchor="b">
+            <a:normAutofit/>
+          </a:bodyPr>
           <a:lstStyle>
             <a:lvl1pPr>
-              <a:defRPr sz="3200"/>
+              <a:defRPr sz="3200" b="0" baseline="0"/>
             </a:lvl1pPr>
           </a:lstStyle>
           <a:p>
@@ -2195,18 +2222,13 @@
               <a:rPr lang="tr-TR"/>
               <a:t>Asıl başlık stilini düzenlemek için tıklayın</a:t>
             </a:r>
-          </a:p>
-        </p:txBody>
-      </p:sp>
-      <p:sp>
-        <p:nvSpPr>
-          <p:cNvPr id="3" name="İçerik Yer Tutucusu 2">
-            <a:extLst>
-              <a:ext uri="{FF2B5EF4-FFF2-40B4-BE49-F238E27FC236}">
-                <a16:creationId xmlns:a16="http://schemas.microsoft.com/office/drawing/2014/main" id="{F32EB7B3-BDE1-1B82-C64A-B2EDDB3EE5D3}"/>
-              </a:ext>
-            </a:extLst>
-          </p:cNvPr>
+            <a:endParaRPr lang="en-US" dirty="0"/>
+          </a:p>
+        </p:txBody>
+      </p:sp>
+      <p:sp>
+        <p:nvSpPr>
+          <p:cNvPr id="3" name="Content Placeholder 2"/>
           <p:cNvSpPr>
             <a:spLocks noGrp="1"/>
           </p:cNvSpPr>
@@ -2216,39 +2238,39 @@
         </p:nvSpPr>
         <p:spPr>
           <a:xfrm>
-            <a:off x="5183188" y="987425"/>
-            <a:ext cx="6172200" cy="4873625"/>
+            <a:off x="4504267" y="685800"/>
+            <a:ext cx="6079066" cy="5486400"/>
           </a:xfrm>
         </p:spPr>
         <p:txBody>
           <a:bodyPr/>
           <a:lstStyle>
             <a:lvl1pPr>
-              <a:defRPr sz="3200"/>
+              <a:defRPr sz="2000"/>
             </a:lvl1pPr>
             <a:lvl2pPr>
-              <a:defRPr sz="2800"/>
+              <a:defRPr sz="1800"/>
             </a:lvl2pPr>
             <a:lvl3pPr>
-              <a:defRPr sz="2400"/>
+              <a:defRPr sz="1600"/>
             </a:lvl3pPr>
             <a:lvl4pPr>
-              <a:defRPr sz="2000"/>
+              <a:defRPr sz="1400"/>
             </a:lvl4pPr>
             <a:lvl5pPr>
-              <a:defRPr sz="2000"/>
+              <a:defRPr sz="1400"/>
             </a:lvl5pPr>
             <a:lvl6pPr>
-              <a:defRPr sz="2000"/>
+              <a:defRPr sz="1400"/>
             </a:lvl6pPr>
             <a:lvl7pPr>
-              <a:defRPr sz="2000"/>
+              <a:defRPr sz="1400"/>
             </a:lvl7pPr>
             <a:lvl8pPr>
-              <a:defRPr sz="2000"/>
+              <a:defRPr sz="1400"/>
             </a:lvl8pPr>
             <a:lvl9pPr>
-              <a:defRPr sz="2000"/>
+              <a:defRPr sz="1400"/>
             </a:lvl9pPr>
           </a:lstStyle>
           <a:p>
@@ -2285,18 +2307,13 @@
               <a:rPr lang="tr-TR"/>
               <a:t>Beşinci düzey</a:t>
             </a:r>
-          </a:p>
-        </p:txBody>
-      </p:sp>
-      <p:sp>
-        <p:nvSpPr>
-          <p:cNvPr id="4" name="Metin Yer Tutucusu 3">
-            <a:extLst>
-              <a:ext uri="{FF2B5EF4-FFF2-40B4-BE49-F238E27FC236}">
-                <a16:creationId xmlns:a16="http://schemas.microsoft.com/office/drawing/2014/main" id="{770B3A33-B64E-5462-05D9-EC72F2303F84}"/>
-              </a:ext>
-            </a:extLst>
-          </p:cNvPr>
+            <a:endParaRPr lang="en-US" dirty="0"/>
+          </a:p>
+        </p:txBody>
+      </p:sp>
+      <p:sp>
+        <p:nvSpPr>
+          <p:cNvPr id="4" name="Text Placeholder 3"/>
           <p:cNvSpPr>
             <a:spLocks noGrp="1"/>
           </p:cNvSpPr>
@@ -2306,48 +2323,56 @@
         </p:nvSpPr>
         <p:spPr>
           <a:xfrm>
-            <a:off x="839788" y="2057400"/>
-            <a:ext cx="3932237" cy="3811588"/>
+            <a:off x="841248" y="2099734"/>
+            <a:ext cx="3200400" cy="3810001"/>
           </a:xfrm>
         </p:spPr>
         <p:txBody>
-          <a:bodyPr/>
+          <a:bodyPr>
+            <a:normAutofit/>
+          </a:bodyPr>
           <a:lstStyle>
             <a:lvl1pPr marL="0" indent="0">
-              <a:buNone/>
-              <a:defRPr sz="1600"/>
+              <a:lnSpc>
+                <a:spcPct val="114000"/>
+              </a:lnSpc>
+              <a:spcBef>
+                <a:spcPts val="800"/>
+              </a:spcBef>
+              <a:buNone/>
+              <a:defRPr sz="1300"/>
             </a:lvl1pPr>
             <a:lvl2pPr marL="457200" indent="0">
               <a:buNone/>
-              <a:defRPr sz="1400"/>
+              <a:defRPr sz="1200"/>
             </a:lvl2pPr>
             <a:lvl3pPr marL="914400" indent="0">
               <a:buNone/>
-              <a:defRPr sz="1200"/>
+              <a:defRPr sz="1000"/>
             </a:lvl3pPr>
             <a:lvl4pPr marL="1371600" indent="0">
               <a:buNone/>
-              <a:defRPr sz="1000"/>
+              <a:defRPr sz="900"/>
             </a:lvl4pPr>
             <a:lvl5pPr marL="1828800" indent="0">
               <a:buNone/>
-              <a:defRPr sz="1000"/>
+              <a:defRPr sz="900"/>
             </a:lvl5pPr>
             <a:lvl6pPr marL="2286000" indent="0">
               <a:buNone/>
-              <a:defRPr sz="1000"/>
+              <a:defRPr sz="900"/>
             </a:lvl6pPr>
             <a:lvl7pPr marL="2743200" indent="0">
               <a:buNone/>
-              <a:defRPr sz="1000"/>
+              <a:defRPr sz="900"/>
             </a:lvl7pPr>
             <a:lvl8pPr marL="3200400" indent="0">
               <a:buNone/>
-              <a:defRPr sz="1000"/>
+              <a:defRPr sz="900"/>
             </a:lvl8pPr>
             <a:lvl9pPr marL="3657600" indent="0">
               <a:buNone/>
-              <a:defRPr sz="1000"/>
+              <a:defRPr sz="900"/>
             </a:lvl9pPr>
           </a:lstStyle>
           <a:p>
@@ -2361,13 +2386,7 @@
       </p:sp>
       <p:sp>
         <p:nvSpPr>
-          <p:cNvPr id="5" name="Veri Yer Tutucusu 4">
-            <a:extLst>
-              <a:ext uri="{FF2B5EF4-FFF2-40B4-BE49-F238E27FC236}">
-                <a16:creationId xmlns:a16="http://schemas.microsoft.com/office/drawing/2014/main" id="{1A9B579B-E1BD-D94E-2380-D2AB8D074B52}"/>
-              </a:ext>
-            </a:extLst>
-          </p:cNvPr>
+          <p:cNvPr id="5" name="Date Placeholder 4"/>
           <p:cNvSpPr>
             <a:spLocks noGrp="1"/>
           </p:cNvSpPr>
@@ -2390,13 +2409,7 @@
       </p:sp>
       <p:sp>
         <p:nvSpPr>
-          <p:cNvPr id="6" name="Alt Bilgi Yer Tutucusu 5">
-            <a:extLst>
-              <a:ext uri="{FF2B5EF4-FFF2-40B4-BE49-F238E27FC236}">
-                <a16:creationId xmlns:a16="http://schemas.microsoft.com/office/drawing/2014/main" id="{E5075869-D1A2-B2D9-FDF4-0C8BE945737F}"/>
-              </a:ext>
-            </a:extLst>
-          </p:cNvPr>
+          <p:cNvPr id="6" name="Footer Placeholder 5"/>
           <p:cNvSpPr>
             <a:spLocks noGrp="1"/>
           </p:cNvSpPr>
@@ -2415,13 +2428,7 @@
       </p:sp>
       <p:sp>
         <p:nvSpPr>
-          <p:cNvPr id="7" name="Slayt Numarası Yer Tutucusu 6">
-            <a:extLst>
-              <a:ext uri="{FF2B5EF4-FFF2-40B4-BE49-F238E27FC236}">
-                <a16:creationId xmlns:a16="http://schemas.microsoft.com/office/drawing/2014/main" id="{EF165F61-8001-31C9-8525-E3DE493DB756}"/>
-              </a:ext>
-            </a:extLst>
-          </p:cNvPr>
+          <p:cNvPr id="7" name="Slide Number Placeholder 6"/>
           <p:cNvSpPr>
             <a:spLocks noGrp="1"/>
           </p:cNvSpPr>
@@ -2445,7 +2452,7 @@
     </p:spTree>
     <p:extLst>
       <p:ext uri="{BB962C8B-B14F-4D97-AF65-F5344CB8AC3E}">
-        <p14:creationId xmlns:p14="http://schemas.microsoft.com/office/powerpoint/2010/main" val="1849768404"/>
+        <p14:creationId xmlns:p14="http://schemas.microsoft.com/office/powerpoint/2010/main" val="3098649036"/>
       </p:ext>
     </p:extLst>
   </p:cSld>
@@ -2474,31 +2481,69 @@
       </p:grpSpPr>
       <p:sp>
         <p:nvSpPr>
-          <p:cNvPr id="2" name="Başlık 1">
-            <a:extLst>
-              <a:ext uri="{FF2B5EF4-FFF2-40B4-BE49-F238E27FC236}">
-                <a16:creationId xmlns:a16="http://schemas.microsoft.com/office/drawing/2014/main" id="{C7E3D65A-586A-4BD9-D07F-3DB047964FFE}"/>
-              </a:ext>
-            </a:extLst>
-          </p:cNvPr>
-          <p:cNvSpPr>
-            <a:spLocks noGrp="1"/>
-          </p:cNvSpPr>
-          <p:nvPr>
-            <p:ph type="title"/>
-          </p:nvPr>
+          <p:cNvPr id="8" name="Rectangle 7"/>
+          <p:cNvSpPr/>
+          <p:nvPr/>
         </p:nvSpPr>
         <p:spPr>
           <a:xfrm>
-            <a:off x="839788" y="457200"/>
-            <a:ext cx="3932237" cy="1600200"/>
+            <a:off x="0" y="5105400"/>
+            <a:ext cx="11292840" cy="1752600"/>
+          </a:xfrm>
+          <a:prstGeom prst="rect">
+            <a:avLst/>
+          </a:prstGeom>
+          <a:solidFill>
+            <a:srgbClr val="000000"/>
+          </a:solidFill>
+          <a:ln>
+            <a:noFill/>
+          </a:ln>
+        </p:spPr>
+        <p:style>
+          <a:lnRef idx="2">
+            <a:schemeClr val="accent1">
+              <a:shade val="50000"/>
+            </a:schemeClr>
+          </a:lnRef>
+          <a:fillRef idx="1">
+            <a:schemeClr val="accent1"/>
+          </a:fillRef>
+          <a:effectRef idx="0">
+            <a:schemeClr val="accent1"/>
+          </a:effectRef>
+          <a:fontRef idx="minor">
+            <a:schemeClr val="lt1"/>
+          </a:fontRef>
+        </p:style>
+      </p:sp>
+      <p:sp>
+        <p:nvSpPr>
+          <p:cNvPr id="2" name="Title 1"/>
+          <p:cNvSpPr>
+            <a:spLocks noGrp="1"/>
+          </p:cNvSpPr>
+          <p:nvPr>
+            <p:ph type="title"/>
+          </p:nvPr>
+        </p:nvSpPr>
+        <p:spPr>
+          <a:xfrm>
+            <a:off x="914400" y="5257800"/>
+            <a:ext cx="9982200" cy="914400"/>
           </a:xfrm>
         </p:spPr>
         <p:txBody>
-          <a:bodyPr anchor="b"/>
+          <a:bodyPr anchor="b">
+            <a:normAutofit/>
+          </a:bodyPr>
           <a:lstStyle>
             <a:lvl1pPr>
-              <a:defRPr sz="3200"/>
+              <a:defRPr sz="2800" b="0">
+                <a:solidFill>
+                  <a:schemeClr val="bg1"/>
+                </a:solidFill>
+              </a:defRPr>
             </a:lvl1pPr>
           </a:lstStyle>
           <a:p>
@@ -2506,20 +2551,15 @@
               <a:rPr lang="tr-TR"/>
               <a:t>Asıl başlık stilini düzenlemek için tıklayın</a:t>
             </a:r>
-          </a:p>
-        </p:txBody>
-      </p:sp>
-      <p:sp>
-        <p:nvSpPr>
-          <p:cNvPr id="3" name="Resim Yer Tutucusu 2">
-            <a:extLst>
-              <a:ext uri="{FF2B5EF4-FFF2-40B4-BE49-F238E27FC236}">
-                <a16:creationId xmlns:a16="http://schemas.microsoft.com/office/drawing/2014/main" id="{F9C10693-65EA-A1EA-4A1B-95433B1C18EA}"/>
-              </a:ext>
-            </a:extLst>
-          </p:cNvPr>
-          <p:cNvSpPr>
-            <a:spLocks noGrp="1"/>
+            <a:endParaRPr lang="en-US" dirty="0"/>
+          </a:p>
+        </p:txBody>
+      </p:sp>
+      <p:sp>
+        <p:nvSpPr>
+          <p:cNvPr id="3" name="Picture Placeholder 2"/>
+          <p:cNvSpPr>
+            <a:spLocks noGrp="1" noChangeAspect="1"/>
           </p:cNvSpPr>
           <p:nvPr>
             <p:ph type="pic" idx="1"/>
@@ -2527,16 +2567,23 @@
         </p:nvSpPr>
         <p:spPr>
           <a:xfrm>
-            <a:off x="5183188" y="987425"/>
-            <a:ext cx="6172200" cy="4873625"/>
+            <a:off x="0" y="0"/>
+            <a:ext cx="11292840" cy="5128923"/>
           </a:xfrm>
+          <a:solidFill>
+            <a:schemeClr val="accent1"/>
+          </a:solidFill>
         </p:spPr>
         <p:txBody>
-          <a:bodyPr/>
+          <a:bodyPr anchor="t"/>
           <a:lstStyle>
             <a:lvl1pPr marL="0" indent="0">
               <a:buNone/>
-              <a:defRPr sz="3200"/>
+              <a:defRPr sz="3200">
+                <a:solidFill>
+                  <a:schemeClr val="bg1"/>
+                </a:solidFill>
+              </a:defRPr>
             </a:lvl1pPr>
             <a:lvl2pPr marL="457200" indent="0">
               <a:buNone/>
@@ -2572,19 +2619,17 @@
             </a:lvl9pPr>
           </a:lstStyle>
           <a:p>
-            <a:endParaRPr lang="tr-TR"/>
-          </a:p>
-        </p:txBody>
-      </p:sp>
-      <p:sp>
-        <p:nvSpPr>
-          <p:cNvPr id="4" name="Metin Yer Tutucusu 3">
-            <a:extLst>
-              <a:ext uri="{FF2B5EF4-FFF2-40B4-BE49-F238E27FC236}">
-                <a16:creationId xmlns:a16="http://schemas.microsoft.com/office/drawing/2014/main" id="{EBC67401-7826-B1E2-8BDD-5ABC7EEAC31B}"/>
-              </a:ext>
-            </a:extLst>
-          </p:cNvPr>
+            <a:r>
+              <a:rPr lang="tr-TR"/>
+              <a:t>Resim eklemek için simgeye tıklayın</a:t>
+            </a:r>
+            <a:endParaRPr lang="en-US" dirty="0"/>
+          </a:p>
+        </p:txBody>
+      </p:sp>
+      <p:sp>
+        <p:nvSpPr>
+          <p:cNvPr id="4" name="Text Placeholder 3"/>
           <p:cNvSpPr>
             <a:spLocks noGrp="1"/>
           </p:cNvSpPr>
@@ -2594,48 +2639,62 @@
         </p:nvSpPr>
         <p:spPr>
           <a:xfrm>
-            <a:off x="839788" y="2057400"/>
-            <a:ext cx="3932237" cy="3811588"/>
+            <a:off x="914400" y="6108589"/>
+            <a:ext cx="9982200" cy="597011"/>
           </a:xfrm>
         </p:spPr>
         <p:txBody>
-          <a:bodyPr/>
+          <a:bodyPr>
+            <a:normAutofit/>
+          </a:bodyPr>
           <a:lstStyle>
             <a:lvl1pPr marL="0" indent="0">
-              <a:buNone/>
-              <a:defRPr sz="1600"/>
+              <a:lnSpc>
+                <a:spcPct val="100000"/>
+              </a:lnSpc>
+              <a:spcBef>
+                <a:spcPts val="800"/>
+              </a:spcBef>
+              <a:buNone/>
+              <a:defRPr sz="1300">
+                <a:solidFill>
+                  <a:schemeClr val="bg1">
+                    <a:lumMod val="85000"/>
+                  </a:schemeClr>
+                </a:solidFill>
+              </a:defRPr>
             </a:lvl1pPr>
             <a:lvl2pPr marL="457200" indent="0">
               <a:buNone/>
-              <a:defRPr sz="1400"/>
+              <a:defRPr sz="1200"/>
             </a:lvl2pPr>
             <a:lvl3pPr marL="914400" indent="0">
               <a:buNone/>
-              <a:defRPr sz="1200"/>
+              <a:defRPr sz="1000"/>
             </a:lvl3pPr>
             <a:lvl4pPr marL="1371600" indent="0">
               <a:buNone/>
-              <a:defRPr sz="1000"/>
+              <a:defRPr sz="900"/>
             </a:lvl4pPr>
             <a:lvl5pPr marL="1828800" indent="0">
               <a:buNone/>
-              <a:defRPr sz="1000"/>
+              <a:defRPr sz="900"/>
             </a:lvl5pPr>
             <a:lvl6pPr marL="2286000" indent="0">
               <a:buNone/>
-              <a:defRPr sz="1000"/>
+              <a:defRPr sz="900"/>
             </a:lvl6pPr>
             <a:lvl7pPr marL="2743200" indent="0">
               <a:buNone/>
-              <a:defRPr sz="1000"/>
+              <a:defRPr sz="900"/>
             </a:lvl7pPr>
             <a:lvl8pPr marL="3200400" indent="0">
               <a:buNone/>
-              <a:defRPr sz="1000"/>
+              <a:defRPr sz="900"/>
             </a:lvl8pPr>
             <a:lvl9pPr marL="3657600" indent="0">
               <a:buNone/>
-              <a:defRPr sz="1000"/>
+              <a:defRPr sz="900"/>
             </a:lvl9pPr>
           </a:lstStyle>
           <a:p>
@@ -2649,13 +2708,7 @@
       </p:sp>
       <p:sp>
         <p:nvSpPr>
-          <p:cNvPr id="5" name="Veri Yer Tutucusu 4">
-            <a:extLst>
-              <a:ext uri="{FF2B5EF4-FFF2-40B4-BE49-F238E27FC236}">
-                <a16:creationId xmlns:a16="http://schemas.microsoft.com/office/drawing/2014/main" id="{1AE5FB42-9413-6732-5D6F-8CC6C982CA93}"/>
-              </a:ext>
-            </a:extLst>
-          </p:cNvPr>
+          <p:cNvPr id="5" name="Date Placeholder 4"/>
           <p:cNvSpPr>
             <a:spLocks noGrp="1"/>
           </p:cNvSpPr>
@@ -2678,13 +2731,7 @@
       </p:sp>
       <p:sp>
         <p:nvSpPr>
-          <p:cNvPr id="6" name="Alt Bilgi Yer Tutucusu 5">
-            <a:extLst>
-              <a:ext uri="{FF2B5EF4-FFF2-40B4-BE49-F238E27FC236}">
-                <a16:creationId xmlns:a16="http://schemas.microsoft.com/office/drawing/2014/main" id="{206971D0-A7A0-8D53-C40C-AF1FDCA01B2C}"/>
-              </a:ext>
-            </a:extLst>
-          </p:cNvPr>
+          <p:cNvPr id="6" name="Footer Placeholder 5"/>
           <p:cNvSpPr>
             <a:spLocks noGrp="1"/>
           </p:cNvSpPr>
@@ -2703,13 +2750,7 @@
       </p:sp>
       <p:sp>
         <p:nvSpPr>
-          <p:cNvPr id="7" name="Slayt Numarası Yer Tutucusu 6">
-            <a:extLst>
-              <a:ext uri="{FF2B5EF4-FFF2-40B4-BE49-F238E27FC236}">
-                <a16:creationId xmlns:a16="http://schemas.microsoft.com/office/drawing/2014/main" id="{ECCEC93A-1F8D-B579-AEA4-4362B5D974D5}"/>
-              </a:ext>
-            </a:extLst>
-          </p:cNvPr>
+          <p:cNvPr id="7" name="Slide Number Placeholder 6"/>
           <p:cNvSpPr>
             <a:spLocks noGrp="1"/>
           </p:cNvSpPr>
@@ -2733,7 +2774,7 @@
     </p:spTree>
     <p:extLst>
       <p:ext uri="{BB962C8B-B14F-4D97-AF65-F5344CB8AC3E}">
-        <p14:creationId xmlns:p14="http://schemas.microsoft.com/office/powerpoint/2010/main" val="3078585751"/>
+        <p14:creationId xmlns:p14="http://schemas.microsoft.com/office/powerpoint/2010/main" val="1696217586"/>
       </p:ext>
     </p:extLst>
   </p:cSld>
@@ -2767,31 +2808,65 @@
       </p:grpSpPr>
       <p:sp>
         <p:nvSpPr>
-          <p:cNvPr id="2" name="Başlık Yer Tutucusu 1">
-            <a:extLst>
-              <a:ext uri="{FF2B5EF4-FFF2-40B4-BE49-F238E27FC236}">
-                <a16:creationId xmlns:a16="http://schemas.microsoft.com/office/drawing/2014/main" id="{F1DD37D0-BFBB-92D2-E8FC-2D67BAC98546}"/>
-              </a:ext>
-            </a:extLst>
-          </p:cNvPr>
-          <p:cNvSpPr>
-            <a:spLocks noGrp="1"/>
-          </p:cNvSpPr>
-          <p:nvPr>
-            <p:ph type="title"/>
-          </p:nvPr>
+          <p:cNvPr id="7" name="Rectangle 6"/>
+          <p:cNvSpPr/>
+          <p:nvPr/>
         </p:nvSpPr>
         <p:spPr>
           <a:xfrm>
-            <a:off x="838200" y="365125"/>
-            <a:ext cx="10515600" cy="1325563"/>
+            <a:off x="11292840" y="0"/>
+            <a:ext cx="914400" cy="6858000"/>
+          </a:xfrm>
+          <a:prstGeom prst="rect">
+            <a:avLst/>
+          </a:prstGeom>
+          <a:solidFill>
+            <a:schemeClr val="tx2">
+              <a:lumMod val="75000"/>
+            </a:schemeClr>
+          </a:solidFill>
+          <a:ln>
+            <a:noFill/>
+          </a:ln>
+        </p:spPr>
+        <p:style>
+          <a:lnRef idx="2">
+            <a:schemeClr val="accent1">
+              <a:shade val="50000"/>
+            </a:schemeClr>
+          </a:lnRef>
+          <a:fillRef idx="1">
+            <a:schemeClr val="accent1"/>
+          </a:fillRef>
+          <a:effectRef idx="0">
+            <a:schemeClr val="accent1"/>
+          </a:effectRef>
+          <a:fontRef idx="minor">
+            <a:schemeClr val="lt1"/>
+          </a:fontRef>
+        </p:style>
+      </p:sp>
+      <p:sp>
+        <p:nvSpPr>
+          <p:cNvPr id="2" name="Title Placeholder 1"/>
+          <p:cNvSpPr>
+            <a:spLocks noGrp="1"/>
+          </p:cNvSpPr>
+          <p:nvPr>
+            <p:ph type="title"/>
+          </p:nvPr>
+        </p:nvSpPr>
+        <p:spPr>
+          <a:xfrm>
+            <a:off x="1261872" y="365760"/>
+            <a:ext cx="9692640" cy="1325562"/>
           </a:xfrm>
           <a:prstGeom prst="rect">
             <a:avLst/>
           </a:prstGeom>
         </p:spPr>
         <p:txBody>
-          <a:bodyPr vert="horz" lIns="91440" tIns="45720" rIns="91440" bIns="45720" rtlCol="0" anchor="ctr">
+          <a:bodyPr vert="horz" lIns="91440" tIns="45720" rIns="91440" bIns="45720" rtlCol="0" anchor="b">
             <a:normAutofit/>
           </a:bodyPr>
           <a:lstStyle/>
@@ -2800,18 +2875,13 @@
               <a:rPr lang="tr-TR"/>
               <a:t>Asıl başlık stilini düzenlemek için tıklayın</a:t>
             </a:r>
-          </a:p>
-        </p:txBody>
-      </p:sp>
-      <p:sp>
-        <p:nvSpPr>
-          <p:cNvPr id="3" name="Metin Yer Tutucusu 2">
-            <a:extLst>
-              <a:ext uri="{FF2B5EF4-FFF2-40B4-BE49-F238E27FC236}">
-                <a16:creationId xmlns:a16="http://schemas.microsoft.com/office/drawing/2014/main" id="{55C5B331-160E-4C22-ACB0-D4A64837449B}"/>
-              </a:ext>
-            </a:extLst>
-          </p:cNvPr>
+            <a:endParaRPr lang="en-US" dirty="0"/>
+          </a:p>
+        </p:txBody>
+      </p:sp>
+      <p:sp>
+        <p:nvSpPr>
+          <p:cNvPr id="3" name="Text Placeholder 2"/>
           <p:cNvSpPr>
             <a:spLocks noGrp="1"/>
           </p:cNvSpPr>
@@ -2821,8 +2891,8 @@
         </p:nvSpPr>
         <p:spPr>
           <a:xfrm>
-            <a:off x="838200" y="1825625"/>
-            <a:ext cx="10515600" cy="4351338"/>
+            <a:off x="1261872" y="1828800"/>
+            <a:ext cx="8595360" cy="4351337"/>
           </a:xfrm>
           <a:prstGeom prst="rect">
             <a:avLst/>
@@ -2867,18 +2937,13 @@
               <a:rPr lang="tr-TR"/>
               <a:t>Beşinci düzey</a:t>
             </a:r>
-          </a:p>
-        </p:txBody>
-      </p:sp>
-      <p:sp>
-        <p:nvSpPr>
-          <p:cNvPr id="4" name="Veri Yer Tutucusu 3">
-            <a:extLst>
-              <a:ext uri="{FF2B5EF4-FFF2-40B4-BE49-F238E27FC236}">
-                <a16:creationId xmlns:a16="http://schemas.microsoft.com/office/drawing/2014/main" id="{93B0731D-D11D-D179-4938-06C28C9AA548}"/>
-              </a:ext>
-            </a:extLst>
-          </p:cNvPr>
+            <a:endParaRPr lang="en-US" dirty="0"/>
+          </a:p>
+        </p:txBody>
+      </p:sp>
+      <p:sp>
+        <p:nvSpPr>
+          <p:cNvPr id="4" name="Date Placeholder 3"/>
           <p:cNvSpPr>
             <a:spLocks noGrp="1"/>
           </p:cNvSpPr>
@@ -2887,9 +2952,9 @@
           </p:nvPr>
         </p:nvSpPr>
         <p:spPr>
-          <a:xfrm>
-            <a:off x="838200" y="6356350"/>
-            <a:ext cx="2743200" cy="365125"/>
+          <a:xfrm rot="16200000">
+            <a:off x="10797542" y="998537"/>
+            <a:ext cx="1904999" cy="365125"/>
           </a:xfrm>
           <a:prstGeom prst="rect">
             <a:avLst/>
@@ -2898,11 +2963,12 @@
         <p:txBody>
           <a:bodyPr vert="horz" lIns="91440" tIns="45720" rIns="91440" bIns="45720" rtlCol="0" anchor="ctr"/>
           <a:lstStyle>
-            <a:lvl1pPr algn="l">
-              <a:defRPr sz="1200">
+            <a:lvl1pPr algn="r">
+              <a:defRPr sz="1050" b="0">
                 <a:solidFill>
-                  <a:schemeClr val="tx1">
-                    <a:tint val="75000"/>
+                  <a:schemeClr val="tx2">
+                    <a:lumMod val="20000"/>
+                    <a:lumOff val="80000"/>
                   </a:schemeClr>
                 </a:solidFill>
               </a:defRPr>
@@ -2919,13 +2985,7 @@
       </p:sp>
       <p:sp>
         <p:nvSpPr>
-          <p:cNvPr id="5" name="Alt Bilgi Yer Tutucusu 4">
-            <a:extLst>
-              <a:ext uri="{FF2B5EF4-FFF2-40B4-BE49-F238E27FC236}">
-                <a16:creationId xmlns:a16="http://schemas.microsoft.com/office/drawing/2014/main" id="{89D85591-BE8C-8252-759C-976EE2AE753F}"/>
-              </a:ext>
-            </a:extLst>
-          </p:cNvPr>
+          <p:cNvPr id="5" name="Footer Placeholder 4"/>
           <p:cNvSpPr>
             <a:spLocks noGrp="1"/>
           </p:cNvSpPr>
@@ -2934,9 +2994,9 @@
           </p:nvPr>
         </p:nvSpPr>
         <p:spPr>
-          <a:xfrm>
-            <a:off x="4038600" y="6356350"/>
-            <a:ext cx="4114800" cy="365125"/>
+          <a:xfrm rot="16200000">
+            <a:off x="9959341" y="4046537"/>
+            <a:ext cx="3581400" cy="365125"/>
           </a:xfrm>
           <a:prstGeom prst="rect">
             <a:avLst/>
@@ -2945,11 +3005,12 @@
         <p:txBody>
           <a:bodyPr vert="horz" lIns="91440" tIns="45720" rIns="91440" bIns="45720" rtlCol="0" anchor="ctr"/>
           <a:lstStyle>
-            <a:lvl1pPr algn="ctr">
-              <a:defRPr sz="1200">
+            <a:lvl1pPr algn="l">
+              <a:defRPr sz="1050">
                 <a:solidFill>
-                  <a:schemeClr val="tx1">
-                    <a:tint val="75000"/>
+                  <a:schemeClr val="tx2">
+                    <a:lumMod val="20000"/>
+                    <a:lumOff val="80000"/>
                   </a:schemeClr>
                 </a:solidFill>
               </a:defRPr>
@@ -2962,13 +3023,7 @@
       </p:sp>
       <p:sp>
         <p:nvSpPr>
-          <p:cNvPr id="6" name="Slayt Numarası Yer Tutucusu 5">
-            <a:extLst>
-              <a:ext uri="{FF2B5EF4-FFF2-40B4-BE49-F238E27FC236}">
-                <a16:creationId xmlns:a16="http://schemas.microsoft.com/office/drawing/2014/main" id="{B3FB06AC-A233-1627-FC82-8EB8F75C8B0A}"/>
-              </a:ext>
-            </a:extLst>
-          </p:cNvPr>
+          <p:cNvPr id="6" name="Slide Number Placeholder 5"/>
           <p:cNvSpPr>
             <a:spLocks noGrp="1"/>
           </p:cNvSpPr>
@@ -2978,21 +3033,24 @@
         </p:nvSpPr>
         <p:spPr>
           <a:xfrm>
-            <a:off x="8610600" y="6356350"/>
-            <a:ext cx="2743200" cy="365125"/>
+            <a:off x="11292840" y="6172200"/>
+            <a:ext cx="914400" cy="593725"/>
           </a:xfrm>
           <a:prstGeom prst="rect">
             <a:avLst/>
           </a:prstGeom>
         </p:spPr>
         <p:txBody>
-          <a:bodyPr vert="horz" lIns="91440" tIns="45720" rIns="91440" bIns="45720" rtlCol="0" anchor="ctr"/>
+          <a:bodyPr vert="horz" lIns="45720" tIns="45720" rIns="45720" bIns="45720" rtlCol="0" anchor="ctr">
+            <a:normAutofit/>
+          </a:bodyPr>
           <a:lstStyle>
-            <a:lvl1pPr algn="r">
-              <a:defRPr sz="1200">
+            <a:lvl1pPr algn="ctr">
+              <a:defRPr sz="3600">
                 <a:solidFill>
-                  <a:schemeClr val="tx1">
-                    <a:tint val="75000"/>
+                  <a:schemeClr val="tx2">
+                    <a:lumMod val="60000"/>
+                    <a:lumOff val="40000"/>
                   </a:schemeClr>
                 </a:solidFill>
               </a:defRPr>
@@ -3010,23 +3068,23 @@
     </p:spTree>
     <p:extLst>
       <p:ext uri="{BB962C8B-B14F-4D97-AF65-F5344CB8AC3E}">
-        <p14:creationId xmlns:p14="http://schemas.microsoft.com/office/powerpoint/2010/main" val="3880947186"/>
+        <p14:creationId xmlns:p14="http://schemas.microsoft.com/office/powerpoint/2010/main" val="2691315031"/>
       </p:ext>
     </p:extLst>
   </p:cSld>
   <p:clrMap bg1="lt1" tx1="dk1" bg2="lt2" tx2="dk2" accent1="accent1" accent2="accent2" accent3="accent3" accent4="accent4" accent5="accent5" accent6="accent6" hlink="hlink" folHlink="folHlink"/>
   <p:sldLayoutIdLst>
-    <p:sldLayoutId id="2147483649" r:id="rId1"/>
-    <p:sldLayoutId id="2147483650" r:id="rId2"/>
-    <p:sldLayoutId id="2147483651" r:id="rId3"/>
-    <p:sldLayoutId id="2147483652" r:id="rId4"/>
-    <p:sldLayoutId id="2147483653" r:id="rId5"/>
-    <p:sldLayoutId id="2147483654" r:id="rId6"/>
-    <p:sldLayoutId id="2147483655" r:id="rId7"/>
-    <p:sldLayoutId id="2147483656" r:id="rId8"/>
-    <p:sldLayoutId id="2147483657" r:id="rId9"/>
-    <p:sldLayoutId id="2147483658" r:id="rId10"/>
-    <p:sldLayoutId id="2147483659" r:id="rId11"/>
+    <p:sldLayoutId id="2147483661" r:id="rId1"/>
+    <p:sldLayoutId id="2147483662" r:id="rId2"/>
+    <p:sldLayoutId id="2147483663" r:id="rId3"/>
+    <p:sldLayoutId id="2147483664" r:id="rId4"/>
+    <p:sldLayoutId id="2147483665" r:id="rId5"/>
+    <p:sldLayoutId id="2147483666" r:id="rId6"/>
+    <p:sldLayoutId id="2147483667" r:id="rId7"/>
+    <p:sldLayoutId id="2147483668" r:id="rId8"/>
+    <p:sldLayoutId id="2147483669" r:id="rId9"/>
+    <p:sldLayoutId id="2147483670" r:id="rId10"/>
+    <p:sldLayoutId id="2147483671" r:id="rId11"/>
   </p:sldLayoutIdLst>
   <p:txStyles>
     <p:titleStyle>
@@ -3038,7 +3096,7 @@
           <a:spcPct val="0"/>
         </a:spcBef>
         <a:buNone/>
-        <a:defRPr sz="4400" kern="1200">
+        <a:defRPr sz="4400" kern="1200" spc="-50" baseline="0">
           <a:solidFill>
             <a:schemeClr val="tx1"/>
           </a:solidFill>
@@ -3049,16 +3107,23 @@
       </a:lvl1pPr>
     </p:titleStyle>
     <p:bodyStyle>
-      <a:lvl1pPr marL="228600" indent="-228600" algn="l" defTabSz="914400" rtl="0" eaLnBrk="1" latinLnBrk="0" hangingPunct="1">
+      <a:lvl1pPr marL="182880" indent="-182880" algn="l" defTabSz="914400" rtl="0" eaLnBrk="1" latinLnBrk="0" hangingPunct="1">
         <a:lnSpc>
-          <a:spcPct val="90000"/>
+          <a:spcPct val="95000"/>
         </a:lnSpc>
         <a:spcBef>
-          <a:spcPts val="1000"/>
+          <a:spcPts val="1400"/>
         </a:spcBef>
-        <a:buFont typeface="Arial" panose="020B0604020202020204" pitchFamily="34" charset="0"/>
+        <a:spcAft>
+          <a:spcPts val="200"/>
+        </a:spcAft>
+        <a:buClr>
+          <a:schemeClr val="accent1"/>
+        </a:buClr>
+        <a:buSzPct val="80000"/>
+        <a:buFont typeface="Arial" pitchFamily="34" charset="0"/>
         <a:buChar char="•"/>
-        <a:defRPr sz="2800" kern="1200">
+        <a:defRPr sz="1800" kern="1200" spc="10" baseline="0">
           <a:solidFill>
             <a:schemeClr val="tx1"/>
           </a:solidFill>
@@ -3067,144 +3132,216 @@
           <a:cs typeface="+mn-cs"/>
         </a:defRPr>
       </a:lvl1pPr>
-      <a:lvl2pPr marL="685800" indent="-228600" algn="l" defTabSz="914400" rtl="0" eaLnBrk="1" latinLnBrk="0" hangingPunct="1">
+      <a:lvl2pPr marL="457200" indent="-182880" algn="l" defTabSz="914400" rtl="0" eaLnBrk="1" latinLnBrk="0" hangingPunct="1">
         <a:lnSpc>
           <a:spcPct val="90000"/>
         </a:lnSpc>
         <a:spcBef>
-          <a:spcPts val="500"/>
+          <a:spcPts val="300"/>
         </a:spcBef>
-        <a:buFont typeface="Arial" panose="020B0604020202020204" pitchFamily="34" charset="0"/>
-        <a:buChar char="•"/>
-        <a:defRPr sz="2400" kern="1200">
+        <a:spcAft>
+          <a:spcPts val="300"/>
+        </a:spcAft>
+        <a:buClr>
+          <a:schemeClr val="accent1"/>
+        </a:buClr>
+        <a:buFont typeface="Wingdings 2" pitchFamily="18" charset="2"/>
+        <a:buChar char=""/>
+        <a:defRPr sz="1600" kern="1200">
           <a:solidFill>
-            <a:schemeClr val="tx1"/>
+            <a:schemeClr val="tx1">
+              <a:lumMod val="85000"/>
+              <a:lumOff val="15000"/>
+            </a:schemeClr>
           </a:solidFill>
           <a:latin typeface="+mn-lt"/>
           <a:ea typeface="+mn-ea"/>
           <a:cs typeface="+mn-cs"/>
         </a:defRPr>
       </a:lvl2pPr>
-      <a:lvl3pPr marL="1143000" indent="-228600" algn="l" defTabSz="914400" rtl="0" eaLnBrk="1" latinLnBrk="0" hangingPunct="1">
+      <a:lvl3pPr marL="731520" indent="-182880" algn="l" defTabSz="914400" rtl="0" eaLnBrk="1" latinLnBrk="0" hangingPunct="1">
         <a:lnSpc>
           <a:spcPct val="90000"/>
         </a:lnSpc>
         <a:spcBef>
-          <a:spcPts val="500"/>
+          <a:spcPts val="300"/>
         </a:spcBef>
-        <a:buFont typeface="Arial" panose="020B0604020202020204" pitchFamily="34" charset="0"/>
-        <a:buChar char="•"/>
-        <a:defRPr sz="2000" kern="1200">
+        <a:spcAft>
+          <a:spcPts val="300"/>
+        </a:spcAft>
+        <a:buClr>
+          <a:schemeClr val="accent1"/>
+        </a:buClr>
+        <a:buFont typeface="Wingdings 2" pitchFamily="18" charset="2"/>
+        <a:buChar char=""/>
+        <a:defRPr sz="1400" kern="1200">
           <a:solidFill>
-            <a:schemeClr val="tx1"/>
+            <a:schemeClr val="tx1">
+              <a:lumMod val="85000"/>
+              <a:lumOff val="15000"/>
+            </a:schemeClr>
           </a:solidFill>
           <a:latin typeface="+mn-lt"/>
           <a:ea typeface="+mn-ea"/>
           <a:cs typeface="+mn-cs"/>
         </a:defRPr>
       </a:lvl3pPr>
-      <a:lvl4pPr marL="1600200" indent="-228600" algn="l" defTabSz="914400" rtl="0" eaLnBrk="1" latinLnBrk="0" hangingPunct="1">
+      <a:lvl4pPr marL="1005840" indent="-182880" algn="l" defTabSz="914400" rtl="0" eaLnBrk="1" latinLnBrk="0" hangingPunct="1">
         <a:lnSpc>
           <a:spcPct val="90000"/>
         </a:lnSpc>
         <a:spcBef>
-          <a:spcPts val="500"/>
+          <a:spcPts val="300"/>
         </a:spcBef>
-        <a:buFont typeface="Arial" panose="020B0604020202020204" pitchFamily="34" charset="0"/>
-        <a:buChar char="•"/>
-        <a:defRPr sz="1800" kern="1200">
+        <a:spcAft>
+          <a:spcPts val="300"/>
+        </a:spcAft>
+        <a:buClr>
+          <a:schemeClr val="accent1"/>
+        </a:buClr>
+        <a:buFont typeface="Wingdings 2" pitchFamily="18" charset="2"/>
+        <a:buChar char=""/>
+        <a:defRPr sz="1400" kern="1200">
           <a:solidFill>
-            <a:schemeClr val="tx1"/>
+            <a:schemeClr val="tx1">
+              <a:lumMod val="85000"/>
+              <a:lumOff val="15000"/>
+            </a:schemeClr>
           </a:solidFill>
           <a:latin typeface="+mn-lt"/>
           <a:ea typeface="+mn-ea"/>
           <a:cs typeface="+mn-cs"/>
         </a:defRPr>
       </a:lvl4pPr>
-      <a:lvl5pPr marL="2057400" indent="-228600" algn="l" defTabSz="914400" rtl="0" eaLnBrk="1" latinLnBrk="0" hangingPunct="1">
+      <a:lvl5pPr marL="1280160" indent="-182880" algn="l" defTabSz="914400" rtl="0" eaLnBrk="1" latinLnBrk="0" hangingPunct="1">
         <a:lnSpc>
           <a:spcPct val="90000"/>
         </a:lnSpc>
         <a:spcBef>
-          <a:spcPts val="500"/>
+          <a:spcPts val="300"/>
         </a:spcBef>
-        <a:buFont typeface="Arial" panose="020B0604020202020204" pitchFamily="34" charset="0"/>
-        <a:buChar char="•"/>
-        <a:defRPr sz="1800" kern="1200">
+        <a:spcAft>
+          <a:spcPts val="300"/>
+        </a:spcAft>
+        <a:buClr>
+          <a:schemeClr val="accent1"/>
+        </a:buClr>
+        <a:buFont typeface="Wingdings 2" pitchFamily="18" charset="2"/>
+        <a:buChar char=""/>
+        <a:defRPr sz="1400" kern="1200">
           <a:solidFill>
-            <a:schemeClr val="tx1"/>
+            <a:schemeClr val="tx1">
+              <a:lumMod val="85000"/>
+              <a:lumOff val="15000"/>
+            </a:schemeClr>
           </a:solidFill>
           <a:latin typeface="+mn-lt"/>
           <a:ea typeface="+mn-ea"/>
           <a:cs typeface="+mn-cs"/>
         </a:defRPr>
       </a:lvl5pPr>
-      <a:lvl6pPr marL="2514600" indent="-228600" algn="l" defTabSz="914400" rtl="0" eaLnBrk="1" latinLnBrk="0" hangingPunct="1">
+      <a:lvl6pPr marL="1600000" indent="-228600" algn="l" defTabSz="914400" rtl="0" eaLnBrk="1" latinLnBrk="0" hangingPunct="1">
         <a:lnSpc>
           <a:spcPct val="90000"/>
         </a:lnSpc>
         <a:spcBef>
-          <a:spcPts val="500"/>
+          <a:spcPts val="300"/>
         </a:spcBef>
-        <a:buFont typeface="Arial" panose="020B0604020202020204" pitchFamily="34" charset="0"/>
-        <a:buChar char="•"/>
-        <a:defRPr sz="1800" kern="1200">
+        <a:spcAft>
+          <a:spcPts val="300"/>
+        </a:spcAft>
+        <a:buClr>
+          <a:schemeClr val="accent1"/>
+        </a:buClr>
+        <a:buFont typeface="Wingdings 2" pitchFamily="18" charset="2"/>
+        <a:buChar char=""/>
+        <a:defRPr sz="1400" kern="1200">
           <a:solidFill>
-            <a:schemeClr val="tx1"/>
+            <a:schemeClr val="tx1">
+              <a:lumMod val="85000"/>
+              <a:lumOff val="15000"/>
+            </a:schemeClr>
           </a:solidFill>
           <a:latin typeface="+mn-lt"/>
           <a:ea typeface="+mn-ea"/>
           <a:cs typeface="+mn-cs"/>
         </a:defRPr>
       </a:lvl6pPr>
-      <a:lvl7pPr marL="2971800" indent="-228600" algn="l" defTabSz="914400" rtl="0" eaLnBrk="1" latinLnBrk="0" hangingPunct="1">
+      <a:lvl7pPr marL="1900000" indent="-228600" algn="l" defTabSz="914400" rtl="0" eaLnBrk="1" latinLnBrk="0" hangingPunct="1">
         <a:lnSpc>
           <a:spcPct val="90000"/>
         </a:lnSpc>
         <a:spcBef>
-          <a:spcPts val="500"/>
+          <a:spcPts val="300"/>
         </a:spcBef>
-        <a:buFont typeface="Arial" panose="020B0604020202020204" pitchFamily="34" charset="0"/>
-        <a:buChar char="•"/>
-        <a:defRPr sz="1800" kern="1200">
+        <a:spcAft>
+          <a:spcPts val="300"/>
+        </a:spcAft>
+        <a:buClr>
+          <a:schemeClr val="accent1"/>
+        </a:buClr>
+        <a:buFont typeface="Wingdings 2" pitchFamily="18" charset="2"/>
+        <a:buChar char=""/>
+        <a:defRPr sz="1400" kern="1200">
           <a:solidFill>
-            <a:schemeClr val="tx1"/>
+            <a:schemeClr val="tx1">
+              <a:lumMod val="85000"/>
+              <a:lumOff val="15000"/>
+            </a:schemeClr>
           </a:solidFill>
           <a:latin typeface="+mn-lt"/>
           <a:ea typeface="+mn-ea"/>
           <a:cs typeface="+mn-cs"/>
         </a:defRPr>
       </a:lvl7pPr>
-      <a:lvl8pPr marL="3429000" indent="-228600" algn="l" defTabSz="914400" rtl="0" eaLnBrk="1" latinLnBrk="0" hangingPunct="1">
+      <a:lvl8pPr marL="2200000" indent="-228600" algn="l" defTabSz="914400" rtl="0" eaLnBrk="1" latinLnBrk="0" hangingPunct="1">
         <a:lnSpc>
           <a:spcPct val="90000"/>
         </a:lnSpc>
         <a:spcBef>
-          <a:spcPts val="500"/>
+          <a:spcPts val="300"/>
         </a:spcBef>
-        <a:buFont typeface="Arial" panose="020B0604020202020204" pitchFamily="34" charset="0"/>
-        <a:buChar char="•"/>
-        <a:defRPr sz="1800" kern="1200">
+        <a:spcAft>
+          <a:spcPts val="300"/>
+        </a:spcAft>
+        <a:buClr>
+          <a:schemeClr val="accent1"/>
+        </a:buClr>
+        <a:buFont typeface="Wingdings 2" pitchFamily="18" charset="2"/>
+        <a:buChar char=""/>
+        <a:defRPr sz="1400" kern="1200">
           <a:solidFill>
-            <a:schemeClr val="tx1"/>
+            <a:schemeClr val="tx1">
+              <a:lumMod val="85000"/>
+              <a:lumOff val="15000"/>
+            </a:schemeClr>
           </a:solidFill>
           <a:latin typeface="+mn-lt"/>
           <a:ea typeface="+mn-ea"/>
           <a:cs typeface="+mn-cs"/>
         </a:defRPr>
       </a:lvl8pPr>
-      <a:lvl9pPr marL="3886200" indent="-228600" algn="l" defTabSz="914400" rtl="0" eaLnBrk="1" latinLnBrk="0" hangingPunct="1">
+      <a:lvl9pPr marL="2500000" indent="-228600" algn="l" defTabSz="914400" rtl="0" eaLnBrk="1" latinLnBrk="0" hangingPunct="1">
         <a:lnSpc>
           <a:spcPct val="90000"/>
         </a:lnSpc>
         <a:spcBef>
-          <a:spcPts val="500"/>
+          <a:spcPts val="300"/>
         </a:spcBef>
-        <a:buFont typeface="Arial" panose="020B0604020202020204" pitchFamily="34" charset="0"/>
-        <a:buChar char="•"/>
-        <a:defRPr sz="1800" kern="1200">
+        <a:spcAft>
+          <a:spcPts val="300"/>
+        </a:spcAft>
+        <a:buClr>
+          <a:schemeClr val="accent1"/>
+        </a:buClr>
+        <a:buFont typeface="Wingdings 2" pitchFamily="18" charset="2"/>
+        <a:buChar char=""/>
+        <a:defRPr sz="1400" kern="1200">
           <a:solidFill>
-            <a:schemeClr val="tx1"/>
+            <a:schemeClr val="tx1">
+              <a:lumMod val="85000"/>
+              <a:lumOff val="15000"/>
+            </a:schemeClr>
           </a:solidFill>
           <a:latin typeface="+mn-lt"/>
           <a:ea typeface="+mn-ea"/>
@@ -3214,7 +3351,7 @@
     </p:bodyStyle>
     <p:otherStyle>
       <a:defPPr>
-        <a:defRPr lang="tr-TR"/>
+        <a:defRPr lang="en-US"/>
       </a:defPPr>
       <a:lvl1pPr marL="0" algn="l" defTabSz="914400" rtl="0" eaLnBrk="1" latinLnBrk="0" hangingPunct="1">
         <a:defRPr sz="1800" kern="1200">
@@ -3394,6 +3531,1286 @@
 </p:sld>
 </file>
 
+<file path=ppt/slides/slide10.xml><?xml version="1.0" encoding="utf-8"?>
+<p:sld xmlns:a="http://schemas.openxmlformats.org/drawingml/2006/main" xmlns:r="http://schemas.openxmlformats.org/officeDocument/2006/relationships" xmlns:p="http://schemas.openxmlformats.org/presentationml/2006/main">
+  <p:cSld>
+    <p:spTree>
+      <p:nvGrpSpPr>
+        <p:cNvPr id="1" name=""/>
+        <p:cNvGrpSpPr/>
+        <p:nvPr/>
+      </p:nvGrpSpPr>
+      <p:grpSpPr>
+        <a:xfrm>
+          <a:off x="0" y="0"/>
+          <a:ext cx="0" cy="0"/>
+          <a:chOff x="0" y="0"/>
+          <a:chExt cx="0" cy="0"/>
+        </a:xfrm>
+      </p:grpSpPr>
+      <p:sp>
+        <p:nvSpPr>
+          <p:cNvPr id="2" name="Başlık 1">
+            <a:extLst>
+              <a:ext uri="{FF2B5EF4-FFF2-40B4-BE49-F238E27FC236}">
+                <a16:creationId xmlns:a16="http://schemas.microsoft.com/office/drawing/2014/main" id="{DA2FF828-7F29-B89A-84E6-4291D63B0A28}"/>
+              </a:ext>
+            </a:extLst>
+          </p:cNvPr>
+          <p:cNvSpPr>
+            <a:spLocks noGrp="1"/>
+          </p:cNvSpPr>
+          <p:nvPr>
+            <p:ph type="title"/>
+          </p:nvPr>
+        </p:nvSpPr>
+        <p:spPr/>
+        <p:txBody>
+          <a:bodyPr/>
+          <a:lstStyle/>
+          <a:p>
+            <a:pPr algn="ctr"/>
+            <a:r>
+              <a:rPr lang="tr-TR" dirty="0"/>
+              <a:t>Bazı Şifreleme Algoritmaları için Döngü Sayıları</a:t>
+            </a:r>
+          </a:p>
+        </p:txBody>
+      </p:sp>
+      <p:pic>
+        <p:nvPicPr>
+          <p:cNvPr id="5" name="İçerik Yer Tutucusu 4">
+            <a:extLst>
+              <a:ext uri="{FF2B5EF4-FFF2-40B4-BE49-F238E27FC236}">
+                <a16:creationId xmlns:a16="http://schemas.microsoft.com/office/drawing/2014/main" id="{A02312EB-14A7-76F9-D859-4F9CD49B617B}"/>
+              </a:ext>
+            </a:extLst>
+          </p:cNvPr>
+          <p:cNvPicPr>
+            <a:picLocks noGrp="1" noChangeAspect="1"/>
+          </p:cNvPicPr>
+          <p:nvPr>
+            <p:ph idx="1"/>
+          </p:nvPr>
+        </p:nvPicPr>
+        <p:blipFill>
+          <a:blip r:embed="rId2">
+            <a:extLst>
+              <a:ext uri="{28A0092B-C50C-407E-A947-70E740481C1C}">
+                <a14:useLocalDpi xmlns:a14="http://schemas.microsoft.com/office/drawing/2010/main" val="0"/>
+              </a:ext>
+            </a:extLst>
+          </a:blip>
+          <a:stretch>
+            <a:fillRect/>
+          </a:stretch>
+        </p:blipFill>
+        <p:spPr>
+          <a:xfrm>
+            <a:off x="1553604" y="2556467"/>
+            <a:ext cx="8011643" cy="2896004"/>
+          </a:xfrm>
+        </p:spPr>
+      </p:pic>
+    </p:spTree>
+    <p:extLst>
+      <p:ext uri="{BB962C8B-B14F-4D97-AF65-F5344CB8AC3E}">
+        <p14:creationId xmlns:p14="http://schemas.microsoft.com/office/powerpoint/2010/main" val="3935576218"/>
+      </p:ext>
+    </p:extLst>
+  </p:cSld>
+  <p:clrMapOvr>
+    <a:masterClrMapping/>
+  </p:clrMapOvr>
+</p:sld>
+</file>
+
+<file path=ppt/slides/slide11.xml><?xml version="1.0" encoding="utf-8"?>
+<p:sld xmlns:a="http://schemas.openxmlformats.org/drawingml/2006/main" xmlns:r="http://schemas.openxmlformats.org/officeDocument/2006/relationships" xmlns:p="http://schemas.openxmlformats.org/presentationml/2006/main">
+  <p:cSld>
+    <p:spTree>
+      <p:nvGrpSpPr>
+        <p:cNvPr id="1" name=""/>
+        <p:cNvGrpSpPr/>
+        <p:nvPr/>
+      </p:nvGrpSpPr>
+      <p:grpSpPr>
+        <a:xfrm>
+          <a:off x="0" y="0"/>
+          <a:ext cx="0" cy="0"/>
+          <a:chOff x="0" y="0"/>
+          <a:chExt cx="0" cy="0"/>
+        </a:xfrm>
+      </p:grpSpPr>
+      <p:sp>
+        <p:nvSpPr>
+          <p:cNvPr id="2" name="Başlık 1">
+            <a:extLst>
+              <a:ext uri="{FF2B5EF4-FFF2-40B4-BE49-F238E27FC236}">
+                <a16:creationId xmlns:a16="http://schemas.microsoft.com/office/drawing/2014/main" id="{2EDD4C59-D156-CDED-7075-C2F5B77477F0}"/>
+              </a:ext>
+            </a:extLst>
+          </p:cNvPr>
+          <p:cNvSpPr>
+            <a:spLocks noGrp="1"/>
+          </p:cNvSpPr>
+          <p:nvPr>
+            <p:ph type="title"/>
+          </p:nvPr>
+        </p:nvSpPr>
+        <p:spPr>
+          <a:xfrm>
+            <a:off x="204858" y="223146"/>
+            <a:ext cx="11632007" cy="1325562"/>
+          </a:xfrm>
+        </p:spPr>
+        <p:txBody>
+          <a:bodyPr>
+            <a:normAutofit/>
+          </a:bodyPr>
+          <a:lstStyle/>
+          <a:p>
+            <a:r>
+              <a:rPr lang="tr-TR" sz="3600" b="1" dirty="0"/>
+              <a:t>AES (Advanced </a:t>
+            </a:r>
+            <a:r>
+              <a:rPr lang="tr-TR" sz="3600" b="1" dirty="0" err="1"/>
+              <a:t>Encryption</a:t>
+            </a:r>
+            <a:r>
+              <a:rPr lang="tr-TR" sz="3600" b="1" dirty="0"/>
+              <a:t> Standard- Gelişmiş Şifreleme </a:t>
+            </a:r>
+            <a:r>
+              <a:rPr lang="tr-TR" sz="3600" b="1" dirty="0" err="1"/>
+              <a:t>Standartı</a:t>
+            </a:r>
+            <a:r>
+              <a:rPr lang="tr-TR" sz="3600" b="1" dirty="0"/>
+              <a:t>)Algoritması</a:t>
+            </a:r>
+          </a:p>
+        </p:txBody>
+      </p:sp>
+      <p:sp>
+        <p:nvSpPr>
+          <p:cNvPr id="3" name="İçerik Yer Tutucusu 2">
+            <a:extLst>
+              <a:ext uri="{FF2B5EF4-FFF2-40B4-BE49-F238E27FC236}">
+                <a16:creationId xmlns:a16="http://schemas.microsoft.com/office/drawing/2014/main" id="{CFAB75C2-DDFD-E825-6196-69C7AFDA8205}"/>
+              </a:ext>
+            </a:extLst>
+          </p:cNvPr>
+          <p:cNvSpPr>
+            <a:spLocks noGrp="1"/>
+          </p:cNvSpPr>
+          <p:nvPr>
+            <p:ph idx="1"/>
+          </p:nvPr>
+        </p:nvSpPr>
+        <p:spPr>
+          <a:xfrm>
+            <a:off x="204858" y="1845578"/>
+            <a:ext cx="10893778" cy="3489819"/>
+          </a:xfrm>
+        </p:spPr>
+        <p:txBody>
+          <a:bodyPr>
+            <a:noAutofit/>
+          </a:bodyPr>
+          <a:lstStyle/>
+          <a:p>
+            <a:pPr marL="0" indent="0">
+              <a:buNone/>
+            </a:pPr>
+            <a:r>
+              <a:rPr lang="tr-TR" sz="2400" dirty="0"/>
+              <a:t>En yaygın olarak kullanılan simetrik şifreleme algoritmasıdır. AES, John </a:t>
+            </a:r>
+            <a:r>
+              <a:rPr lang="tr-TR" sz="2400" dirty="0" err="1"/>
+              <a:t>Daemen</a:t>
+            </a:r>
+            <a:r>
+              <a:rPr lang="tr-TR" sz="2400" dirty="0"/>
+              <a:t> ve Vincent </a:t>
+            </a:r>
+            <a:r>
+              <a:rPr lang="tr-TR" sz="2400" dirty="0" err="1"/>
+              <a:t>Rijmen</a:t>
+            </a:r>
+            <a:r>
+              <a:rPr lang="tr-TR" sz="2400" dirty="0"/>
+              <a:t> tarafından </a:t>
+            </a:r>
+            <a:r>
+              <a:rPr lang="tr-TR" sz="2400" dirty="0" err="1"/>
+              <a:t>Rijndael</a:t>
+            </a:r>
+            <a:r>
+              <a:rPr lang="tr-TR" sz="2400" dirty="0"/>
+              <a:t> adıyla geliştirilmiş ve 2002 yılında standart haline gelmiştir. </a:t>
+            </a:r>
+          </a:p>
+          <a:p>
+            <a:pPr marL="0" indent="0">
+              <a:buNone/>
+            </a:pPr>
+            <a:r>
+              <a:rPr lang="tr-TR" sz="2400" dirty="0"/>
+              <a:t>AES uzunluğu 128 bitte sabit olan blok ile uzunluğu 128, 192 ya da 256 bit olan anahtar kullanır. Kullanılan tekniklerden bazıları baytların yer değiştirmesi, 4x4’ lük matrisler üzerine yayılmış metin parçalarının satırlarına uygulanan kaydırma işlemleridir.</a:t>
+            </a:r>
+          </a:p>
+          <a:p>
+            <a:pPr marL="0" indent="0">
+              <a:buNone/>
+            </a:pPr>
+            <a:r>
+              <a:rPr lang="tr-TR" sz="2400" dirty="0"/>
+              <a:t> SPN algoritmasının geniş bir çeşididir. </a:t>
+            </a:r>
+            <a:r>
+              <a:rPr lang="tr-TR" sz="2400" dirty="0" err="1"/>
+              <a:t>Square</a:t>
+            </a:r>
+            <a:r>
+              <a:rPr lang="tr-TR" sz="2400" dirty="0"/>
+              <a:t> [16] ve </a:t>
+            </a:r>
+            <a:r>
+              <a:rPr lang="tr-TR" sz="2400" dirty="0" err="1"/>
+              <a:t>Crypton</a:t>
+            </a:r>
+            <a:r>
+              <a:rPr lang="tr-TR" sz="2400" dirty="0"/>
+              <a:t> [17] şifreleri AES benzeri SPN şifrelerdir. Döngü sayısı anahtar genişliğine göre değişmektedir. 128 bit anahtar için 10 döngüde şifreleme yapılırken 192 ve 256 bit anahtarlar için sırasıyla 12 ve 14 döngüde şifreleme yapılmaktadır. AES algoritmasında her döngü dört katmandan oluşur.</a:t>
+            </a:r>
+          </a:p>
+        </p:txBody>
+      </p:sp>
+    </p:spTree>
+    <p:extLst>
+      <p:ext uri="{BB962C8B-B14F-4D97-AF65-F5344CB8AC3E}">
+        <p14:creationId xmlns:p14="http://schemas.microsoft.com/office/powerpoint/2010/main" val="4189527794"/>
+      </p:ext>
+    </p:extLst>
+  </p:cSld>
+  <p:clrMapOvr>
+    <a:masterClrMapping/>
+  </p:clrMapOvr>
+</p:sld>
+</file>
+
+<file path=ppt/slides/slide12.xml><?xml version="1.0" encoding="utf-8"?>
+<p:sld xmlns:a="http://schemas.openxmlformats.org/drawingml/2006/main" xmlns:r="http://schemas.openxmlformats.org/officeDocument/2006/relationships" xmlns:p="http://schemas.openxmlformats.org/presentationml/2006/main">
+  <p:cSld>
+    <p:spTree>
+      <p:nvGrpSpPr>
+        <p:cNvPr id="1" name=""/>
+        <p:cNvGrpSpPr/>
+        <p:nvPr/>
+      </p:nvGrpSpPr>
+      <p:grpSpPr>
+        <a:xfrm>
+          <a:off x="0" y="0"/>
+          <a:ext cx="0" cy="0"/>
+          <a:chOff x="0" y="0"/>
+          <a:chExt cx="0" cy="0"/>
+        </a:xfrm>
+      </p:grpSpPr>
+      <p:sp>
+        <p:nvSpPr>
+          <p:cNvPr id="2" name="Başlık 1">
+            <a:extLst>
+              <a:ext uri="{FF2B5EF4-FFF2-40B4-BE49-F238E27FC236}">
+                <a16:creationId xmlns:a16="http://schemas.microsoft.com/office/drawing/2014/main" id="{EC30B79D-3713-AE39-5198-E956AE360427}"/>
+              </a:ext>
+            </a:extLst>
+          </p:cNvPr>
+          <p:cNvSpPr>
+            <a:spLocks noGrp="1"/>
+          </p:cNvSpPr>
+          <p:nvPr>
+            <p:ph type="title"/>
+          </p:nvPr>
+        </p:nvSpPr>
+        <p:spPr/>
+        <p:txBody>
+          <a:bodyPr/>
+          <a:lstStyle/>
+          <a:p>
+            <a:r>
+              <a:rPr lang="tr-TR" b="1" dirty="0"/>
+              <a:t>Kriptografik Protokoller </a:t>
+            </a:r>
+          </a:p>
+        </p:txBody>
+      </p:sp>
+      <p:sp>
+        <p:nvSpPr>
+          <p:cNvPr id="3" name="İçerik Yer Tutucusu 2">
+            <a:extLst>
+              <a:ext uri="{FF2B5EF4-FFF2-40B4-BE49-F238E27FC236}">
+                <a16:creationId xmlns:a16="http://schemas.microsoft.com/office/drawing/2014/main" id="{B8525173-DCE2-145A-1798-F79C8855DD0D}"/>
+              </a:ext>
+            </a:extLst>
+          </p:cNvPr>
+          <p:cNvSpPr>
+            <a:spLocks noGrp="1"/>
+          </p:cNvSpPr>
+          <p:nvPr>
+            <p:ph idx="1"/>
+          </p:nvPr>
+        </p:nvSpPr>
+        <p:spPr>
+          <a:xfrm>
+            <a:off x="1261872" y="1828800"/>
+            <a:ext cx="9627038" cy="4848837"/>
+          </a:xfrm>
+        </p:spPr>
+        <p:txBody>
+          <a:bodyPr/>
+          <a:lstStyle/>
+          <a:p>
+            <a:r>
+              <a:rPr lang="tr-TR" dirty="0"/>
+              <a:t>Bir güvenlik (Kriptografik protokol), güvenlik ile ilgili bir işlemi uygulayan, bir dizi kriptografik algoritmaları kullan bir soyut protokoldür. </a:t>
+            </a:r>
+          </a:p>
+          <a:p>
+            <a:r>
+              <a:rPr lang="tr-TR" dirty="0"/>
+              <a:t> Böyle bir protokol, bu algoritmaların nasıl kullanacağını tanımlar. </a:t>
+            </a:r>
+          </a:p>
+          <a:p>
+            <a:r>
+              <a:rPr lang="tr-TR" dirty="0"/>
+              <a:t> İzleyenlerin bir veya daha fazlasını Kriptografik protokol içerebilir:</a:t>
+            </a:r>
+          </a:p>
+          <a:p>
+            <a:pPr marL="0" indent="0">
+              <a:buNone/>
+            </a:pPr>
+            <a:r>
+              <a:rPr lang="tr-TR" dirty="0"/>
+              <a:t> – Gizli anahtar </a:t>
+            </a:r>
+            <a:r>
+              <a:rPr lang="tr-TR" dirty="0" err="1"/>
+              <a:t>paylaşmı</a:t>
+            </a:r>
+            <a:r>
+              <a:rPr lang="tr-TR" dirty="0"/>
+              <a:t> </a:t>
+            </a:r>
+          </a:p>
+          <a:p>
+            <a:pPr marL="0" indent="0">
+              <a:buNone/>
+            </a:pPr>
+            <a:r>
+              <a:rPr lang="tr-TR" dirty="0"/>
+              <a:t>– Varlığının (</a:t>
+            </a:r>
+            <a:r>
+              <a:rPr lang="tr-TR" dirty="0" err="1"/>
+              <a:t>entity</a:t>
+            </a:r>
+            <a:r>
+              <a:rPr lang="tr-TR" dirty="0"/>
+              <a:t>) kimlik denetimi </a:t>
+            </a:r>
+          </a:p>
+          <a:p>
+            <a:pPr marL="0" indent="0">
+              <a:buNone/>
+            </a:pPr>
+            <a:r>
+              <a:rPr lang="tr-TR" dirty="0"/>
+              <a:t>– Simetrik şifreleme </a:t>
+            </a:r>
+          </a:p>
+          <a:p>
+            <a:pPr marL="0" indent="0">
+              <a:buNone/>
+            </a:pPr>
+            <a:r>
+              <a:rPr lang="tr-TR" dirty="0"/>
+              <a:t>– İnkar </a:t>
+            </a:r>
+            <a:r>
+              <a:rPr lang="tr-TR" dirty="0" err="1"/>
+              <a:t>edilememezlik</a:t>
+            </a:r>
+            <a:r>
+              <a:rPr lang="tr-TR" dirty="0"/>
+              <a:t> </a:t>
+            </a:r>
+            <a:r>
+              <a:rPr lang="tr-TR" dirty="0" err="1"/>
+              <a:t>metodları</a:t>
+            </a:r>
+            <a:endParaRPr lang="tr-TR" dirty="0"/>
+          </a:p>
+        </p:txBody>
+      </p:sp>
+    </p:spTree>
+    <p:extLst>
+      <p:ext uri="{BB962C8B-B14F-4D97-AF65-F5344CB8AC3E}">
+        <p14:creationId xmlns:p14="http://schemas.microsoft.com/office/powerpoint/2010/main" val="1670932385"/>
+      </p:ext>
+    </p:extLst>
+  </p:cSld>
+  <p:clrMapOvr>
+    <a:masterClrMapping/>
+  </p:clrMapOvr>
+</p:sld>
+</file>
+
+<file path=ppt/slides/slide13.xml><?xml version="1.0" encoding="utf-8"?>
+<p:sld xmlns:a="http://schemas.openxmlformats.org/drawingml/2006/main" xmlns:r="http://schemas.openxmlformats.org/officeDocument/2006/relationships" xmlns:p="http://schemas.openxmlformats.org/presentationml/2006/main">
+  <p:cSld>
+    <p:spTree>
+      <p:nvGrpSpPr>
+        <p:cNvPr id="1" name=""/>
+        <p:cNvGrpSpPr/>
+        <p:nvPr/>
+      </p:nvGrpSpPr>
+      <p:grpSpPr>
+        <a:xfrm>
+          <a:off x="0" y="0"/>
+          <a:ext cx="0" cy="0"/>
+          <a:chOff x="0" y="0"/>
+          <a:chExt cx="0" cy="0"/>
+        </a:xfrm>
+      </p:grpSpPr>
+      <p:pic>
+        <p:nvPicPr>
+          <p:cNvPr id="5" name="İçerik Yer Tutucusu 4">
+            <a:extLst>
+              <a:ext uri="{FF2B5EF4-FFF2-40B4-BE49-F238E27FC236}">
+                <a16:creationId xmlns:a16="http://schemas.microsoft.com/office/drawing/2014/main" id="{EAB0B5DA-959C-3E9B-2AE9-E245DD59C377}"/>
+              </a:ext>
+            </a:extLst>
+          </p:cNvPr>
+          <p:cNvPicPr>
+            <a:picLocks noGrp="1" noChangeAspect="1"/>
+          </p:cNvPicPr>
+          <p:nvPr>
+            <p:ph idx="1"/>
+          </p:nvPr>
+        </p:nvPicPr>
+        <p:blipFill>
+          <a:blip r:embed="rId2"/>
+          <a:stretch>
+            <a:fillRect/>
+          </a:stretch>
+        </p:blipFill>
+        <p:spPr>
+          <a:xfrm>
+            <a:off x="3173489" y="0"/>
+            <a:ext cx="5845021" cy="6815597"/>
+          </a:xfrm>
+        </p:spPr>
+      </p:pic>
+    </p:spTree>
+    <p:extLst>
+      <p:ext uri="{BB962C8B-B14F-4D97-AF65-F5344CB8AC3E}">
+        <p14:creationId xmlns:p14="http://schemas.microsoft.com/office/powerpoint/2010/main" val="2455087940"/>
+      </p:ext>
+    </p:extLst>
+  </p:cSld>
+  <p:clrMapOvr>
+    <a:masterClrMapping/>
+  </p:clrMapOvr>
+</p:sld>
+</file>
+
+<file path=ppt/slides/slide14.xml><?xml version="1.0" encoding="utf-8"?>
+<p:sld xmlns:a="http://schemas.openxmlformats.org/drawingml/2006/main" xmlns:r="http://schemas.openxmlformats.org/officeDocument/2006/relationships" xmlns:p="http://schemas.openxmlformats.org/presentationml/2006/main">
+  <p:cSld>
+    <p:spTree>
+      <p:nvGrpSpPr>
+        <p:cNvPr id="1" name=""/>
+        <p:cNvGrpSpPr/>
+        <p:nvPr/>
+      </p:nvGrpSpPr>
+      <p:grpSpPr>
+        <a:xfrm>
+          <a:off x="0" y="0"/>
+          <a:ext cx="0" cy="0"/>
+          <a:chOff x="0" y="0"/>
+          <a:chExt cx="0" cy="0"/>
+        </a:xfrm>
+      </p:grpSpPr>
+      <p:sp>
+        <p:nvSpPr>
+          <p:cNvPr id="2" name="Başlık 1">
+            <a:extLst>
+              <a:ext uri="{FF2B5EF4-FFF2-40B4-BE49-F238E27FC236}">
+                <a16:creationId xmlns:a16="http://schemas.microsoft.com/office/drawing/2014/main" id="{C73C8E9C-3C6D-0C80-EDE8-7599E9BEA80F}"/>
+              </a:ext>
+            </a:extLst>
+          </p:cNvPr>
+          <p:cNvSpPr>
+            <a:spLocks noGrp="1"/>
+          </p:cNvSpPr>
+          <p:nvPr>
+            <p:ph type="title"/>
+          </p:nvPr>
+        </p:nvSpPr>
+        <p:spPr>
+          <a:xfrm>
+            <a:off x="1261872" y="-95635"/>
+            <a:ext cx="9692640" cy="1325562"/>
+          </a:xfrm>
+        </p:spPr>
+        <p:txBody>
+          <a:bodyPr/>
+          <a:lstStyle/>
+          <a:p>
+            <a:r>
+              <a:rPr lang="tr-TR" b="1" dirty="0"/>
+              <a:t>AES Döngü Yapısı</a:t>
+            </a:r>
+          </a:p>
+        </p:txBody>
+      </p:sp>
+      <p:sp>
+        <p:nvSpPr>
+          <p:cNvPr id="3" name="İçerik Yer Tutucusu 2">
+            <a:extLst>
+              <a:ext uri="{FF2B5EF4-FFF2-40B4-BE49-F238E27FC236}">
+                <a16:creationId xmlns:a16="http://schemas.microsoft.com/office/drawing/2014/main" id="{1EE0624D-7AA9-B04A-57EA-BAA80A129112}"/>
+              </a:ext>
+            </a:extLst>
+          </p:cNvPr>
+          <p:cNvSpPr>
+            <a:spLocks noGrp="1"/>
+          </p:cNvSpPr>
+          <p:nvPr>
+            <p:ph idx="1"/>
+          </p:nvPr>
+        </p:nvSpPr>
+        <p:spPr>
+          <a:xfrm>
+            <a:off x="750144" y="1451296"/>
+            <a:ext cx="9509592" cy="4821120"/>
+          </a:xfrm>
+        </p:spPr>
+        <p:txBody>
+          <a:bodyPr>
+            <a:normAutofit/>
+          </a:bodyPr>
+          <a:lstStyle/>
+          <a:p>
+            <a:pPr marL="0" indent="0">
+              <a:buNone/>
+            </a:pPr>
+            <a:r>
+              <a:rPr lang="tr-TR" dirty="0"/>
+              <a:t>Algoritmanın genel yapısı; AES algoritmasında giriş, çıkış ve matrisler 128 bitliktir. Matris 4 satır, 4 sütun (4×4), 16 bölmeden oluşur.</a:t>
+            </a:r>
+          </a:p>
+          <a:p>
+            <a:pPr marL="0" indent="0">
+              <a:buNone/>
+            </a:pPr>
+            <a:r>
+              <a:rPr lang="tr-TR" dirty="0"/>
+              <a:t>Bu matrise ‘durum’ denmektedir. Durumun her bölmesine bir </a:t>
+            </a:r>
+            <a:r>
+              <a:rPr lang="tr-TR" dirty="0" err="1"/>
+              <a:t>bytlık</a:t>
+            </a:r>
+            <a:r>
+              <a:rPr lang="tr-TR" dirty="0"/>
+              <a:t> veri düşer. Her satırda 32 bitlik bir kelimeyi meydana getirir. Şifreleme işleminde ilk olarak 128 bit veri 4x4 byte matrisine dönüştürülür. </a:t>
+            </a:r>
+          </a:p>
+          <a:p>
+            <a:pPr marL="0" indent="0">
+              <a:buNone/>
+            </a:pPr>
+            <a:r>
+              <a:rPr lang="tr-TR" dirty="0"/>
+              <a:t>Daha sonra her döngüde sırasıyla byte’ların </a:t>
+            </a:r>
+            <a:r>
+              <a:rPr lang="tr-TR" dirty="0" err="1"/>
+              <a:t>yerdeğiştirmesi</a:t>
+            </a:r>
+            <a:r>
+              <a:rPr lang="tr-TR" dirty="0"/>
+              <a:t>, satırların ötelenmesi, sütunların karıştırılması ve anahtar planlamadan gelen o döngü için belirlenen anahtar ile </a:t>
+            </a:r>
+            <a:r>
+              <a:rPr lang="tr-TR" dirty="0" err="1"/>
+              <a:t>XOR’lama</a:t>
+            </a:r>
+            <a:r>
+              <a:rPr lang="tr-TR" dirty="0"/>
+              <a:t> işlemleri yapılır. </a:t>
+            </a:r>
+          </a:p>
+          <a:p>
+            <a:pPr marL="0" indent="0">
+              <a:buNone/>
+            </a:pPr>
+            <a:r>
+              <a:rPr lang="tr-TR" dirty="0"/>
+              <a:t>Byte’ların </a:t>
+            </a:r>
+            <a:r>
+              <a:rPr lang="tr-TR" dirty="0" err="1"/>
+              <a:t>yerdeğiştirilmesinde</a:t>
+            </a:r>
+            <a:r>
+              <a:rPr lang="tr-TR" dirty="0"/>
+              <a:t> 16 byte değerinin her biri 8 bit girişli 8 bit çıkışlı S kutusuna sokulur. S kutusu değerleri, </a:t>
+            </a:r>
+            <a:r>
+              <a:rPr lang="tr-TR" dirty="0" err="1"/>
+              <a:t>Galois</a:t>
+            </a:r>
+            <a:r>
+              <a:rPr lang="tr-TR" dirty="0"/>
+              <a:t> </a:t>
+            </a:r>
+            <a:r>
+              <a:rPr lang="tr-TR" dirty="0" err="1"/>
+              <a:t>cisiminde</a:t>
+            </a:r>
+            <a:r>
+              <a:rPr lang="tr-TR" dirty="0"/>
+              <a:t> (</a:t>
+            </a:r>
+            <a:r>
+              <a:rPr lang="tr-TR" dirty="0" err="1"/>
+              <a:t>Galois</a:t>
+            </a:r>
+            <a:r>
+              <a:rPr lang="tr-TR" dirty="0"/>
+              <a:t> </a:t>
+            </a:r>
+            <a:r>
+              <a:rPr lang="tr-TR" dirty="0" err="1"/>
+              <a:t>Field</a:t>
+            </a:r>
+            <a:r>
+              <a:rPr lang="tr-TR" dirty="0"/>
+              <a:t>-GF) GF(28 ), 8 bitlik polinom için ters alındıktan sonra doğrusal bir dönüşüme sokularak elde edilmiştir.</a:t>
+            </a:r>
+          </a:p>
+          <a:p>
+            <a:pPr marL="0" indent="0">
+              <a:buNone/>
+            </a:pPr>
+            <a:r>
+              <a:rPr lang="tr-TR" dirty="0"/>
+              <a:t>Satırların ötelenmesi işleminde 4x4 byte matrisinde satırlar ötelenir ve sütunların karıştırılması işleminde herhangi bir sütun için o sütundaki değerler karıştırılır. Döngünün son katmanında ise o döngüye ait anahtar ile </a:t>
+            </a:r>
+            <a:r>
+              <a:rPr lang="tr-TR" dirty="0" err="1"/>
+              <a:t>XOR’lama</a:t>
+            </a:r>
+            <a:r>
+              <a:rPr lang="tr-TR" dirty="0"/>
+              <a:t> yapılmaktadır.</a:t>
+            </a:r>
+          </a:p>
+        </p:txBody>
+      </p:sp>
+    </p:spTree>
+    <p:extLst>
+      <p:ext uri="{BB962C8B-B14F-4D97-AF65-F5344CB8AC3E}">
+        <p14:creationId xmlns:p14="http://schemas.microsoft.com/office/powerpoint/2010/main" val="2140440965"/>
+      </p:ext>
+    </p:extLst>
+  </p:cSld>
+  <p:clrMapOvr>
+    <a:masterClrMapping/>
+  </p:clrMapOvr>
+</p:sld>
+</file>
+
+<file path=ppt/slides/slide15.xml><?xml version="1.0" encoding="utf-8"?>
+<p:sld xmlns:a="http://schemas.openxmlformats.org/drawingml/2006/main" xmlns:r="http://schemas.openxmlformats.org/officeDocument/2006/relationships" xmlns:p="http://schemas.openxmlformats.org/presentationml/2006/main">
+  <p:cSld>
+    <p:spTree>
+      <p:nvGrpSpPr>
+        <p:cNvPr id="1" name=""/>
+        <p:cNvGrpSpPr/>
+        <p:nvPr/>
+      </p:nvGrpSpPr>
+      <p:grpSpPr>
+        <a:xfrm>
+          <a:off x="0" y="0"/>
+          <a:ext cx="0" cy="0"/>
+          <a:chOff x="0" y="0"/>
+          <a:chExt cx="0" cy="0"/>
+        </a:xfrm>
+      </p:grpSpPr>
+      <p:sp>
+        <p:nvSpPr>
+          <p:cNvPr id="2" name="Başlık 1">
+            <a:extLst>
+              <a:ext uri="{FF2B5EF4-FFF2-40B4-BE49-F238E27FC236}">
+                <a16:creationId xmlns:a16="http://schemas.microsoft.com/office/drawing/2014/main" id="{0DB8128B-8782-3F30-6663-45FF1DFCBA63}"/>
+              </a:ext>
+            </a:extLst>
+          </p:cNvPr>
+          <p:cNvSpPr>
+            <a:spLocks noGrp="1"/>
+          </p:cNvSpPr>
+          <p:nvPr>
+            <p:ph type="title"/>
+          </p:nvPr>
+        </p:nvSpPr>
+        <p:spPr>
+          <a:xfrm>
+            <a:off x="838200" y="-300664"/>
+            <a:ext cx="10515600" cy="1288016"/>
+          </a:xfrm>
+        </p:spPr>
+        <p:txBody>
+          <a:bodyPr>
+            <a:normAutofit fontScale="90000"/>
+          </a:bodyPr>
+          <a:lstStyle/>
+          <a:p>
+            <a:pPr algn="ctr"/>
+            <a:r>
+              <a:rPr lang="tr-TR" dirty="0"/>
+              <a:t>AES şifreleme algoritmasının genel yapısı. </a:t>
+            </a:r>
+          </a:p>
+        </p:txBody>
+      </p:sp>
+      <p:pic>
+        <p:nvPicPr>
+          <p:cNvPr id="5" name="İçerik Yer Tutucusu 4">
+            <a:extLst>
+              <a:ext uri="{FF2B5EF4-FFF2-40B4-BE49-F238E27FC236}">
+                <a16:creationId xmlns:a16="http://schemas.microsoft.com/office/drawing/2014/main" id="{D80949A4-711E-0F40-AE8C-688B2418B1A8}"/>
+              </a:ext>
+            </a:extLst>
+          </p:cNvPr>
+          <p:cNvPicPr>
+            <a:picLocks noGrp="1" noChangeAspect="1"/>
+          </p:cNvPicPr>
+          <p:nvPr>
+            <p:ph idx="1"/>
+          </p:nvPr>
+        </p:nvPicPr>
+        <p:blipFill>
+          <a:blip r:embed="rId2">
+            <a:extLst>
+              <a:ext uri="{28A0092B-C50C-407E-A947-70E740481C1C}">
+                <a14:useLocalDpi xmlns:a14="http://schemas.microsoft.com/office/drawing/2010/main" val="0"/>
+              </a:ext>
+            </a:extLst>
+          </a:blip>
+          <a:stretch>
+            <a:fillRect/>
+          </a:stretch>
+        </p:blipFill>
+        <p:spPr>
+          <a:xfrm>
+            <a:off x="2349542" y="1155321"/>
+            <a:ext cx="7492916" cy="5684561"/>
+          </a:xfrm>
+        </p:spPr>
+      </p:pic>
+    </p:spTree>
+    <p:extLst>
+      <p:ext uri="{BB962C8B-B14F-4D97-AF65-F5344CB8AC3E}">
+        <p14:creationId xmlns:p14="http://schemas.microsoft.com/office/powerpoint/2010/main" val="1336356333"/>
+      </p:ext>
+    </p:extLst>
+  </p:cSld>
+  <p:clrMapOvr>
+    <a:masterClrMapping/>
+  </p:clrMapOvr>
+</p:sld>
+</file>
+
+<file path=ppt/slides/slide16.xml><?xml version="1.0" encoding="utf-8"?>
+<p:sld xmlns:a="http://schemas.openxmlformats.org/drawingml/2006/main" xmlns:r="http://schemas.openxmlformats.org/officeDocument/2006/relationships" xmlns:p="http://schemas.openxmlformats.org/presentationml/2006/main">
+  <p:cSld>
+    <p:spTree>
+      <p:nvGrpSpPr>
+        <p:cNvPr id="1" name=""/>
+        <p:cNvGrpSpPr/>
+        <p:nvPr/>
+      </p:nvGrpSpPr>
+      <p:grpSpPr>
+        <a:xfrm>
+          <a:off x="0" y="0"/>
+          <a:ext cx="0" cy="0"/>
+          <a:chOff x="0" y="0"/>
+          <a:chExt cx="0" cy="0"/>
+        </a:xfrm>
+      </p:grpSpPr>
+      <p:sp>
+        <p:nvSpPr>
+          <p:cNvPr id="2" name="Başlık 1">
+            <a:extLst>
+              <a:ext uri="{FF2B5EF4-FFF2-40B4-BE49-F238E27FC236}">
+                <a16:creationId xmlns:a16="http://schemas.microsoft.com/office/drawing/2014/main" id="{F40A933A-6CDD-838E-3516-8DF698890EB7}"/>
+              </a:ext>
+            </a:extLst>
+          </p:cNvPr>
+          <p:cNvSpPr>
+            <a:spLocks noGrp="1"/>
+          </p:cNvSpPr>
+          <p:nvPr>
+            <p:ph type="title"/>
+          </p:nvPr>
+        </p:nvSpPr>
+        <p:spPr>
+          <a:xfrm>
+            <a:off x="502640" y="88288"/>
+            <a:ext cx="10515600" cy="1325563"/>
+          </a:xfrm>
+        </p:spPr>
+        <p:txBody>
+          <a:bodyPr>
+            <a:normAutofit fontScale="90000"/>
+          </a:bodyPr>
+          <a:lstStyle/>
+          <a:p>
+            <a:r>
+              <a:rPr lang="tr-TR" b="1" dirty="0"/>
+              <a:t>DES (Data </a:t>
+            </a:r>
+            <a:r>
+              <a:rPr lang="tr-TR" b="1" dirty="0" err="1"/>
+              <a:t>Encrytion</a:t>
+            </a:r>
+            <a:r>
+              <a:rPr lang="tr-TR" b="1" dirty="0"/>
+              <a:t> Standard - Veri Şifreleme </a:t>
+            </a:r>
+            <a:r>
+              <a:rPr lang="tr-TR" b="1" dirty="0" err="1"/>
+              <a:t>Standartı</a:t>
+            </a:r>
+            <a:r>
+              <a:rPr lang="tr-TR" b="1" dirty="0"/>
+              <a:t>) ALGORİTMASI </a:t>
+            </a:r>
+          </a:p>
+        </p:txBody>
+      </p:sp>
+      <p:sp>
+        <p:nvSpPr>
+          <p:cNvPr id="3" name="İçerik Yer Tutucusu 2">
+            <a:extLst>
+              <a:ext uri="{FF2B5EF4-FFF2-40B4-BE49-F238E27FC236}">
+                <a16:creationId xmlns:a16="http://schemas.microsoft.com/office/drawing/2014/main" id="{60D04147-B510-F3A2-2321-85E60D00218B}"/>
+              </a:ext>
+            </a:extLst>
+          </p:cNvPr>
+          <p:cNvSpPr>
+            <a:spLocks noGrp="1"/>
+          </p:cNvSpPr>
+          <p:nvPr>
+            <p:ph idx="1"/>
+          </p:nvPr>
+        </p:nvSpPr>
+        <p:spPr>
+          <a:xfrm>
+            <a:off x="502640" y="1413851"/>
+            <a:ext cx="10515600" cy="5556687"/>
+          </a:xfrm>
+        </p:spPr>
+        <p:txBody>
+          <a:bodyPr>
+            <a:normAutofit/>
+          </a:bodyPr>
+          <a:lstStyle/>
+          <a:p>
+            <a:pPr marL="0" indent="0">
+              <a:buNone/>
+            </a:pPr>
+            <a:r>
+              <a:rPr lang="tr-TR" dirty="0"/>
+              <a:t>DES algoritması blok şifreleme (</a:t>
+            </a:r>
+            <a:r>
+              <a:rPr lang="tr-TR" dirty="0" err="1"/>
+              <a:t>block</a:t>
+            </a:r>
+            <a:r>
+              <a:rPr lang="tr-TR" dirty="0"/>
+              <a:t> </a:t>
+            </a:r>
+            <a:r>
+              <a:rPr lang="tr-TR" dirty="0" err="1"/>
+              <a:t>cipher</a:t>
+            </a:r>
+            <a:r>
+              <a:rPr lang="tr-TR" dirty="0"/>
+              <a:t>) mantığına göre çalışır, yani veriler bir anahtar yardımıyla bloklar halinde şifrelenir. </a:t>
+            </a:r>
+          </a:p>
+          <a:p>
+            <a:pPr marL="0" indent="0">
+              <a:buNone/>
+            </a:pPr>
+            <a:r>
+              <a:rPr lang="tr-TR" dirty="0"/>
+              <a:t>Anahtar ne kadar uzunsa şifreyi çözmekte o kadar zor olacaktır. </a:t>
+            </a:r>
+            <a:r>
+              <a:rPr lang="tr-TR" dirty="0" err="1"/>
+              <a:t>Des</a:t>
+            </a:r>
+            <a:r>
+              <a:rPr lang="tr-TR" dirty="0"/>
+              <a:t> algoritmasında anahtar uzunluğu 56 bittir. Bu anahtar özellikle günümüz işlemci hızları göz önüne alındığında, </a:t>
+            </a:r>
+            <a:r>
+              <a:rPr lang="tr-TR" dirty="0" err="1"/>
+              <a:t>brute</a:t>
+            </a:r>
+            <a:r>
+              <a:rPr lang="tr-TR" dirty="0"/>
+              <a:t> </a:t>
+            </a:r>
+            <a:r>
+              <a:rPr lang="tr-TR" dirty="0" err="1"/>
+              <a:t>force</a:t>
+            </a:r>
+            <a:r>
+              <a:rPr lang="tr-TR" dirty="0"/>
+              <a:t> saldırılarına belli bir süre dayanabilir. </a:t>
+            </a:r>
+          </a:p>
+          <a:p>
+            <a:pPr marL="0" indent="0">
+              <a:buNone/>
+            </a:pPr>
+            <a:r>
+              <a:rPr lang="tr-TR" dirty="0"/>
+              <a:t>DES yapısı itibari ile blok şifreleme algoritmasıdır. Yani basitçe şifrelenecek olan açık metni parçalara bölerek (blok) her parçayı birbirinden bağımsız olarak şifreler ve şifrelenmiş metni açmak içinde aynı işlemi bloklar üzerinde yapar. Bu blokların uzunluğu 64 bittir.</a:t>
+            </a:r>
+          </a:p>
+          <a:p>
+            <a:pPr marL="0" indent="0">
+              <a:buNone/>
+            </a:pPr>
+            <a:r>
+              <a:rPr lang="tr-TR" dirty="0"/>
+              <a:t> Şifrelemeyi metin uzunlukları belli olan bloklar halinde gerçekleştirir. DES, IBM tarafından geliştirilmiştir. 1975 yılında “Federal </a:t>
+            </a:r>
+            <a:r>
+              <a:rPr lang="tr-TR" dirty="0" err="1"/>
+              <a:t>Register</a:t>
+            </a:r>
+            <a:r>
+              <a:rPr lang="tr-TR" dirty="0"/>
+              <a:t>” tarafından yayınlanmıştır. Ayrıca klasik </a:t>
+            </a:r>
+            <a:r>
+              <a:rPr lang="tr-TR" dirty="0" err="1"/>
+              <a:t>Feistel</a:t>
+            </a:r>
+            <a:r>
+              <a:rPr lang="tr-TR" dirty="0"/>
+              <a:t> Ağı kullanılarak temelde şifreleme işleminin deşifreleme işlemiyle aynı olması sağlanmıştır.</a:t>
+            </a:r>
+          </a:p>
+          <a:p>
+            <a:pPr marL="0" indent="0">
+              <a:buNone/>
+            </a:pPr>
+            <a:r>
+              <a:rPr lang="tr-TR" dirty="0"/>
+              <a:t> DES algoritması 64 bitlik anahtar uzunluğuna sahip olmasına rağmen 56 bit uzunluğunda simetrik kriptolama tekniği kullanan bir sistemdir. Her kullanımında o kullanıma özel yeni bir anahtar yaratması </a:t>
+            </a:r>
+            <a:r>
+              <a:rPr lang="tr-TR" dirty="0" err="1"/>
+              <a:t>DES’in</a:t>
+            </a:r>
+            <a:r>
+              <a:rPr lang="tr-TR" dirty="0"/>
+              <a:t> güçlü yanı olup, günümüz teknolojisi için algoritmasının yavaş ve 56-bit’lik anahtar uzunluğunun yetersiz kalması </a:t>
+            </a:r>
+            <a:r>
+              <a:rPr lang="tr-TR" dirty="0" err="1"/>
+              <a:t>DES’in</a:t>
+            </a:r>
+            <a:r>
+              <a:rPr lang="tr-TR" dirty="0"/>
+              <a:t> zayıf yönleridir</a:t>
+            </a:r>
+          </a:p>
+        </p:txBody>
+      </p:sp>
+    </p:spTree>
+    <p:extLst>
+      <p:ext uri="{BB962C8B-B14F-4D97-AF65-F5344CB8AC3E}">
+        <p14:creationId xmlns:p14="http://schemas.microsoft.com/office/powerpoint/2010/main" val="1961738539"/>
+      </p:ext>
+    </p:extLst>
+  </p:cSld>
+  <p:clrMapOvr>
+    <a:masterClrMapping/>
+  </p:clrMapOvr>
+</p:sld>
+</file>
+
+<file path=ppt/slides/slide17.xml><?xml version="1.0" encoding="utf-8"?>
+<p:sld xmlns:a="http://schemas.openxmlformats.org/drawingml/2006/main" xmlns:r="http://schemas.openxmlformats.org/officeDocument/2006/relationships" xmlns:p="http://schemas.openxmlformats.org/presentationml/2006/main">
+  <p:cSld>
+    <p:spTree>
+      <p:nvGrpSpPr>
+        <p:cNvPr id="1" name=""/>
+        <p:cNvGrpSpPr/>
+        <p:nvPr/>
+      </p:nvGrpSpPr>
+      <p:grpSpPr>
+        <a:xfrm>
+          <a:off x="0" y="0"/>
+          <a:ext cx="0" cy="0"/>
+          <a:chOff x="0" y="0"/>
+          <a:chExt cx="0" cy="0"/>
+        </a:xfrm>
+      </p:grpSpPr>
+      <p:sp>
+        <p:nvSpPr>
+          <p:cNvPr id="2" name="Başlık 1">
+            <a:extLst>
+              <a:ext uri="{FF2B5EF4-FFF2-40B4-BE49-F238E27FC236}">
+                <a16:creationId xmlns:a16="http://schemas.microsoft.com/office/drawing/2014/main" id="{E2BD808C-D0A2-5987-32A7-B7DCF30CDC60}"/>
+              </a:ext>
+            </a:extLst>
+          </p:cNvPr>
+          <p:cNvSpPr>
+            <a:spLocks noGrp="1"/>
+          </p:cNvSpPr>
+          <p:nvPr>
+            <p:ph type="title"/>
+          </p:nvPr>
+        </p:nvSpPr>
+        <p:spPr>
+          <a:xfrm>
+            <a:off x="804308" y="-161037"/>
+            <a:ext cx="10583383" cy="1013460"/>
+          </a:xfrm>
+        </p:spPr>
+        <p:txBody>
+          <a:bodyPr>
+            <a:normAutofit fontScale="90000"/>
+          </a:bodyPr>
+          <a:lstStyle/>
+          <a:p>
+            <a:pPr algn="ctr"/>
+            <a:r>
+              <a:rPr lang="tr-TR" dirty="0"/>
+              <a:t>DES şifreleme algoritmasının genel yapısı. </a:t>
+            </a:r>
+          </a:p>
+        </p:txBody>
+      </p:sp>
+      <p:pic>
+        <p:nvPicPr>
+          <p:cNvPr id="5" name="İçerik Yer Tutucusu 4">
+            <a:extLst>
+              <a:ext uri="{FF2B5EF4-FFF2-40B4-BE49-F238E27FC236}">
+                <a16:creationId xmlns:a16="http://schemas.microsoft.com/office/drawing/2014/main" id="{EC2F618D-351D-4B82-0587-27E5D2C2E7E9}"/>
+              </a:ext>
+            </a:extLst>
+          </p:cNvPr>
+          <p:cNvPicPr>
+            <a:picLocks noGrp="1" noChangeAspect="1"/>
+          </p:cNvPicPr>
+          <p:nvPr>
+            <p:ph idx="1"/>
+          </p:nvPr>
+        </p:nvPicPr>
+        <p:blipFill>
+          <a:blip r:embed="rId2"/>
+          <a:stretch>
+            <a:fillRect/>
+          </a:stretch>
+        </p:blipFill>
+        <p:spPr>
+          <a:xfrm>
+            <a:off x="3098461" y="852423"/>
+            <a:ext cx="5995076" cy="5730101"/>
+          </a:xfrm>
+        </p:spPr>
+      </p:pic>
+    </p:spTree>
+    <p:extLst>
+      <p:ext uri="{BB962C8B-B14F-4D97-AF65-F5344CB8AC3E}">
+        <p14:creationId xmlns:p14="http://schemas.microsoft.com/office/powerpoint/2010/main" val="2728321766"/>
+      </p:ext>
+    </p:extLst>
+  </p:cSld>
+  <p:clrMapOvr>
+    <a:masterClrMapping/>
+  </p:clrMapOvr>
+</p:sld>
+</file>
+
+<file path=ppt/slides/slide18.xml><?xml version="1.0" encoding="utf-8"?>
+<p:sld xmlns:a="http://schemas.openxmlformats.org/drawingml/2006/main" xmlns:r="http://schemas.openxmlformats.org/officeDocument/2006/relationships" xmlns:p="http://schemas.openxmlformats.org/presentationml/2006/main">
+  <p:cSld>
+    <p:spTree>
+      <p:nvGrpSpPr>
+        <p:cNvPr id="1" name=""/>
+        <p:cNvGrpSpPr/>
+        <p:nvPr/>
+      </p:nvGrpSpPr>
+      <p:grpSpPr>
+        <a:xfrm>
+          <a:off x="0" y="0"/>
+          <a:ext cx="0" cy="0"/>
+          <a:chOff x="0" y="0"/>
+          <a:chExt cx="0" cy="0"/>
+        </a:xfrm>
+      </p:grpSpPr>
+      <p:sp>
+        <p:nvSpPr>
+          <p:cNvPr id="2" name="Başlık 1">
+            <a:extLst>
+              <a:ext uri="{FF2B5EF4-FFF2-40B4-BE49-F238E27FC236}">
+                <a16:creationId xmlns:a16="http://schemas.microsoft.com/office/drawing/2014/main" id="{1D20113D-8AD7-AA33-9A14-67629C6F038C}"/>
+              </a:ext>
+            </a:extLst>
+          </p:cNvPr>
+          <p:cNvSpPr>
+            <a:spLocks noGrp="1"/>
+          </p:cNvSpPr>
+          <p:nvPr>
+            <p:ph type="title"/>
+          </p:nvPr>
+        </p:nvSpPr>
+        <p:spPr/>
+        <p:txBody>
+          <a:bodyPr/>
+          <a:lstStyle/>
+          <a:p>
+            <a:r>
+              <a:rPr lang="tr-TR" b="1" dirty="0"/>
+              <a:t>DES Algoritmasının Çalışma Prensibi</a:t>
+            </a:r>
+          </a:p>
+        </p:txBody>
+      </p:sp>
+      <p:sp>
+        <p:nvSpPr>
+          <p:cNvPr id="3" name="İçerik Yer Tutucusu 2">
+            <a:extLst>
+              <a:ext uri="{FF2B5EF4-FFF2-40B4-BE49-F238E27FC236}">
+                <a16:creationId xmlns:a16="http://schemas.microsoft.com/office/drawing/2014/main" id="{6F2009EC-77A1-A8B5-3B97-9FF48B3939A5}"/>
+              </a:ext>
+            </a:extLst>
+          </p:cNvPr>
+          <p:cNvSpPr>
+            <a:spLocks noGrp="1"/>
+          </p:cNvSpPr>
+          <p:nvPr>
+            <p:ph idx="1"/>
+          </p:nvPr>
+        </p:nvSpPr>
+        <p:spPr/>
+        <p:txBody>
+          <a:bodyPr>
+            <a:normAutofit/>
+          </a:bodyPr>
+          <a:lstStyle/>
+          <a:p>
+            <a:r>
+              <a:rPr lang="tr-TR" dirty="0"/>
+              <a:t>DES şifreleme algoritmasının genel blok diyagramından da görülebileceği üzere algoritmanın genel çalışması aşağıdaki sıra düzenine göre özetlenebilir.[19] </a:t>
+            </a:r>
+          </a:p>
+          <a:p>
+            <a:r>
+              <a:rPr lang="tr-TR" dirty="0"/>
+              <a:t>64 bitlik data başlangıç </a:t>
+            </a:r>
+            <a:r>
+              <a:rPr lang="tr-TR" dirty="0" err="1"/>
+              <a:t>permutasyonu</a:t>
+            </a:r>
+            <a:r>
+              <a:rPr lang="tr-TR" dirty="0"/>
+              <a:t> olan IP (</a:t>
+            </a:r>
+            <a:r>
+              <a:rPr lang="tr-TR" dirty="0" err="1"/>
+              <a:t>initial</a:t>
+            </a:r>
+            <a:r>
+              <a:rPr lang="tr-TR" dirty="0"/>
+              <a:t> </a:t>
+            </a:r>
+            <a:r>
+              <a:rPr lang="tr-TR" dirty="0" err="1"/>
+              <a:t>Permutation</a:t>
+            </a:r>
+            <a:r>
+              <a:rPr lang="tr-TR" dirty="0"/>
+              <a:t>)’ye tabi tutulur.</a:t>
+            </a:r>
+          </a:p>
+          <a:p>
+            <a:r>
+              <a:rPr lang="tr-TR" dirty="0"/>
+              <a:t>64 bitlik data eşit uzunluktaki sağ ve sol parçalara ayrılır. Bunlar L ve R olarak adlandırılırlar. Ayrılan bölümlerin her biri 32 bit uzunluğundadır. İlk döngü durumu olduğu için bu yarılar L0 ve R0 olarak kullanılır. </a:t>
+            </a:r>
+          </a:p>
+          <a:p>
+            <a:r>
+              <a:rPr lang="tr-TR" dirty="0"/>
+              <a:t>f fonksiyonu ile, ilgili döngü için oluşturulmuş alt anahtar ile işlem yapılır. Yapılan bu işlemler 16 döngü boyunca tekrarlanır. </a:t>
+            </a:r>
+          </a:p>
+          <a:p>
+            <a:r>
+              <a:rPr lang="tr-TR" dirty="0"/>
+              <a:t>16 döngü sonunda sol yarı ile sağ yarı değiştirilir. </a:t>
+            </a:r>
+          </a:p>
+          <a:p>
+            <a:r>
+              <a:rPr lang="tr-TR" dirty="0"/>
+              <a:t>Son olarak 64 bitlik data üzerine başlangıç </a:t>
+            </a:r>
+            <a:r>
+              <a:rPr lang="tr-TR" dirty="0" err="1"/>
+              <a:t>permutasyonun</a:t>
+            </a:r>
+            <a:r>
+              <a:rPr lang="tr-TR" dirty="0"/>
+              <a:t> tersi uygulanır.</a:t>
+            </a:r>
+          </a:p>
+        </p:txBody>
+      </p:sp>
+    </p:spTree>
+    <p:extLst>
+      <p:ext uri="{BB962C8B-B14F-4D97-AF65-F5344CB8AC3E}">
+        <p14:creationId xmlns:p14="http://schemas.microsoft.com/office/powerpoint/2010/main" val="2816114567"/>
+      </p:ext>
+    </p:extLst>
+  </p:cSld>
+  <p:clrMapOvr>
+    <a:masterClrMapping/>
+  </p:clrMapOvr>
+</p:sld>
+</file>
+
 <file path=ppt/slides/slide2.xml><?xml version="1.0" encoding="utf-8"?>
 <p:sld xmlns:a="http://schemas.openxmlformats.org/drawingml/2006/main" xmlns:r="http://schemas.openxmlformats.org/officeDocument/2006/relationships" xmlns:p="http://schemas.openxmlformats.org/presentationml/2006/main">
   <p:cSld>
@@ -3455,11 +4872,19 @@
             <p:ph idx="1"/>
           </p:nvPr>
         </p:nvSpPr>
-        <p:spPr/>
+        <p:spPr>
+          <a:xfrm>
+            <a:off x="1261872" y="2340529"/>
+            <a:ext cx="8595360" cy="5701964"/>
+          </a:xfrm>
+        </p:spPr>
         <p:txBody>
           <a:bodyPr/>
           <a:lstStyle/>
           <a:p>
+            <a:pPr marL="0" indent="0">
+              <a:buNone/>
+            </a:pPr>
             <a:r>
               <a:rPr lang="tr-TR" dirty="0"/>
               <a:t>Kriptografide şifreleme için kullanılan anahtarın özellikleri ve çeşidine göre temel olarak iki çeşit şifreleme algoritması bulunmaktadır. Bunlar; 1. Simetrik şifreleme algoritmaları, 2. Asimetrik şifreleme algoritmaları, 3. Karma Şifreleme Algoritmaları, Bu algoritmada şifreleme ve şifre çözmek için bir tane gizli anahtar kullanılmaktadır. Kullanılan anahtar başkalarından gizlidir ve şifreleme yapan ile şifrelemeyi çözecek </a:t>
@@ -3515,8 +4940,8 @@
         </p:nvSpPr>
         <p:spPr>
           <a:xfrm>
-            <a:off x="838200" y="310392"/>
-            <a:ext cx="10515600" cy="6040074"/>
+            <a:off x="838200" y="302003"/>
+            <a:ext cx="10515600" cy="3993159"/>
           </a:xfrm>
         </p:spPr>
         <p:txBody>
@@ -3526,7 +4951,7 @@
           <a:lstStyle/>
           <a:p>
             <a:r>
-              <a:rPr lang="tr-TR" sz="2400" dirty="0"/>
+              <a:rPr lang="tr-TR" sz="2800" b="1" dirty="0"/>
               <a:t>Asimetrik Şifreleme Algoritmaların Sınıfları: </a:t>
             </a:r>
           </a:p>
@@ -3535,7 +4960,7 @@
               <a:buNone/>
             </a:pPr>
             <a:r>
-              <a:rPr lang="tr-TR" sz="2400" dirty="0"/>
+              <a:rPr lang="tr-TR" sz="2000" dirty="0"/>
               <a:t>Açık Anahtar Dağıtım Şeması: Bilginin bir kısmının güvenli olarak değiştirilmesi için kullanılır. Değer iki tarafa bağlıdır. Bu değer gizli anahtar şeması için bir oturum anahtarı olarak kullanılır. </a:t>
             </a:r>
           </a:p>
@@ -3544,7 +4969,7 @@
               <a:buNone/>
             </a:pPr>
             <a:r>
-              <a:rPr lang="tr-TR" sz="2400" dirty="0"/>
+              <a:rPr lang="tr-TR" sz="2000" dirty="0"/>
               <a:t>İmza Şeması: Sadece sayısal imza üretmek için kullanılır, burada gizli anahtar imzayı üretmekte, açık anahtar ise doğrulamakta kullanılır. </a:t>
             </a:r>
           </a:p>
@@ -3553,7 +4978,7 @@
               <a:buNone/>
             </a:pPr>
             <a:r>
-              <a:rPr lang="tr-TR" sz="2400" dirty="0"/>
+              <a:rPr lang="tr-TR" sz="2000" dirty="0"/>
               <a:t>Açık Anahtar Şeması: Şifrelemek için kullanılır. Burada açık anahtar mesajları şifreler, gizli anahtar mesajların şifresini çözer. </a:t>
             </a:r>
           </a:p>
@@ -3561,11 +4986,11 @@
             <a:pPr marL="0" indent="0">
               <a:buNone/>
             </a:pPr>
-            <a:endParaRPr lang="tr-TR" sz="2400" dirty="0"/>
-          </a:p>
-          <a:p>
-            <a:r>
-              <a:rPr lang="tr-TR" sz="2400" dirty="0"/>
+            <a:endParaRPr lang="tr-TR" sz="2000" dirty="0"/>
+          </a:p>
+          <a:p>
+            <a:r>
+              <a:rPr lang="tr-TR" sz="2000" dirty="0"/>
               <a:t>Kuvvetli Yönleri;</a:t>
             </a:r>
           </a:p>
@@ -3574,13 +4999,13 @@
               <a:buNone/>
             </a:pPr>
             <a:r>
-              <a:rPr lang="tr-TR" sz="2400" dirty="0"/>
+              <a:rPr lang="tr-TR" sz="2000" dirty="0"/>
               <a:t>Kriptografinin ana ilkeleri olarak sayılan; bütünlük, kimlik doğrulama ve gizlilik hizmeti güvenli bir şekilde sağlanabilir. Anahtarı kullanıcı belirleyebilir. </a:t>
             </a:r>
           </a:p>
           <a:p>
             <a:r>
-              <a:rPr lang="tr-TR" sz="2400" dirty="0"/>
+              <a:rPr lang="tr-TR" sz="2000" dirty="0"/>
               <a:t>Zayıf Yönleri; </a:t>
             </a:r>
           </a:p>
@@ -3589,7 +5014,7 @@
               <a:buNone/>
             </a:pPr>
             <a:r>
-              <a:rPr lang="tr-TR" sz="2400" dirty="0"/>
+              <a:rPr lang="tr-TR" sz="2000" dirty="0"/>
               <a:t>Şifrelerin uzunluğundan kaynaklanan algoritmaların yavaş çalışması, Anahtar uzunlukları bazen sorun çıkarabiliyor olması. </a:t>
             </a:r>
           </a:p>
@@ -3649,7 +5074,7 @@
         </p:spPr>
         <p:txBody>
           <a:bodyPr>
-            <a:normAutofit fontScale="85000" lnSpcReduction="20000"/>
+            <a:normAutofit fontScale="92500" lnSpcReduction="10000"/>
           </a:bodyPr>
           <a:lstStyle/>
           <a:p>
@@ -3885,7 +5310,12 @@
             <p:ph type="title"/>
           </p:nvPr>
         </p:nvSpPr>
-        <p:spPr/>
+        <p:spPr>
+          <a:xfrm>
+            <a:off x="838200" y="0"/>
+            <a:ext cx="9692640" cy="1325562"/>
+          </a:xfrm>
+        </p:spPr>
         <p:txBody>
           <a:bodyPr/>
           <a:lstStyle/>
@@ -3921,7 +5351,7 @@
         </p:spPr>
         <p:txBody>
           <a:bodyPr>
-            <a:normAutofit fontScale="85000" lnSpcReduction="20000"/>
+            <a:normAutofit fontScale="92500" lnSpcReduction="10000"/>
           </a:bodyPr>
           <a:lstStyle/>
           <a:p>
@@ -3941,12 +5371,6 @@
               <a:rPr lang="tr-TR" dirty="0"/>
               <a:t>b. Dizi (akış) Şifreleme Algoritmaları, olarak ikiye ayrılmaktadır. Simetrik şifreleme algoritmaları aşağıdaki gibidir; </a:t>
             </a:r>
-          </a:p>
-          <a:p>
-            <a:pPr marL="0" indent="0">
-              <a:buNone/>
-            </a:pPr>
-            <a:endParaRPr lang="tr-TR" dirty="0"/>
           </a:p>
           <a:p>
             <a:pPr marL="0" indent="0">
@@ -4212,7 +5636,7 @@
         </p:nvSpPr>
         <p:spPr>
           <a:xfrm>
-            <a:off x="838200" y="1690688"/>
+            <a:off x="850392" y="2001081"/>
             <a:ext cx="10515600" cy="4978559"/>
           </a:xfrm>
         </p:spPr>
@@ -4265,7 +5689,7 @@
           <p:cNvPr id="2" name="Başlık 1">
             <a:extLst>
               <a:ext uri="{FF2B5EF4-FFF2-40B4-BE49-F238E27FC236}">
-                <a16:creationId xmlns:a16="http://schemas.microsoft.com/office/drawing/2014/main" id="{6DA14561-8667-0A6F-CA20-2681167BF364}"/>
+                <a16:creationId xmlns:a16="http://schemas.microsoft.com/office/drawing/2014/main" id="{4649D99E-928E-0EE7-E777-301ECD8BCBD6}"/>
               </a:ext>
             </a:extLst>
           </p:cNvPr>
@@ -4278,8 +5702,8 @@
         </p:nvSpPr>
         <p:spPr>
           <a:xfrm>
-            <a:off x="285225" y="281235"/>
-            <a:ext cx="10515600" cy="1325563"/>
+            <a:off x="917923" y="449649"/>
+            <a:ext cx="9692640" cy="1325562"/>
           </a:xfrm>
         </p:spPr>
         <p:txBody>
@@ -4287,175 +5711,57 @@
           <a:lstStyle/>
           <a:p>
             <a:r>
-              <a:rPr lang="tr-TR" b="1" dirty="0"/>
-              <a:t>BLOK ŞİFRELEME ALGORİTMALARI</a:t>
-            </a:r>
-          </a:p>
-        </p:txBody>
-      </p:sp>
-      <p:sp>
-        <p:nvSpPr>
-          <p:cNvPr id="3" name="İçerik Yer Tutucusu 2">
+              <a:rPr lang="tr-TR" b="0" i="0" dirty="0" err="1">
+                <a:effectLst/>
+                <a:latin typeface="Arial" panose="020B0604020202020204" pitchFamily="34" charset="0"/>
+              </a:rPr>
+              <a:t>Boole</a:t>
+            </a:r>
+            <a:r>
+              <a:rPr lang="tr-TR" b="0" i="0" dirty="0">
+                <a:effectLst/>
+                <a:latin typeface="Arial" panose="020B0604020202020204" pitchFamily="34" charset="0"/>
+              </a:rPr>
+              <a:t> fonksiyon</a:t>
+            </a:r>
+            <a:endParaRPr lang="tr-TR" dirty="0"/>
+          </a:p>
+        </p:txBody>
+      </p:sp>
+      <p:pic>
+        <p:nvPicPr>
+          <p:cNvPr id="5" name="Resim 4">
             <a:extLst>
               <a:ext uri="{FF2B5EF4-FFF2-40B4-BE49-F238E27FC236}">
-                <a16:creationId xmlns:a16="http://schemas.microsoft.com/office/drawing/2014/main" id="{EB2A2BA4-F062-3BB7-5F32-0B0DB595FB74}"/>
+                <a16:creationId xmlns:a16="http://schemas.microsoft.com/office/drawing/2014/main" id="{30207CEB-0375-73D0-65EC-093C7DB18112}"/>
               </a:ext>
             </a:extLst>
           </p:cNvPr>
-          <p:cNvSpPr>
-            <a:spLocks noGrp="1"/>
-          </p:cNvSpPr>
-          <p:nvPr>
-            <p:ph idx="1"/>
-          </p:nvPr>
-        </p:nvSpPr>
+          <p:cNvPicPr>
+            <a:picLocks noChangeAspect="1"/>
+          </p:cNvPicPr>
+          <p:nvPr/>
+        </p:nvPicPr>
+        <p:blipFill>
+          <a:blip r:embed="rId2"/>
+          <a:stretch>
+            <a:fillRect/>
+          </a:stretch>
+        </p:blipFill>
         <p:spPr>
           <a:xfrm>
-            <a:off x="285225" y="1400961"/>
-            <a:ext cx="11694253" cy="5528345"/>
+            <a:off x="838200" y="2029786"/>
+            <a:ext cx="8324850" cy="4191000"/>
           </a:xfrm>
+          <a:prstGeom prst="rect">
+            <a:avLst/>
+          </a:prstGeom>
         </p:spPr>
-        <p:txBody>
-          <a:bodyPr>
-            <a:normAutofit fontScale="62500" lnSpcReduction="20000"/>
-          </a:bodyPr>
-          <a:lstStyle/>
-          <a:p>
-            <a:pPr marL="0" indent="0">
-              <a:buNone/>
-            </a:pPr>
-            <a:r>
-              <a:rPr lang="tr-TR" dirty="0"/>
-              <a:t>Blok Şifreleme Algoritmaları veriyi bloklar halinde işlemektedir. Bazen bağımsız bazen birbirine bağlı olarak şifrelemektedir. Blok şifreleme şifrelenecek bir blok bilgiyi alır (genelde 64 bit) ve tek anahtarı ile seçilmiş fonksiyonu kullanarak onu aynı boyuttaki başka bir bloğa dönüştürür. Bu algoritmalarda iç hafıza yoktur, bu yüzden hafızasız şifreleme adını da almıştır. Bütünlük kontrolü gerektiren uygulamalarda genellikle blok şifreleme algoritmaları tercih edilir. Blok şifreler, </a:t>
-            </a:r>
-            <a:r>
-              <a:rPr lang="tr-TR" dirty="0" err="1"/>
-              <a:t>Shannon’un</a:t>
-            </a:r>
-            <a:r>
-              <a:rPr lang="tr-TR" dirty="0"/>
-              <a:t> önerdiği karıştırma (</a:t>
-            </a:r>
-            <a:r>
-              <a:rPr lang="tr-TR" dirty="0" err="1"/>
-              <a:t>confusion</a:t>
-            </a:r>
-            <a:r>
-              <a:rPr lang="tr-TR" dirty="0"/>
-              <a:t>) ve yayılma (</a:t>
-            </a:r>
-            <a:r>
-              <a:rPr lang="tr-TR" dirty="0" err="1"/>
-              <a:t>diffusion</a:t>
-            </a:r>
-            <a:r>
-              <a:rPr lang="tr-TR" dirty="0"/>
-              <a:t>) tekniklerine dayanır. Karıştırma şifreli metin ve açık metin arasındaki ilişkiyi gizlemeyi amaçlarken, yayılma açık metindeki izlerin şifreli metinde sezilmemesini sağlamak için kullanılır. Karıştırma ve yayılma, sırasıyla </a:t>
-            </a:r>
-            <a:r>
-              <a:rPr lang="tr-TR" dirty="0" err="1"/>
-              <a:t>yerdeğiştirme</a:t>
-            </a:r>
-            <a:r>
-              <a:rPr lang="tr-TR" dirty="0"/>
-              <a:t> ve lineer transformasyon işlemleri ile gerçeklenir. </a:t>
-            </a:r>
-            <a:r>
-              <a:rPr lang="tr-TR" dirty="0" err="1"/>
-              <a:t>Feistel</a:t>
-            </a:r>
-            <a:r>
-              <a:rPr lang="tr-TR" dirty="0"/>
-              <a:t> ağları ve </a:t>
-            </a:r>
-            <a:r>
-              <a:rPr lang="tr-TR" dirty="0" err="1"/>
-              <a:t>Yerdeğiştirme</a:t>
-            </a:r>
-            <a:r>
-              <a:rPr lang="tr-TR" dirty="0"/>
-              <a:t>-Permütasyon ağları olmak üzere iki ana blok şifreleme mimarisi vardır. Her ikisi de </a:t>
-            </a:r>
-            <a:r>
-              <a:rPr lang="tr-TR" dirty="0" err="1"/>
-              <a:t>yerdeğiştirme</a:t>
-            </a:r>
-            <a:r>
-              <a:rPr lang="tr-TR" dirty="0"/>
-              <a:t> ve lineer transformasyonu kullanır. Ayrıca her iki mimari ürün şifrelerinin örneklerindendir. Yani birden fazla şifreleme işleminin birleşmesi ile oluşturulurlar. Tekrarlanan şifreler yine ürün şifreleridir ve aynı şifreleme adımının tekrarlanan uygulamasını içerir ve her şifreleme adımına döngü denir. Bir döngü birden fazla şifreleme adımı içerebilir. Genellikle her döngüde farklı anahtar materyali kullanılır.</a:t>
-            </a:r>
-          </a:p>
-          <a:p>
-            <a:pPr marL="0" indent="0">
-              <a:buNone/>
-            </a:pPr>
-            <a:endParaRPr lang="tr-TR" dirty="0"/>
-          </a:p>
-          <a:p>
-            <a:pPr marL="0" indent="0">
-              <a:buNone/>
-            </a:pPr>
-            <a:r>
-              <a:rPr lang="tr-TR" dirty="0"/>
-              <a:t>Blok şifrelerin gücünü belirleyen bazı faktörler aşağıdaki gibidir:</a:t>
-            </a:r>
-          </a:p>
-          <a:p>
-            <a:r>
-              <a:rPr lang="tr-TR" dirty="0"/>
-              <a:t>Anahtar: Blok şifrelerde anahtarın uzunluğu saldırılara karşı güçlü olacak şekilde seçilmelidir. Anahtarın uzun olması şifrenin kaba kuvvet (</a:t>
-            </a:r>
-            <a:r>
-              <a:rPr lang="tr-TR" dirty="0" err="1"/>
-              <a:t>brute-force</a:t>
-            </a:r>
-            <a:r>
-              <a:rPr lang="tr-TR" dirty="0"/>
-              <a:t>) saldırısına karşı </a:t>
-            </a:r>
-            <a:r>
-              <a:rPr lang="tr-TR" dirty="0" err="1"/>
-              <a:t>kırılabilirliğini</a:t>
-            </a:r>
-            <a:r>
-              <a:rPr lang="tr-TR" dirty="0"/>
-              <a:t> zorlaştırır. </a:t>
-            </a:r>
-          </a:p>
-          <a:p>
-            <a:r>
-              <a:rPr lang="tr-TR" dirty="0"/>
-              <a:t>Döngü sayısı: Blok şifreleme algoritmalarında döngü sayısı iyi seçilmelidir. Böylelikle doğrusal dönüşüm ve </a:t>
-            </a:r>
-            <a:r>
-              <a:rPr lang="tr-TR" dirty="0" err="1"/>
-              <a:t>yerdeğiştirme</a:t>
-            </a:r>
-            <a:r>
-              <a:rPr lang="tr-TR" dirty="0"/>
-              <a:t> işlemleri ile şifreleme algoritması daha da güçlenmektedir. Ayrıca şifrenin karmaşıklığının arttırılmasında çok önemli bir etkendir. Böylelikle saldırılara karşı açık metin iyi derecede korunabilir. </a:t>
-            </a:r>
-          </a:p>
-          <a:p>
-            <a:r>
-              <a:rPr lang="tr-TR" dirty="0"/>
-              <a:t>S-kutuları (</a:t>
-            </a:r>
-            <a:r>
-              <a:rPr lang="tr-TR" dirty="0" err="1"/>
-              <a:t>Yerdeğiştirme</a:t>
-            </a:r>
-            <a:r>
-              <a:rPr lang="tr-TR" dirty="0"/>
-              <a:t> kutuları): Blok şifreleme algoritmalarının en önemli elemanı S-kutularıdır. Algoritmanın tek doğrusal olmayan elemanıdır. Bu yüzden iyi bir S-kutusu seçimi şifrenin karmaşıklığını doğrudan etkiler.</a:t>
-            </a:r>
-          </a:p>
-        </p:txBody>
-      </p:sp>
+      </p:pic>
     </p:spTree>
     <p:extLst>
       <p:ext uri="{BB962C8B-B14F-4D97-AF65-F5344CB8AC3E}">
-        <p14:creationId xmlns:p14="http://schemas.microsoft.com/office/powerpoint/2010/main" val="3860652726"/>
+        <p14:creationId xmlns:p14="http://schemas.microsoft.com/office/powerpoint/2010/main" val="3605204583"/>
       </p:ext>
     </p:extLst>
   </p:cSld>
@@ -4487,6 +5793,192 @@
           <p:cNvPr id="2" name="Başlık 1">
             <a:extLst>
               <a:ext uri="{FF2B5EF4-FFF2-40B4-BE49-F238E27FC236}">
+                <a16:creationId xmlns:a16="http://schemas.microsoft.com/office/drawing/2014/main" id="{6DA14561-8667-0A6F-CA20-2681167BF364}"/>
+              </a:ext>
+            </a:extLst>
+          </p:cNvPr>
+          <p:cNvSpPr>
+            <a:spLocks noGrp="1"/>
+          </p:cNvSpPr>
+          <p:nvPr>
+            <p:ph type="title"/>
+          </p:nvPr>
+        </p:nvSpPr>
+        <p:spPr>
+          <a:xfrm>
+            <a:off x="285225" y="109057"/>
+            <a:ext cx="11694253" cy="897622"/>
+          </a:xfrm>
+        </p:spPr>
+        <p:txBody>
+          <a:bodyPr>
+            <a:normAutofit/>
+          </a:bodyPr>
+          <a:lstStyle/>
+          <a:p>
+            <a:r>
+              <a:rPr lang="tr-TR" sz="4000" b="1" dirty="0"/>
+              <a:t>BLOK ŞİFRELEME ALGORİTMALARI</a:t>
+            </a:r>
+          </a:p>
+        </p:txBody>
+      </p:sp>
+      <p:sp>
+        <p:nvSpPr>
+          <p:cNvPr id="3" name="İçerik Yer Tutucusu 2">
+            <a:extLst>
+              <a:ext uri="{FF2B5EF4-FFF2-40B4-BE49-F238E27FC236}">
+                <a16:creationId xmlns:a16="http://schemas.microsoft.com/office/drawing/2014/main" id="{EB2A2BA4-F062-3BB7-5F32-0B0DB595FB74}"/>
+              </a:ext>
+            </a:extLst>
+          </p:cNvPr>
+          <p:cNvSpPr>
+            <a:spLocks noGrp="1"/>
+          </p:cNvSpPr>
+          <p:nvPr>
+            <p:ph idx="1"/>
+          </p:nvPr>
+        </p:nvSpPr>
+        <p:spPr>
+          <a:xfrm>
+            <a:off x="285225" y="1220598"/>
+            <a:ext cx="11694253" cy="5528345"/>
+          </a:xfrm>
+        </p:spPr>
+        <p:txBody>
+          <a:bodyPr>
+            <a:normAutofit/>
+          </a:bodyPr>
+          <a:lstStyle/>
+          <a:p>
+            <a:pPr marL="0" indent="0">
+              <a:buNone/>
+            </a:pPr>
+            <a:r>
+              <a:rPr lang="tr-TR" dirty="0"/>
+              <a:t>Blok Şifreleme Algoritmaları veriyi bloklar halinde işlemektedir. Bazen bağımsız bazen birbirine bağlı olarak şifrelemektedir. Blok şifreleme şifrelenecek bir blok bilgiyi alır (genelde 64 bit) ve tek anahtarı ile seçilmiş fonksiyonu kullanarak onu aynı boyuttaki başka bir bloğa dönüştürür. Bu algoritmalarda iç hafıza yoktur, bu yüzden hafızasız şifreleme adını da almıştır. Bütünlük kontrolü gerektiren uygulamalarda genellikle blok şifreleme algoritmaları tercih edilir. Blok şifreler, </a:t>
+            </a:r>
+            <a:r>
+              <a:rPr lang="tr-TR" dirty="0" err="1"/>
+              <a:t>Shannon’un</a:t>
+            </a:r>
+            <a:r>
+              <a:rPr lang="tr-TR" dirty="0"/>
+              <a:t> önerdiği karıştırma (</a:t>
+            </a:r>
+            <a:r>
+              <a:rPr lang="tr-TR" dirty="0" err="1"/>
+              <a:t>confusion</a:t>
+            </a:r>
+            <a:r>
+              <a:rPr lang="tr-TR" dirty="0"/>
+              <a:t>) ve yayılma (</a:t>
+            </a:r>
+            <a:r>
+              <a:rPr lang="tr-TR" dirty="0" err="1"/>
+              <a:t>diffusion</a:t>
+            </a:r>
+            <a:r>
+              <a:rPr lang="tr-TR" dirty="0"/>
+              <a:t>) tekniklerine dayanır. </a:t>
+            </a:r>
+          </a:p>
+          <a:p>
+            <a:pPr marL="0" indent="0">
+              <a:buNone/>
+            </a:pPr>
+            <a:r>
+              <a:rPr lang="tr-TR" dirty="0"/>
+              <a:t>Blok şifrelerin gücünü belirleyen bazı faktörler aşağıdaki gibidir:</a:t>
+            </a:r>
+          </a:p>
+          <a:p>
+            <a:r>
+              <a:rPr lang="tr-TR" dirty="0"/>
+              <a:t>Anahtar: Blok şifrelerde anahtarın uzunluğu saldırılara karşı güçlü olacak şekilde seçilmelidir. Anahtarın uzun olması şifrenin kaba kuvvet (</a:t>
+            </a:r>
+            <a:r>
+              <a:rPr lang="tr-TR" dirty="0" err="1"/>
+              <a:t>brute-force</a:t>
+            </a:r>
+            <a:r>
+              <a:rPr lang="tr-TR" dirty="0"/>
+              <a:t>) saldırısına karşı </a:t>
+            </a:r>
+            <a:r>
+              <a:rPr lang="tr-TR" dirty="0" err="1"/>
+              <a:t>kırılabilirliğini</a:t>
+            </a:r>
+            <a:r>
+              <a:rPr lang="tr-TR" dirty="0"/>
+              <a:t> zorlaştırır. </a:t>
+            </a:r>
+          </a:p>
+          <a:p>
+            <a:r>
+              <a:rPr lang="tr-TR" dirty="0"/>
+              <a:t>Döngü sayısı: Blok şifreleme algoritmalarında döngü sayısı iyi seçilmelidir. Böylelikle doğrusal dönüşüm ve </a:t>
+            </a:r>
+            <a:r>
+              <a:rPr lang="tr-TR" dirty="0" err="1"/>
+              <a:t>yerdeğiştirme</a:t>
+            </a:r>
+            <a:r>
+              <a:rPr lang="tr-TR" dirty="0"/>
+              <a:t> işlemleri ile şifreleme algoritması daha da güçlenmektedir. Ayrıca şifrenin karmaşıklığının arttırılmasında çok önemli bir etkendir. Böylelikle saldırılara karşı açık metin iyi derecede korunabilir. </a:t>
+            </a:r>
+          </a:p>
+          <a:p>
+            <a:r>
+              <a:rPr lang="tr-TR" dirty="0"/>
+              <a:t>S-kutuları (</a:t>
+            </a:r>
+            <a:r>
+              <a:rPr lang="tr-TR" dirty="0" err="1"/>
+              <a:t>Yerdeğiştirme</a:t>
+            </a:r>
+            <a:r>
+              <a:rPr lang="tr-TR" dirty="0"/>
+              <a:t> kutuları): Blok şifreleme algoritmalarının en önemli elemanı S-kutularıdır. Algoritmanın tek doğrusal olmayan elemanıdır. Bu yüzden iyi bir S-kutusu seçimi şifrenin karmaşıklığını doğrudan etkiler.</a:t>
+            </a:r>
+          </a:p>
+        </p:txBody>
+      </p:sp>
+    </p:spTree>
+    <p:extLst>
+      <p:ext uri="{BB962C8B-B14F-4D97-AF65-F5344CB8AC3E}">
+        <p14:creationId xmlns:p14="http://schemas.microsoft.com/office/powerpoint/2010/main" val="3860652726"/>
+      </p:ext>
+    </p:extLst>
+  </p:cSld>
+  <p:clrMapOvr>
+    <a:masterClrMapping/>
+  </p:clrMapOvr>
+</p:sld>
+</file>
+
+<file path=ppt/slides/slide9.xml><?xml version="1.0" encoding="utf-8"?>
+<p:sld xmlns:a="http://schemas.openxmlformats.org/drawingml/2006/main" xmlns:r="http://schemas.openxmlformats.org/officeDocument/2006/relationships" xmlns:p="http://schemas.openxmlformats.org/presentationml/2006/main">
+  <p:cSld>
+    <p:spTree>
+      <p:nvGrpSpPr>
+        <p:cNvPr id="1" name=""/>
+        <p:cNvGrpSpPr/>
+        <p:nvPr/>
+      </p:nvGrpSpPr>
+      <p:grpSpPr>
+        <a:xfrm>
+          <a:off x="0" y="0"/>
+          <a:ext cx="0" cy="0"/>
+          <a:chOff x="0" y="0"/>
+          <a:chExt cx="0" cy="0"/>
+        </a:xfrm>
+      </p:grpSpPr>
+      <p:sp>
+        <p:nvSpPr>
+          <p:cNvPr id="2" name="Başlık 1">
+            <a:extLst>
+              <a:ext uri="{FF2B5EF4-FFF2-40B4-BE49-F238E27FC236}">
                 <a16:creationId xmlns:a16="http://schemas.microsoft.com/office/drawing/2014/main" id="{C381BD9C-7319-E546-D6A2-12BB72C48203}"/>
               </a:ext>
             </a:extLst>
@@ -4498,7 +5990,12 @@
             <p:ph type="title"/>
           </p:nvPr>
         </p:nvSpPr>
-        <p:spPr/>
+        <p:spPr>
+          <a:xfrm>
+            <a:off x="213248" y="97312"/>
+            <a:ext cx="9692640" cy="1325562"/>
+          </a:xfrm>
+        </p:spPr>
         <p:txBody>
           <a:bodyPr/>
           <a:lstStyle/>
@@ -4526,10 +6023,15 @@
             <p:ph idx="1"/>
           </p:nvPr>
         </p:nvSpPr>
-        <p:spPr/>
+        <p:spPr>
+          <a:xfrm>
+            <a:off x="213248" y="1577130"/>
+            <a:ext cx="10741264" cy="4384893"/>
+          </a:xfrm>
+        </p:spPr>
         <p:txBody>
           <a:bodyPr>
-            <a:normAutofit fontScale="85000" lnSpcReduction="20000"/>
+            <a:noAutofit/>
           </a:bodyPr>
           <a:lstStyle/>
           <a:p>
@@ -4537,11 +6039,11 @@
               <a:buNone/>
             </a:pPr>
             <a:r>
-              <a:rPr lang="tr-TR" b="1" dirty="0"/>
+              <a:rPr lang="tr-TR" sz="2000" b="1" dirty="0"/>
               <a:t>Anahtar</a:t>
             </a:r>
             <a:r>
-              <a:rPr lang="tr-TR" dirty="0"/>
+              <a:rPr lang="tr-TR" sz="2000" dirty="0"/>
               <a:t> </a:t>
             </a:r>
           </a:p>
@@ -4550,15 +6052,15 @@
               <a:buNone/>
             </a:pPr>
             <a:r>
-              <a:rPr lang="tr-TR" dirty="0"/>
+              <a:rPr lang="tr-TR" sz="2000" dirty="0"/>
               <a:t>  Blok şifreleme algoritmalarında anahtarın uzunluğu yada bit sayısı en temel saldırı olan geniş anahtar arama saldırısına karşın güçlü olmalıdır. Örneğin DES algoritması 56-bit anahtar kullanırken AES, algoritması </a:t>
             </a:r>
             <a:r>
-              <a:rPr lang="tr-TR" dirty="0" err="1"/>
+              <a:rPr lang="tr-TR" sz="2000" dirty="0" err="1"/>
               <a:t>DES’in</a:t>
             </a:r>
             <a:r>
-              <a:rPr lang="tr-TR" dirty="0"/>
+              <a:rPr lang="tr-TR" sz="2000" dirty="0"/>
               <a:t> bu zaafını örter niteliktedir ve 128, 192, 256 bit anahtar seçenekleri mevcuttur. Ayrıca anahtarın rastlantısal olması gerekmektedir. </a:t>
             </a:r>
           </a:p>
@@ -4567,19 +6069,19 @@
               <a:buNone/>
             </a:pPr>
             <a:r>
-              <a:rPr lang="tr-TR" b="1" dirty="0"/>
+              <a:rPr lang="tr-TR" sz="2000" b="1" dirty="0"/>
               <a:t>Döngü</a:t>
             </a:r>
             <a:r>
-              <a:rPr lang="tr-TR" dirty="0"/>
+              <a:rPr lang="tr-TR" sz="2000" dirty="0"/>
               <a:t> </a:t>
             </a:r>
             <a:r>
-              <a:rPr lang="tr-TR" b="1" dirty="0"/>
+              <a:rPr lang="tr-TR" sz="2000" b="1" dirty="0"/>
               <a:t>Sayısı</a:t>
             </a:r>
             <a:r>
-              <a:rPr lang="tr-TR" dirty="0"/>
+              <a:rPr lang="tr-TR" sz="2000" dirty="0"/>
               <a:t> </a:t>
             </a:r>
           </a:p>
@@ -4588,71 +6090,71 @@
               <a:buNone/>
             </a:pPr>
             <a:r>
-              <a:rPr lang="tr-TR" dirty="0"/>
+              <a:rPr lang="tr-TR" sz="2000" dirty="0"/>
               <a:t>  Blok şifreleme algoritmalarında döngü sayısı iyi seçilmek zorundadır. Çünkü lineer transformasyon ve </a:t>
             </a:r>
             <a:r>
-              <a:rPr lang="tr-TR" dirty="0" err="1"/>
+              <a:rPr lang="tr-TR" sz="2000" dirty="0" err="1"/>
               <a:t>yerdeğiştirmelerin</a:t>
             </a:r>
             <a:r>
-              <a:rPr lang="tr-TR" dirty="0"/>
+              <a:rPr lang="tr-TR" sz="2000" dirty="0"/>
               <a:t> bu seçilen değerle algoritmaya yeterli gücü vermesi gerekmektedir. Ayrıca yapılan saldırıların başarısız olması için en önemli şartlardan biridir. Bu sayı için herhangi bir teorik hesaplama olmamasına rağmen Lars </a:t>
             </a:r>
             <a:r>
-              <a:rPr lang="tr-TR" dirty="0" err="1"/>
+              <a:rPr lang="tr-TR" sz="2000" dirty="0" err="1"/>
               <a:t>Knudsen’e</a:t>
             </a:r>
             <a:r>
-              <a:rPr lang="tr-TR" dirty="0"/>
+              <a:rPr lang="tr-TR" sz="2000" dirty="0"/>
               <a:t> göre kabaca döngü sayısı; </a:t>
             </a:r>
             <a:r>
-              <a:rPr lang="tr-TR" b="1" dirty="0"/>
+              <a:rPr lang="tr-TR" sz="2000" b="1" dirty="0"/>
               <a:t>r &gt;= </a:t>
             </a:r>
             <a:r>
-              <a:rPr lang="tr-TR" b="1" dirty="0" err="1"/>
+              <a:rPr lang="tr-TR" sz="2000" b="1" dirty="0" err="1"/>
               <a:t>dn</a:t>
             </a:r>
             <a:r>
-              <a:rPr lang="tr-TR" b="1" dirty="0"/>
+              <a:rPr lang="tr-TR" sz="2000" b="1" dirty="0"/>
               <a:t>/w</a:t>
             </a:r>
             <a:r>
-              <a:rPr lang="tr-TR" dirty="0"/>
+              <a:rPr lang="tr-TR" sz="2000" dirty="0"/>
               <a:t> deki gibi olmalıdır. Burada r döngü sayısını, d </a:t>
             </a:r>
             <a:r>
-              <a:rPr lang="tr-TR" dirty="0" err="1"/>
+              <a:rPr lang="tr-TR" sz="2000" dirty="0" err="1"/>
               <a:t>yerdeğiştirme</a:t>
             </a:r>
             <a:r>
-              <a:rPr lang="tr-TR" dirty="0"/>
+              <a:rPr lang="tr-TR" sz="2000" dirty="0"/>
               <a:t> durumuna bir </a:t>
             </a:r>
             <a:r>
-              <a:rPr lang="tr-TR" dirty="0" err="1"/>
+              <a:rPr lang="tr-TR" sz="2000" dirty="0" err="1"/>
               <a:t>word’ü</a:t>
             </a:r>
             <a:r>
-              <a:rPr lang="tr-TR" dirty="0"/>
+              <a:rPr lang="tr-TR" sz="2000" dirty="0"/>
               <a:t> almak için gerekli maksimum döngü sayısını, n blok genişliğini, w ise tüm şifrede </a:t>
             </a:r>
             <a:r>
-              <a:rPr lang="tr-TR" dirty="0" err="1"/>
+              <a:rPr lang="tr-TR" sz="2000" dirty="0" err="1"/>
               <a:t>yerdeğiştirme</a:t>
             </a:r>
             <a:r>
-              <a:rPr lang="tr-TR" dirty="0"/>
+              <a:rPr lang="tr-TR" sz="2000" dirty="0"/>
               <a:t> durumuna giriş olan minimum </a:t>
             </a:r>
             <a:r>
-              <a:rPr lang="tr-TR" dirty="0" err="1"/>
+              <a:rPr lang="tr-TR" sz="2000" dirty="0" err="1"/>
               <a:t>word</a:t>
             </a:r>
             <a:r>
-              <a:rPr lang="tr-TR" dirty="0"/>
+              <a:rPr lang="tr-TR" sz="2000" dirty="0"/>
               <a:t> genişliğini temsil etmektedir.</a:t>
             </a:r>
           </a:p>
@@ -4672,110 +6174,58 @@
 </file>
 
 <file path=ppt/theme/theme1.xml><?xml version="1.0" encoding="utf-8"?>
-<a:theme xmlns:a="http://schemas.openxmlformats.org/drawingml/2006/main" name="Office Teması">
+<a:theme xmlns:a="http://schemas.openxmlformats.org/drawingml/2006/main" name="Manzara">
   <a:themeElements>
-    <a:clrScheme name="Office">
+    <a:clrScheme name="Manzara">
       <a:dk1>
-        <a:sysClr val="windowText" lastClr="000000"/>
+        <a:srgbClr val="000000"/>
       </a:dk1>
       <a:lt1>
-        <a:sysClr val="window" lastClr="FFFFFF"/>
+        <a:srgbClr val="FFFFFF"/>
       </a:lt1>
       <a:dk2>
-        <a:srgbClr val="44546A"/>
+        <a:srgbClr val="46464A"/>
       </a:dk2>
       <a:lt2>
-        <a:srgbClr val="E7E6E6"/>
+        <a:srgbClr val="D6D3CC"/>
       </a:lt2>
       <a:accent1>
-        <a:srgbClr val="4472C4"/>
+        <a:srgbClr val="6F6F74"/>
       </a:accent1>
       <a:accent2>
-        <a:srgbClr val="ED7D31"/>
+        <a:srgbClr val="92A9B9"/>
       </a:accent2>
       <a:accent3>
-        <a:srgbClr val="A5A5A5"/>
+        <a:srgbClr val="A7B789"/>
       </a:accent3>
       <a:accent4>
-        <a:srgbClr val="FFC000"/>
+        <a:srgbClr val="B9A489"/>
       </a:accent4>
       <a:accent5>
-        <a:srgbClr val="5B9BD5"/>
+        <a:srgbClr val="8D6374"/>
       </a:accent5>
       <a:accent6>
-        <a:srgbClr val="70AD47"/>
+        <a:srgbClr val="9B7362"/>
       </a:accent6>
       <a:hlink>
-        <a:srgbClr val="0563C1"/>
+        <a:srgbClr val="67AABF"/>
       </a:hlink>
       <a:folHlink>
-        <a:srgbClr val="954F72"/>
+        <a:srgbClr val="ABAFA5"/>
       </a:folHlink>
     </a:clrScheme>
-    <a:fontScheme name="Office">
+    <a:fontScheme name="Manzara">
       <a:majorFont>
-        <a:latin typeface="Calibri Light" panose="020F0302020204030204"/>
+        <a:latin typeface="Century Schoolbook" panose="02040604050505020304"/>
         <a:ea typeface=""/>
         <a:cs typeface=""/>
-        <a:font script="Jpan" typeface="游ゴシック Light"/>
+        <a:font script="Jpan" typeface="ＭＳ ゴシック"/>
         <a:font script="Hang" typeface="맑은 고딕"/>
-        <a:font script="Hans" typeface="等线 Light"/>
+        <a:font script="Hans" typeface="宋体"/>
         <a:font script="Hant" typeface="新細明體"/>
-        <a:font script="Arab" typeface="Times New Roman"/>
-        <a:font script="Hebr" typeface="Times New Roman"/>
-        <a:font script="Thai" typeface="Angsana New"/>
-        <a:font script="Ethi" typeface="Nyala"/>
-        <a:font script="Beng" typeface="Vrinda"/>
-        <a:font script="Gujr" typeface="Shruti"/>
-        <a:font script="Khmr" typeface="MoolBoran"/>
-        <a:font script="Knda" typeface="Tunga"/>
-        <a:font script="Guru" typeface="Raavi"/>
-        <a:font script="Cans" typeface="Euphemia"/>
-        <a:font script="Cher" typeface="Plantagenet Cherokee"/>
-        <a:font script="Yiii" typeface="Microsoft Yi Baiti"/>
-        <a:font script="Tibt" typeface="Microsoft Himalaya"/>
-        <a:font script="Thaa" typeface="MV Boli"/>
-        <a:font script="Deva" typeface="Mangal"/>
-        <a:font script="Telu" typeface="Gautami"/>
-        <a:font script="Taml" typeface="Latha"/>
-        <a:font script="Syrc" typeface="Estrangelo Edessa"/>
-        <a:font script="Orya" typeface="Kalinga"/>
-        <a:font script="Mlym" typeface="Kartika"/>
-        <a:font script="Laoo" typeface="DokChampa"/>
-        <a:font script="Sinh" typeface="Iskoola Pota"/>
-        <a:font script="Mong" typeface="Mongolian Baiti"/>
-        <a:font script="Viet" typeface="Times New Roman"/>
-        <a:font script="Uigh" typeface="Microsoft Uighur"/>
-        <a:font script="Geor" typeface="Sylfaen"/>
-        <a:font script="Armn" typeface="Arial"/>
-        <a:font script="Bugi" typeface="Leelawadee UI"/>
-        <a:font script="Bopo" typeface="Microsoft JhengHei"/>
-        <a:font script="Java" typeface="Javanese Text"/>
-        <a:font script="Lisu" typeface="Segoe UI"/>
-        <a:font script="Mymr" typeface="Myanmar Text"/>
-        <a:font script="Nkoo" typeface="Ebrima"/>
-        <a:font script="Olck" typeface="Nirmala UI"/>
-        <a:font script="Osma" typeface="Ebrima"/>
-        <a:font script="Phag" typeface="Phagspa"/>
-        <a:font script="Syrn" typeface="Estrangelo Edessa"/>
-        <a:font script="Syrj" typeface="Estrangelo Edessa"/>
-        <a:font script="Syre" typeface="Estrangelo Edessa"/>
-        <a:font script="Sora" typeface="Nirmala UI"/>
-        <a:font script="Tale" typeface="Microsoft Tai Le"/>
-        <a:font script="Talu" typeface="Microsoft New Tai Lue"/>
-        <a:font script="Tfng" typeface="Ebrima"/>
-      </a:majorFont>
-      <a:minorFont>
-        <a:latin typeface="Calibri" panose="020F0502020204030204"/>
-        <a:ea typeface=""/>
-        <a:cs typeface=""/>
-        <a:font script="Jpan" typeface="游ゴシック"/>
-        <a:font script="Hang" typeface="맑은 고딕"/>
-        <a:font script="Hans" typeface="等线"/>
-        <a:font script="Hant" typeface="新細明體"/>
-        <a:font script="Arab" typeface="Arial"/>
-        <a:font script="Hebr" typeface="Arial"/>
-        <a:font script="Thai" typeface="Cordia New"/>
+        <a:font script="Arab" typeface="Tahoma"/>
+        <a:font script="Hebr" typeface="Gisha"/>
+        <a:font script="Thai" typeface="DilleniaUPC"/>
         <a:font script="Ethi" typeface="Nyala"/>
         <a:font script="Beng" typeface="Vrinda"/>
         <a:font script="Gujr" typeface="Shruti"/>
@@ -4796,107 +6246,86 @@
         <a:font script="Laoo" typeface="DokChampa"/>
         <a:font script="Sinh" typeface="Iskoola Pota"/>
         <a:font script="Mong" typeface="Mongolian Baiti"/>
-        <a:font script="Viet" typeface="Arial"/>
+        <a:font script="Viet" typeface="Tahoma"/>
         <a:font script="Uigh" typeface="Microsoft Uighur"/>
         <a:font script="Geor" typeface="Sylfaen"/>
-        <a:font script="Armn" typeface="Arial"/>
-        <a:font script="Bugi" typeface="Leelawadee UI"/>
-        <a:font script="Bopo" typeface="Microsoft JhengHei"/>
-        <a:font script="Java" typeface="Javanese Text"/>
-        <a:font script="Lisu" typeface="Segoe UI"/>
-        <a:font script="Mymr" typeface="Myanmar Text"/>
-        <a:font script="Nkoo" typeface="Ebrima"/>
-        <a:font script="Olck" typeface="Nirmala UI"/>
-        <a:font script="Osma" typeface="Ebrima"/>
-        <a:font script="Phag" typeface="Phagspa"/>
-        <a:font script="Syrn" typeface="Estrangelo Edessa"/>
-        <a:font script="Syrj" typeface="Estrangelo Edessa"/>
-        <a:font script="Syre" typeface="Estrangelo Edessa"/>
-        <a:font script="Sora" typeface="Nirmala UI"/>
-        <a:font script="Tale" typeface="Microsoft Tai Le"/>
-        <a:font script="Talu" typeface="Microsoft New Tai Lue"/>
-        <a:font script="Tfng" typeface="Ebrima"/>
+      </a:majorFont>
+      <a:minorFont>
+        <a:latin typeface="Century Schoolbook" panose="02040604050505020304"/>
+        <a:ea typeface=""/>
+        <a:cs typeface=""/>
+        <a:font script="Jpan" typeface="ＭＳ ゴシック"/>
+        <a:font script="Hang" typeface="맑은 고딕"/>
+        <a:font script="Hans" typeface="宋体"/>
+        <a:font script="Hant" typeface="新細明體"/>
+        <a:font script="Arab" typeface="Tahoma"/>
+        <a:font script="Hebr" typeface="Gisha"/>
+        <a:font script="Thai" typeface="DilleniaUPC"/>
+        <a:font script="Ethi" typeface="Nyala"/>
+        <a:font script="Beng" typeface="Vrinda"/>
+        <a:font script="Gujr" typeface="Shruti"/>
+        <a:font script="Khmr" typeface="DaunPenh"/>
+        <a:font script="Knda" typeface="Tunga"/>
+        <a:font script="Guru" typeface="Raavi"/>
+        <a:font script="Cans" typeface="Euphemia"/>
+        <a:font script="Cher" typeface="Plantagenet Cherokee"/>
+        <a:font script="Yiii" typeface="Microsoft Yi Baiti"/>
+        <a:font script="Tibt" typeface="Microsoft Himalaya"/>
+        <a:font script="Thaa" typeface="MV Boli"/>
+        <a:font script="Deva" typeface="Mangal"/>
+        <a:font script="Telu" typeface="Gautami"/>
+        <a:font script="Taml" typeface="Latha"/>
+        <a:font script="Syrc" typeface="Estrangelo Edessa"/>
+        <a:font script="Orya" typeface="Kalinga"/>
+        <a:font script="Mlym" typeface="Kartika"/>
+        <a:font script="Laoo" typeface="DokChampa"/>
+        <a:font script="Sinh" typeface="Iskoola Pota"/>
+        <a:font script="Mong" typeface="Mongolian Baiti"/>
+        <a:font script="Viet" typeface="Verdana"/>
+        <a:font script="Uigh" typeface="Microsoft Uighur"/>
+        <a:font script="Geor" typeface="Sylfaen"/>
       </a:minorFont>
     </a:fontScheme>
-    <a:fmtScheme name="Office">
+    <a:fmtScheme name="Manzara">
       <a:fillStyleLst>
         <a:solidFill>
           <a:schemeClr val="phClr"/>
         </a:solidFill>
-        <a:gradFill rotWithShape="1">
-          <a:gsLst>
-            <a:gs pos="0">
-              <a:schemeClr val="phClr">
-                <a:lumMod val="110000"/>
-                <a:satMod val="105000"/>
-                <a:tint val="67000"/>
-              </a:schemeClr>
-            </a:gs>
-            <a:gs pos="50000">
-              <a:schemeClr val="phClr">
-                <a:lumMod val="105000"/>
-                <a:satMod val="103000"/>
-                <a:tint val="73000"/>
-              </a:schemeClr>
-            </a:gs>
-            <a:gs pos="100000">
-              <a:schemeClr val="phClr">
-                <a:lumMod val="105000"/>
-                <a:satMod val="109000"/>
-                <a:tint val="81000"/>
-              </a:schemeClr>
-            </a:gs>
-          </a:gsLst>
-          <a:lin ang="5400000" scaled="0"/>
-        </a:gradFill>
-        <a:gradFill rotWithShape="1">
-          <a:gsLst>
-            <a:gs pos="0">
-              <a:schemeClr val="phClr">
-                <a:satMod val="103000"/>
-                <a:lumMod val="102000"/>
-                <a:tint val="94000"/>
-              </a:schemeClr>
-            </a:gs>
-            <a:gs pos="50000">
-              <a:schemeClr val="phClr">
-                <a:satMod val="110000"/>
-                <a:lumMod val="100000"/>
-                <a:shade val="100000"/>
-              </a:schemeClr>
-            </a:gs>
-            <a:gs pos="100000">
-              <a:schemeClr val="phClr">
-                <a:lumMod val="99000"/>
-                <a:satMod val="120000"/>
-                <a:shade val="78000"/>
-              </a:schemeClr>
-            </a:gs>
-          </a:gsLst>
-          <a:lin ang="5400000" scaled="0"/>
-        </a:gradFill>
+        <a:solidFill>
+          <a:schemeClr val="phClr">
+            <a:tint val="60000"/>
+            <a:satMod val="120000"/>
+          </a:schemeClr>
+        </a:solidFill>
+        <a:solidFill>
+          <a:schemeClr val="phClr">
+            <a:shade val="75000"/>
+            <a:satMod val="160000"/>
+          </a:schemeClr>
+        </a:solidFill>
       </a:fillStyleLst>
       <a:lnStyleLst>
-        <a:ln w="6350" cap="flat" cmpd="sng" algn="ctr">
+        <a:ln w="9525" cap="flat" cmpd="sng" algn="ctr">
           <a:solidFill>
             <a:schemeClr val="phClr"/>
           </a:solidFill>
           <a:prstDash val="solid"/>
-          <a:miter lim="800000"/>
         </a:ln>
-        <a:ln w="12700" cap="flat" cmpd="sng" algn="ctr">
+        <a:ln w="13970" cap="flat" cmpd="sng" algn="ctr">
           <a:solidFill>
             <a:schemeClr val="phClr"/>
           </a:solidFill>
           <a:prstDash val="solid"/>
-          <a:miter lim="800000"/>
         </a:ln>
-        <a:ln w="19050" cap="flat" cmpd="sng" algn="ctr">
+        <a:ln w="17145" cap="flat" cmpd="sng" algn="ctr">
           <a:solidFill>
-            <a:schemeClr val="phClr"/>
+            <a:schemeClr val="phClr">
+              <a:shade val="95000"/>
+              <a:alpha val="95000"/>
+              <a:satMod val="150000"/>
+            </a:schemeClr>
           </a:solidFill>
           <a:prstDash val="solid"/>
-          <a:miter lim="800000"/>
         </a:ln>
       </a:lnStyleLst>
       <a:effectStyleLst>
@@ -4904,16 +6333,52 @@
           <a:effectLst/>
         </a:effectStyle>
         <a:effectStyle>
-          <a:effectLst/>
+          <a:effectLst>
+            <a:outerShdw blurRad="50800" dist="15240" dir="5400000" algn="tl" rotWithShape="0">
+              <a:srgbClr val="000000">
+                <a:alpha val="75000"/>
+              </a:srgbClr>
+            </a:outerShdw>
+          </a:effectLst>
+          <a:scene3d>
+            <a:camera prst="orthographicFront">
+              <a:rot lat="0" lon="0" rev="0"/>
+            </a:camera>
+            <a:lightRig rig="brightRoom" dir="tl"/>
+          </a:scene3d>
+          <a:sp3d contourW="9525" prstMaterial="flat">
+            <a:bevelT w="0" h="0" prst="coolSlant"/>
+            <a:contourClr>
+              <a:schemeClr val="phClr">
+                <a:shade val="35000"/>
+                <a:satMod val="130000"/>
+              </a:schemeClr>
+            </a:contourClr>
+          </a:sp3d>
         </a:effectStyle>
         <a:effectStyle>
           <a:effectLst>
-            <a:outerShdw blurRad="57150" dist="19050" dir="5400000" algn="ctr" rotWithShape="0">
+            <a:outerShdw blurRad="76200" dist="25400" dir="5400000" algn="tl" rotWithShape="0">
               <a:srgbClr val="000000">
-                <a:alpha val="63000"/>
+                <a:alpha val="55000"/>
               </a:srgbClr>
             </a:outerShdw>
           </a:effectLst>
+          <a:scene3d>
+            <a:camera prst="orthographicFront">
+              <a:rot lat="0" lon="0" rev="0"/>
+            </a:camera>
+            <a:lightRig rig="brightRoom" dir="tl"/>
+          </a:scene3d>
+          <a:sp3d contourW="19050" prstMaterial="flat">
+            <a:bevelT w="0" h="0" prst="coolSlant"/>
+            <a:contourClr>
+              <a:schemeClr val="phClr">
+                <a:shade val="25000"/>
+                <a:satMod val="140000"/>
+              </a:schemeClr>
+            </a:contourClr>
+          </a:sp3d>
         </a:effectStyle>
       </a:effectStyleLst>
       <a:bgFillStyleLst>
@@ -4930,28 +6395,23 @@
           <a:gsLst>
             <a:gs pos="0">
               <a:schemeClr val="phClr">
-                <a:tint val="93000"/>
-                <a:satMod val="150000"/>
+                <a:tint val="94000"/>
                 <a:shade val="98000"/>
+                <a:satMod val="130000"/>
                 <a:lumMod val="102000"/>
-              </a:schemeClr>
-            </a:gs>
-            <a:gs pos="50000">
-              <a:schemeClr val="phClr">
-                <a:tint val="98000"/>
-                <a:satMod val="130000"/>
-                <a:shade val="90000"/>
-                <a:lumMod val="103000"/>
               </a:schemeClr>
             </a:gs>
             <a:gs pos="100000">
               <a:schemeClr val="phClr">
-                <a:shade val="63000"/>
-                <a:satMod val="120000"/>
+                <a:tint val="98000"/>
+                <a:shade val="78000"/>
+                <a:satMod val="140000"/>
               </a:schemeClr>
             </a:gs>
           </a:gsLst>
-          <a:lin ang="5400000" scaled="0"/>
+          <a:path path="circle">
+            <a:fillToRect l="100000" t="100000" r="100000" b="100000"/>
+          </a:path>
         </a:gradFill>
       </a:bgFillStyleLst>
     </a:fmtScheme>
@@ -4960,7 +6420,7 @@
   <a:extraClrSchemeLst/>
   <a:extLst>
     <a:ext uri="{05A4C25C-085E-4340-85A3-A5531E510DB2}">
-      <thm15:themeFamily xmlns:thm15="http://schemas.microsoft.com/office/thememl/2012/main" name="Office Theme" id="{62F939B6-93AF-4DB8-9C6B-D6C7DFDC589F}" vid="{4A3C46E8-61CC-4603-A589-7422A47A8E4A}"/>
+      <thm15:themeFamily xmlns:thm15="http://schemas.microsoft.com/office/thememl/2012/main" name="View" id="{BA0EB5A6-F2D4-4F82-977B-64ADEE4A2A69}" vid="{3969A8A2-35DB-4E3B-8885-16FD20568674}"/>
     </a:ext>
   </a:extLst>
 </a:theme>

--- a/sifreleme algoritma.pptx
+++ b/sifreleme algoritma.pptx
@@ -5841,8 +5841,8 @@
         </p:nvSpPr>
         <p:spPr>
           <a:xfrm>
-            <a:off x="285225" y="1220598"/>
-            <a:ext cx="11694253" cy="5528345"/>
+            <a:off x="285226" y="1220598"/>
+            <a:ext cx="10947634" cy="5528345"/>
           </a:xfrm>
         </p:spPr>
         <p:txBody>
